--- a/作业1/Recommender System.pptx
+++ b/作业1/Recommender System.pptx
@@ -12,15 +12,15 @@
   </p:handoutMasterIdLst>
   <p:sldIdLst>
     <p:sldId id="256" r:id="rId5"/>
-    <p:sldId id="265" r:id="rId6"/>
-    <p:sldId id="272" r:id="rId7"/>
-    <p:sldId id="273" r:id="rId8"/>
-    <p:sldId id="274" r:id="rId9"/>
-    <p:sldId id="276" r:id="rId10"/>
-    <p:sldId id="275" r:id="rId11"/>
-    <p:sldId id="277" r:id="rId12"/>
-    <p:sldId id="279" r:id="rId13"/>
-    <p:sldId id="271" r:id="rId14"/>
+    <p:sldId id="272" r:id="rId6"/>
+    <p:sldId id="281" r:id="rId7"/>
+    <p:sldId id="282" r:id="rId8"/>
+    <p:sldId id="273" r:id="rId9"/>
+    <p:sldId id="274" r:id="rId10"/>
+    <p:sldId id="276" r:id="rId11"/>
+    <p:sldId id="275" r:id="rId12"/>
+    <p:sldId id="277" r:id="rId13"/>
+    <p:sldId id="279" r:id="rId14"/>
   </p:sldIdLst>
   <p:sldSz cx="12192000" cy="6858000"/>
   <p:notesSz cx="6858000" cy="9144000"/>
@@ -121,7 +121,7 @@
   </p:defaultTextStyle>
   <p:extLst>
     <p:ext uri="{EFAFB233-063F-42B5-8137-9DF3F51BA10A}">
-      <p15:sldGuideLst xmlns:p15="http://schemas.microsoft.com/office/powerpoint/2012/main">
+      <p15:sldGuideLst xmlns:p15="http://schemas.microsoft.com/office/powerpoint/2012/main" xmlns="">
         <p15:guide id="1" pos="3840" userDrawn="1">
           <p15:clr>
             <a:srgbClr val="A4A3A4"/>
@@ -135,7 +135,7 @@
       </p15:sldGuideLst>
     </p:ext>
     <p:ext uri="{2D200454-40CA-4A62-9FC3-DE9A4176ACB9}">
-      <p15:notesGuideLst xmlns:p15="http://schemas.microsoft.com/office/powerpoint/2012/main"/>
+      <p15:notesGuideLst xmlns:p15="http://schemas.microsoft.com/office/powerpoint/2012/main" xmlns=""/>
     </p:ext>
   </p:extLst>
 </p:presentation>
@@ -231,7 +231,8 @@
                 <a:latin typeface="微软雅黑" panose="020B0503020204020204" pitchFamily="34" charset="-122"/>
                 <a:ea typeface="微软雅黑" panose="020B0503020204020204" pitchFamily="34" charset="-122"/>
               </a:rPr>
-              <a:t>2017年12月12日</a:t>
+              <a:pPr rtl="0"/>
+              <a:t>2017年12月14日 Thursday</a:t>
             </a:fld>
             <a:endParaRPr dirty="0">
               <a:latin typeface="微软雅黑" panose="020B0503020204020204" pitchFamily="34" charset="-122"/>
@@ -308,6 +309,7 @@
                 <a:latin typeface="微软雅黑" panose="020B0503020204020204" pitchFamily="34" charset="-122"/>
                 <a:ea typeface="微软雅黑" panose="020B0503020204020204" pitchFamily="34" charset="-122"/>
               </a:rPr>
+              <a:pPr rtl="0"/>
               <a:t>‹#›</a:t>
             </a:fld>
             <a:endParaRPr>
@@ -320,7 +322,7 @@
     </p:spTree>
     <p:extLst>
       <p:ext uri="{BB962C8B-B14F-4D97-AF65-F5344CB8AC3E}">
-        <p14:creationId xmlns:p14="http://schemas.microsoft.com/office/powerpoint/2010/main" val="2577827546"/>
+        <p14:creationId xmlns:p14="http://schemas.microsoft.com/office/powerpoint/2010/main" xmlns="" val="2577827546"/>
       </p:ext>
     </p:extLst>
   </p:cSld>
@@ -417,7 +419,7 @@
             <a:fld id="{ED9ECDE0-A932-4488-BADD-31E4128A15DC}" type="datetime2">
               <a:rPr lang="zh-CN" altLang="en-US" smtClean="0"/>
               <a:pPr/>
-              <a:t>2017年12月12日</a:t>
+              <a:t>2017年12月14日 Thursday</a:t>
             </a:fld>
             <a:endParaRPr lang="zh-CN" altLang="en-US" dirty="0"/>
           </a:p>
@@ -592,7 +594,7 @@
     </p:spTree>
     <p:extLst>
       <p:ext uri="{BB962C8B-B14F-4D97-AF65-F5344CB8AC3E}">
-        <p14:creationId xmlns:p14="http://schemas.microsoft.com/office/powerpoint/2010/main" val="711136715"/>
+        <p14:creationId xmlns:p14="http://schemas.microsoft.com/office/powerpoint/2010/main" xmlns="" val="711136715"/>
       </p:ext>
     </p:extLst>
   </p:cSld>
@@ -764,6 +766,7 @@
                 <a:latin typeface="微软雅黑" panose="020B0503020204020204" pitchFamily="34" charset="-122"/>
                 <a:ea typeface="微软雅黑" panose="020B0503020204020204" pitchFamily="34" charset="-122"/>
               </a:rPr>
+              <a:pPr rtl="0"/>
               <a:t>1</a:t>
             </a:fld>
             <a:endParaRPr lang="zh-CN" altLang="en-US" dirty="0">
@@ -776,7 +779,7 @@
     </p:spTree>
     <p:extLst>
       <p:ext uri="{BB962C8B-B14F-4D97-AF65-F5344CB8AC3E}">
-        <p14:creationId xmlns:p14="http://schemas.microsoft.com/office/powerpoint/2010/main" val="778996662"/>
+        <p14:creationId xmlns:p14="http://schemas.microsoft.com/office/powerpoint/2010/main" xmlns="" val="778996662"/>
       </p:ext>
     </p:extLst>
   </p:cSld>
@@ -830,10 +833,492 @@
           <a:bodyPr/>
           <a:lstStyle/>
           <a:p>
-            <a:endParaRPr lang="zh-CN" altLang="en-US" dirty="0">
+            <a:r>
+              <a:rPr lang="en-US" altLang="zh-CN" sz="1200" kern="1200" dirty="0" smtClean="0">
+                <a:solidFill>
+                  <a:schemeClr val="tx1"/>
+                </a:solidFill>
+                <a:effectLst/>
+                <a:latin typeface="微软雅黑" panose="020B0503020204020204" pitchFamily="34" charset="-122"/>
+                <a:ea typeface="微软雅黑" panose="020B0503020204020204" pitchFamily="34" charset="-122"/>
+                <a:cs typeface="+mn-cs"/>
+              </a:rPr>
+              <a:t>Ranking</a:t>
+            </a:r>
+            <a:r>
+              <a:rPr lang="zh-CN" altLang="zh-CN" sz="1200" kern="1200" dirty="0" smtClean="0">
+                <a:solidFill>
+                  <a:schemeClr val="tx1"/>
+                </a:solidFill>
+                <a:effectLst/>
+                <a:latin typeface="微软雅黑" panose="020B0503020204020204" pitchFamily="34" charset="-122"/>
+                <a:ea typeface="微软雅黑" panose="020B0503020204020204" pitchFamily="34" charset="-122"/>
+                <a:cs typeface="+mn-cs"/>
+              </a:rPr>
+              <a:t>阶段的最重要任务就是精准的预估用户对视频的喜好程度。不同于</a:t>
+            </a:r>
+            <a:r>
+              <a:rPr lang="en-US" altLang="zh-CN" sz="1200" kern="1200" dirty="0" smtClean="0">
+                <a:solidFill>
+                  <a:schemeClr val="tx1"/>
+                </a:solidFill>
+                <a:effectLst/>
+                <a:latin typeface="微软雅黑" panose="020B0503020204020204" pitchFamily="34" charset="-122"/>
+                <a:ea typeface="微软雅黑" panose="020B0503020204020204" pitchFamily="34" charset="-122"/>
+                <a:cs typeface="+mn-cs"/>
+              </a:rPr>
+              <a:t>Matching</a:t>
+            </a:r>
+            <a:r>
+              <a:rPr lang="zh-CN" altLang="zh-CN" sz="1200" kern="1200" dirty="0" smtClean="0">
+                <a:solidFill>
+                  <a:schemeClr val="tx1"/>
+                </a:solidFill>
+                <a:effectLst/>
+                <a:latin typeface="微软雅黑" panose="020B0503020204020204" pitchFamily="34" charset="-122"/>
+                <a:ea typeface="微软雅黑" panose="020B0503020204020204" pitchFamily="34" charset="-122"/>
+                <a:cs typeface="+mn-cs"/>
+              </a:rPr>
+              <a:t>阶段面临的是百万级的候选视频集，</a:t>
+            </a:r>
+            <a:r>
+              <a:rPr lang="en-US" altLang="zh-CN" sz="1200" kern="1200" dirty="0" smtClean="0">
+                <a:solidFill>
+                  <a:schemeClr val="tx1"/>
+                </a:solidFill>
+                <a:effectLst/>
+                <a:latin typeface="微软雅黑" panose="020B0503020204020204" pitchFamily="34" charset="-122"/>
+                <a:ea typeface="微软雅黑" panose="020B0503020204020204" pitchFamily="34" charset="-122"/>
+                <a:cs typeface="+mn-cs"/>
+              </a:rPr>
+              <a:t>Ranking</a:t>
+            </a:r>
+            <a:r>
+              <a:rPr lang="zh-CN" altLang="zh-CN" sz="1200" kern="1200" dirty="0" smtClean="0">
+                <a:solidFill>
+                  <a:schemeClr val="tx1"/>
+                </a:solidFill>
+                <a:effectLst/>
+                <a:latin typeface="微软雅黑" panose="020B0503020204020204" pitchFamily="34" charset="-122"/>
+                <a:ea typeface="微软雅黑" panose="020B0503020204020204" pitchFamily="34" charset="-122"/>
+                <a:cs typeface="+mn-cs"/>
+              </a:rPr>
+              <a:t>阶段面对的只是百级别的商品集，因此我们可以</a:t>
+            </a:r>
+            <a:r>
+              <a:rPr lang="zh-CN" altLang="zh-CN" sz="1200" i="1" kern="1200" dirty="0" smtClean="0">
+                <a:solidFill>
+                  <a:schemeClr val="tx1"/>
+                </a:solidFill>
+                <a:effectLst/>
+                <a:latin typeface="微软雅黑" panose="020B0503020204020204" pitchFamily="34" charset="-122"/>
+                <a:ea typeface="微软雅黑" panose="020B0503020204020204" pitchFamily="34" charset="-122"/>
+                <a:cs typeface="+mn-cs"/>
+              </a:rPr>
+              <a:t>使用更多更精细的</a:t>
+            </a:r>
+            <a:r>
+              <a:rPr lang="en-US" altLang="zh-CN" sz="1200" i="1" kern="1200" dirty="0" smtClean="0">
+                <a:solidFill>
+                  <a:schemeClr val="tx1"/>
+                </a:solidFill>
+                <a:effectLst/>
+                <a:latin typeface="微软雅黑" panose="020B0503020204020204" pitchFamily="34" charset="-122"/>
+                <a:ea typeface="微软雅黑" panose="020B0503020204020204" pitchFamily="34" charset="-122"/>
+                <a:cs typeface="+mn-cs"/>
+              </a:rPr>
+              <a:t>feature</a:t>
+            </a:r>
+            <a:r>
+              <a:rPr lang="zh-CN" altLang="zh-CN" sz="1200" kern="1200" dirty="0" smtClean="0">
+                <a:solidFill>
+                  <a:schemeClr val="tx1"/>
+                </a:solidFill>
+                <a:effectLst/>
+                <a:latin typeface="微软雅黑" panose="020B0503020204020204" pitchFamily="34" charset="-122"/>
+                <a:ea typeface="微软雅黑" panose="020B0503020204020204" pitchFamily="34" charset="-122"/>
+                <a:cs typeface="+mn-cs"/>
+              </a:rPr>
+              <a:t>来刻画视频（</a:t>
+            </a:r>
+            <a:r>
+              <a:rPr lang="en-US" altLang="zh-CN" sz="1200" kern="1200" dirty="0" smtClean="0">
+                <a:solidFill>
+                  <a:schemeClr val="tx1"/>
+                </a:solidFill>
+                <a:effectLst/>
+                <a:latin typeface="微软雅黑" panose="020B0503020204020204" pitchFamily="34" charset="-122"/>
+                <a:ea typeface="微软雅黑" panose="020B0503020204020204" pitchFamily="34" charset="-122"/>
+                <a:cs typeface="+mn-cs"/>
+              </a:rPr>
+              <a:t>item</a:t>
+            </a:r>
+            <a:r>
+              <a:rPr lang="zh-CN" altLang="zh-CN" sz="1200" kern="1200" dirty="0" smtClean="0">
+                <a:solidFill>
+                  <a:schemeClr val="tx1"/>
+                </a:solidFill>
+                <a:effectLst/>
+                <a:latin typeface="微软雅黑" panose="020B0503020204020204" pitchFamily="34" charset="-122"/>
+                <a:ea typeface="微软雅黑" panose="020B0503020204020204" pitchFamily="34" charset="-122"/>
+                <a:cs typeface="+mn-cs"/>
+              </a:rPr>
+              <a:t>）以及用户与视频（</a:t>
+            </a:r>
+            <a:r>
+              <a:rPr lang="en-US" altLang="zh-CN" sz="1200" kern="1200" dirty="0" smtClean="0">
+                <a:solidFill>
+                  <a:schemeClr val="tx1"/>
+                </a:solidFill>
+                <a:effectLst/>
+                <a:latin typeface="微软雅黑" panose="020B0503020204020204" pitchFamily="34" charset="-122"/>
+                <a:ea typeface="微软雅黑" panose="020B0503020204020204" pitchFamily="34" charset="-122"/>
+                <a:cs typeface="+mn-cs"/>
+              </a:rPr>
+              <a:t>user-item</a:t>
+            </a:r>
+            <a:r>
+              <a:rPr lang="zh-CN" altLang="zh-CN" sz="1200" kern="1200" dirty="0" smtClean="0">
+                <a:solidFill>
+                  <a:schemeClr val="tx1"/>
+                </a:solidFill>
+                <a:effectLst/>
+                <a:latin typeface="微软雅黑" panose="020B0503020204020204" pitchFamily="34" charset="-122"/>
+                <a:ea typeface="微软雅黑" panose="020B0503020204020204" pitchFamily="34" charset="-122"/>
+                <a:cs typeface="+mn-cs"/>
+              </a:rPr>
+              <a:t>）的关系。比如用户可能很喜欢某个视频，但如果</a:t>
+            </a:r>
+            <a:r>
+              <a:rPr lang="en-US" altLang="zh-CN" sz="1200" kern="1200" dirty="0" smtClean="0">
+                <a:solidFill>
+                  <a:schemeClr val="tx1"/>
+                </a:solidFill>
+                <a:effectLst/>
+                <a:latin typeface="微软雅黑" panose="020B0503020204020204" pitchFamily="34" charset="-122"/>
+                <a:ea typeface="微软雅黑" panose="020B0503020204020204" pitchFamily="34" charset="-122"/>
+                <a:cs typeface="+mn-cs"/>
+              </a:rPr>
+              <a:t>list</a:t>
+            </a:r>
+            <a:r>
+              <a:rPr lang="zh-CN" altLang="zh-CN" sz="1200" kern="1200" dirty="0" smtClean="0">
+                <a:solidFill>
+                  <a:schemeClr val="tx1"/>
+                </a:solidFill>
+                <a:effectLst/>
+                <a:latin typeface="微软雅黑" panose="020B0503020204020204" pitchFamily="34" charset="-122"/>
+                <a:ea typeface="微软雅黑" panose="020B0503020204020204" pitchFamily="34" charset="-122"/>
+                <a:cs typeface="+mn-cs"/>
+              </a:rPr>
+              <a:t>页的用的“缩略图”选择不当，用户也许不会点击，等等。</a:t>
+            </a:r>
+          </a:p>
+          <a:p>
+            <a:r>
+              <a:rPr lang="zh-CN" altLang="zh-CN" sz="1200" kern="1200" dirty="0" smtClean="0">
+                <a:solidFill>
+                  <a:schemeClr val="tx1"/>
+                </a:solidFill>
+                <a:effectLst/>
+                <a:latin typeface="微软雅黑" panose="020B0503020204020204" pitchFamily="34" charset="-122"/>
+                <a:ea typeface="微软雅黑" panose="020B0503020204020204" pitchFamily="34" charset="-122"/>
+                <a:cs typeface="+mn-cs"/>
+              </a:rPr>
+              <a:t>此外，</a:t>
+            </a:r>
+            <a:endParaRPr lang="en-US" altLang="zh-CN" sz="1200" kern="1200" dirty="0" smtClean="0">
+              <a:solidFill>
+                <a:schemeClr val="tx1"/>
+              </a:solidFill>
+              <a:effectLst/>
               <a:latin typeface="微软雅黑" panose="020B0503020204020204" pitchFamily="34" charset="-122"/>
               <a:ea typeface="微软雅黑" panose="020B0503020204020204" pitchFamily="34" charset="-122"/>
+              <a:cs typeface="+mn-cs"/>
             </a:endParaRPr>
+          </a:p>
+          <a:p>
+            <a:r>
+              <a:rPr lang="en-US" altLang="zh-CN" sz="1200" kern="1200" dirty="0" smtClean="0">
+                <a:solidFill>
+                  <a:schemeClr val="tx1"/>
+                </a:solidFill>
+                <a:effectLst/>
+                <a:latin typeface="微软雅黑" panose="020B0503020204020204" pitchFamily="34" charset="-122"/>
+                <a:ea typeface="微软雅黑" panose="020B0503020204020204" pitchFamily="34" charset="-122"/>
+                <a:cs typeface="+mn-cs"/>
+              </a:rPr>
+              <a:t>Matching</a:t>
+            </a:r>
+            <a:r>
+              <a:rPr lang="zh-CN" altLang="zh-CN" sz="1200" kern="1200" dirty="0" smtClean="0">
+                <a:solidFill>
+                  <a:schemeClr val="tx1"/>
+                </a:solidFill>
+                <a:effectLst/>
+                <a:latin typeface="微软雅黑" panose="020B0503020204020204" pitchFamily="34" charset="-122"/>
+                <a:ea typeface="微软雅黑" panose="020B0503020204020204" pitchFamily="34" charset="-122"/>
+                <a:cs typeface="+mn-cs"/>
+              </a:rPr>
+              <a:t>阶段的来源往往很多，没法直接比较。</a:t>
+            </a:r>
+            <a:endParaRPr lang="en-US" altLang="zh-CN" sz="1200" kern="1200" dirty="0" smtClean="0">
+              <a:solidFill>
+                <a:schemeClr val="tx1"/>
+              </a:solidFill>
+              <a:effectLst/>
+              <a:latin typeface="微软雅黑" panose="020B0503020204020204" pitchFamily="34" charset="-122"/>
+              <a:ea typeface="微软雅黑" panose="020B0503020204020204" pitchFamily="34" charset="-122"/>
+              <a:cs typeface="+mn-cs"/>
+            </a:endParaRPr>
+          </a:p>
+          <a:p>
+            <a:r>
+              <a:rPr lang="en-US" altLang="zh-CN" sz="1200" kern="1200" dirty="0" smtClean="0">
+                <a:solidFill>
+                  <a:schemeClr val="tx1"/>
+                </a:solidFill>
+                <a:effectLst/>
+                <a:latin typeface="微软雅黑" panose="020B0503020204020204" pitchFamily="34" charset="-122"/>
+                <a:ea typeface="微软雅黑" panose="020B0503020204020204" pitchFamily="34" charset="-122"/>
+                <a:cs typeface="+mn-cs"/>
+              </a:rPr>
+              <a:t>Ranking</a:t>
+            </a:r>
+            <a:r>
+              <a:rPr lang="zh-CN" altLang="zh-CN" sz="1200" kern="1200" dirty="0" smtClean="0">
+                <a:solidFill>
+                  <a:schemeClr val="tx1"/>
+                </a:solidFill>
+                <a:effectLst/>
+                <a:latin typeface="微软雅黑" panose="020B0503020204020204" pitchFamily="34" charset="-122"/>
+                <a:ea typeface="微软雅黑" panose="020B0503020204020204" pitchFamily="34" charset="-122"/>
+                <a:cs typeface="+mn-cs"/>
+              </a:rPr>
+              <a:t>阶段另一个关键的作用是能够把不同来源的数据进行有效的</a:t>
+            </a:r>
+            <a:r>
+              <a:rPr lang="en-US" altLang="zh-CN" sz="1200" kern="1200" dirty="0" smtClean="0">
+                <a:solidFill>
+                  <a:schemeClr val="tx1"/>
+                </a:solidFill>
+                <a:effectLst/>
+                <a:latin typeface="微软雅黑" panose="020B0503020204020204" pitchFamily="34" charset="-122"/>
+                <a:ea typeface="微软雅黑" panose="020B0503020204020204" pitchFamily="34" charset="-122"/>
+                <a:cs typeface="+mn-cs"/>
+              </a:rPr>
+              <a:t>ensemble</a:t>
+            </a:r>
+            <a:r>
+              <a:rPr lang="zh-CN" altLang="zh-CN" sz="1200" kern="1200" dirty="0" smtClean="0">
+                <a:solidFill>
+                  <a:schemeClr val="tx1"/>
+                </a:solidFill>
+                <a:effectLst/>
+                <a:latin typeface="微软雅黑" panose="020B0503020204020204" pitchFamily="34" charset="-122"/>
+                <a:ea typeface="微软雅黑" panose="020B0503020204020204" pitchFamily="34" charset="-122"/>
+                <a:cs typeface="+mn-cs"/>
+              </a:rPr>
+              <a:t>。</a:t>
+            </a:r>
+          </a:p>
+          <a:p>
+            <a:r>
+              <a:rPr lang="zh-CN" altLang="zh-CN" sz="1200" kern="1200" dirty="0" smtClean="0">
+                <a:solidFill>
+                  <a:schemeClr val="tx1"/>
+                </a:solidFill>
+                <a:effectLst/>
+                <a:latin typeface="微软雅黑" panose="020B0503020204020204" pitchFamily="34" charset="-122"/>
+                <a:ea typeface="微软雅黑" panose="020B0503020204020204" pitchFamily="34" charset="-122"/>
+                <a:cs typeface="+mn-cs"/>
+              </a:rPr>
+              <a:t>在目标的设定方面，单纯</a:t>
+            </a:r>
+            <a:r>
+              <a:rPr lang="en-US" altLang="zh-CN" sz="1200" kern="1200" dirty="0" smtClean="0">
+                <a:solidFill>
+                  <a:schemeClr val="tx1"/>
+                </a:solidFill>
+                <a:effectLst/>
+                <a:latin typeface="微软雅黑" panose="020B0503020204020204" pitchFamily="34" charset="-122"/>
+                <a:ea typeface="微软雅黑" panose="020B0503020204020204" pitchFamily="34" charset="-122"/>
+                <a:cs typeface="+mn-cs"/>
+              </a:rPr>
+              <a:t>CTR</a:t>
+            </a:r>
+            <a:r>
+              <a:rPr lang="zh-CN" altLang="zh-CN" sz="1200" kern="1200" dirty="0" smtClean="0">
+                <a:solidFill>
+                  <a:schemeClr val="tx1"/>
+                </a:solidFill>
+                <a:effectLst/>
+                <a:latin typeface="微软雅黑" panose="020B0503020204020204" pitchFamily="34" charset="-122"/>
+                <a:ea typeface="微软雅黑" panose="020B0503020204020204" pitchFamily="34" charset="-122"/>
+                <a:cs typeface="+mn-cs"/>
+              </a:rPr>
+              <a:t>指标是有迷惑性的，有些靠关键词吸引用户高点击的视频未必能够被播放。因此设定的目标基本与期望的观看时长相关，具体的目标调整则根据线上的</a:t>
+            </a:r>
+            <a:r>
+              <a:rPr lang="en-US" altLang="zh-CN" sz="1200" kern="1200" dirty="0" smtClean="0">
+                <a:solidFill>
+                  <a:schemeClr val="tx1"/>
+                </a:solidFill>
+                <a:effectLst/>
+                <a:latin typeface="微软雅黑" panose="020B0503020204020204" pitchFamily="34" charset="-122"/>
+                <a:ea typeface="微软雅黑" panose="020B0503020204020204" pitchFamily="34" charset="-122"/>
+                <a:cs typeface="+mn-cs"/>
+              </a:rPr>
+              <a:t>A/B</a:t>
+            </a:r>
+            <a:r>
+              <a:rPr lang="zh-CN" altLang="zh-CN" sz="1200" kern="1200" dirty="0" smtClean="0">
+                <a:solidFill>
+                  <a:schemeClr val="tx1"/>
+                </a:solidFill>
+                <a:effectLst/>
+                <a:latin typeface="微软雅黑" panose="020B0503020204020204" pitchFamily="34" charset="-122"/>
+                <a:ea typeface="微软雅黑" panose="020B0503020204020204" pitchFamily="34" charset="-122"/>
+                <a:cs typeface="+mn-cs"/>
+              </a:rPr>
+              <a:t>进行调整。</a:t>
+            </a:r>
+            <a:endParaRPr lang="en-US" altLang="zh-CN" sz="1200" kern="1200" dirty="0" smtClean="0">
+              <a:solidFill>
+                <a:schemeClr val="tx1"/>
+              </a:solidFill>
+              <a:effectLst/>
+              <a:latin typeface="微软雅黑" panose="020B0503020204020204" pitchFamily="34" charset="-122"/>
+              <a:ea typeface="微软雅黑" panose="020B0503020204020204" pitchFamily="34" charset="-122"/>
+              <a:cs typeface="+mn-cs"/>
+            </a:endParaRPr>
+          </a:p>
+          <a:p>
+            <a:endParaRPr lang="en-US" altLang="zh-CN" sz="1200" kern="1200" dirty="0" smtClean="0">
+              <a:solidFill>
+                <a:schemeClr val="tx1"/>
+              </a:solidFill>
+              <a:effectLst/>
+              <a:latin typeface="微软雅黑" panose="020B0503020204020204" pitchFamily="34" charset="-122"/>
+              <a:ea typeface="微软雅黑" panose="020B0503020204020204" pitchFamily="34" charset="-122"/>
+              <a:cs typeface="+mn-cs"/>
+            </a:endParaRPr>
+          </a:p>
+          <a:p>
+            <a:pPr marL="0" marR="0" indent="0" algn="l" defTabSz="914400" rtl="0" eaLnBrk="1" fontAlgn="auto" latinLnBrk="0" hangingPunct="1">
+              <a:lnSpc>
+                <a:spcPct val="100000"/>
+              </a:lnSpc>
+              <a:spcBef>
+                <a:spcPts val="0"/>
+              </a:spcBef>
+              <a:spcAft>
+                <a:spcPts val="0"/>
+              </a:spcAft>
+              <a:buClrTx/>
+              <a:buSzTx/>
+              <a:buFontTx/>
+              <a:buNone/>
+              <a:tabLst/>
+              <a:defRPr/>
+            </a:pPr>
+            <a:r>
+              <a:rPr lang="en-US" altLang="zh-CN" sz="1200" kern="1200" dirty="0" smtClean="0">
+                <a:solidFill>
+                  <a:schemeClr val="tx1"/>
+                </a:solidFill>
+                <a:effectLst/>
+                <a:latin typeface="微软雅黑" panose="020B0503020204020204" pitchFamily="34" charset="-122"/>
+                <a:ea typeface="微软雅黑" panose="020B0503020204020204" pitchFamily="34" charset="-122"/>
+                <a:cs typeface="+mn-cs"/>
+              </a:rPr>
+              <a:t>Ranking</a:t>
+            </a:r>
+            <a:r>
+              <a:rPr lang="zh-CN" altLang="zh-CN" sz="1200" kern="1200" dirty="0" smtClean="0">
+                <a:solidFill>
+                  <a:schemeClr val="tx1"/>
+                </a:solidFill>
+                <a:effectLst/>
+                <a:latin typeface="微软雅黑" panose="020B0503020204020204" pitchFamily="34" charset="-122"/>
+                <a:ea typeface="微软雅黑" panose="020B0503020204020204" pitchFamily="34" charset="-122"/>
+                <a:cs typeface="+mn-cs"/>
+              </a:rPr>
+              <a:t>阶段的模型和</a:t>
+            </a:r>
+            <a:r>
+              <a:rPr lang="en-US" altLang="zh-CN" sz="1200" kern="1200" dirty="0" smtClean="0">
+                <a:solidFill>
+                  <a:schemeClr val="tx1"/>
+                </a:solidFill>
+                <a:effectLst/>
+                <a:latin typeface="微软雅黑" panose="020B0503020204020204" pitchFamily="34" charset="-122"/>
+                <a:ea typeface="微软雅黑" panose="020B0503020204020204" pitchFamily="34" charset="-122"/>
+                <a:cs typeface="+mn-cs"/>
+              </a:rPr>
+              <a:t>Matching</a:t>
+            </a:r>
+            <a:r>
+              <a:rPr lang="zh-CN" altLang="zh-CN" sz="1200" kern="1200" dirty="0" smtClean="0">
+                <a:solidFill>
+                  <a:schemeClr val="tx1"/>
+                </a:solidFill>
+                <a:effectLst/>
+                <a:latin typeface="微软雅黑" panose="020B0503020204020204" pitchFamily="34" charset="-122"/>
+                <a:ea typeface="微软雅黑" panose="020B0503020204020204" pitchFamily="34" charset="-122"/>
+                <a:cs typeface="+mn-cs"/>
+              </a:rPr>
+              <a:t>基本相似，不同的是</a:t>
+            </a:r>
+            <a:r>
+              <a:rPr lang="en-US" altLang="zh-CN" sz="1200" kern="1200" dirty="0" smtClean="0">
+                <a:solidFill>
+                  <a:schemeClr val="tx1"/>
+                </a:solidFill>
+                <a:effectLst/>
+                <a:latin typeface="微软雅黑" panose="020B0503020204020204" pitchFamily="34" charset="-122"/>
+                <a:ea typeface="微软雅黑" panose="020B0503020204020204" pitchFamily="34" charset="-122"/>
+                <a:cs typeface="+mn-cs"/>
+              </a:rPr>
+              <a:t>training</a:t>
+            </a:r>
+            <a:r>
+              <a:rPr lang="zh-CN" altLang="zh-CN" sz="1200" kern="1200" dirty="0" smtClean="0">
+                <a:solidFill>
+                  <a:schemeClr val="tx1"/>
+                </a:solidFill>
+                <a:effectLst/>
+                <a:latin typeface="微软雅黑" panose="020B0503020204020204" pitchFamily="34" charset="-122"/>
+                <a:ea typeface="微软雅黑" panose="020B0503020204020204" pitchFamily="34" charset="-122"/>
+                <a:cs typeface="+mn-cs"/>
+              </a:rPr>
+              <a:t>最后一层是一个</a:t>
+            </a:r>
+            <a:r>
+              <a:rPr lang="en-US" altLang="zh-CN" sz="1200" kern="1200" dirty="0" smtClean="0">
+                <a:solidFill>
+                  <a:schemeClr val="tx1"/>
+                </a:solidFill>
+                <a:effectLst/>
+                <a:latin typeface="微软雅黑" panose="020B0503020204020204" pitchFamily="34" charset="-122"/>
+                <a:ea typeface="微软雅黑" panose="020B0503020204020204" pitchFamily="34" charset="-122"/>
+                <a:cs typeface="+mn-cs"/>
+              </a:rPr>
+              <a:t>weighted LR</a:t>
+            </a:r>
+            <a:r>
+              <a:rPr lang="zh-CN" altLang="zh-CN" sz="1200" kern="1200" dirty="0" smtClean="0">
+                <a:solidFill>
+                  <a:schemeClr val="tx1"/>
+                </a:solidFill>
+                <a:effectLst/>
+                <a:latin typeface="微软雅黑" panose="020B0503020204020204" pitchFamily="34" charset="-122"/>
+                <a:ea typeface="微软雅黑" panose="020B0503020204020204" pitchFamily="34" charset="-122"/>
+                <a:cs typeface="+mn-cs"/>
+              </a:rPr>
+              <a:t>层</a:t>
+            </a:r>
+            <a:endParaRPr lang="zh-CN" altLang="en-US" dirty="0"/>
           </a:p>
         </p:txBody>
       </p:sp>
@@ -858,6 +1343,7 @@
                 <a:latin typeface="微软雅黑" panose="020B0503020204020204" pitchFamily="34" charset="-122"/>
                 <a:ea typeface="微软雅黑" panose="020B0503020204020204" pitchFamily="34" charset="-122"/>
               </a:rPr>
+              <a:pPr rtl="0"/>
               <a:t>10</a:t>
             </a:fld>
             <a:endParaRPr lang="en-US" altLang="zh-CN">
@@ -870,7 +1356,7 @@
     </p:spTree>
     <p:extLst>
       <p:ext uri="{BB962C8B-B14F-4D97-AF65-F5344CB8AC3E}">
-        <p14:creationId xmlns:p14="http://schemas.microsoft.com/office/powerpoint/2010/main" val="4124605038"/>
+        <p14:creationId xmlns:p14="http://schemas.microsoft.com/office/powerpoint/2010/main" xmlns="" val="2088795364"/>
       </p:ext>
     </p:extLst>
   </p:cSld>
@@ -924,6 +1410,136 @@
           <a:bodyPr/>
           <a:lstStyle/>
           <a:p>
+            <a:r>
+              <a:rPr lang="zh-CN" altLang="en-US" sz="1200" b="0" i="0" kern="1200" dirty="0" smtClean="0">
+                <a:solidFill>
+                  <a:schemeClr val="tx1"/>
+                </a:solidFill>
+                <a:latin typeface="微软雅黑" panose="020B0503020204020204" pitchFamily="34" charset="-122"/>
+                <a:ea typeface="微软雅黑" panose="020B0503020204020204" pitchFamily="34" charset="-122"/>
+                <a:cs typeface="+mn-cs"/>
+              </a:rPr>
+              <a:t>游客在外旅游很重要的事情便是住和行，而这类</a:t>
+            </a:r>
+            <a:r>
+              <a:rPr lang="en-US" altLang="zh-CN" sz="1200" b="0" i="0" kern="1200" dirty="0" smtClean="0">
+                <a:solidFill>
+                  <a:schemeClr val="tx1"/>
+                </a:solidFill>
+                <a:latin typeface="微软雅黑" panose="020B0503020204020204" pitchFamily="34" charset="-122"/>
+                <a:ea typeface="微软雅黑" panose="020B0503020204020204" pitchFamily="34" charset="-122"/>
+                <a:cs typeface="+mn-cs"/>
+              </a:rPr>
+              <a:t>item</a:t>
+            </a:r>
+            <a:r>
+              <a:rPr lang="zh-CN" altLang="en-US" sz="1200" b="0" i="0" kern="1200" dirty="0" smtClean="0">
+                <a:solidFill>
+                  <a:schemeClr val="tx1"/>
+                </a:solidFill>
+                <a:latin typeface="微软雅黑" panose="020B0503020204020204" pitchFamily="34" charset="-122"/>
+                <a:ea typeface="微软雅黑" panose="020B0503020204020204" pitchFamily="34" charset="-122"/>
+                <a:cs typeface="+mn-cs"/>
+              </a:rPr>
+              <a:t>的推荐很难用有监督学习基于大量数据来训练。</a:t>
+            </a:r>
+            <a:endParaRPr lang="en-US" altLang="zh-CN" sz="1200" b="0" i="0" kern="1200" dirty="0" smtClean="0">
+              <a:solidFill>
+                <a:schemeClr val="tx1"/>
+              </a:solidFill>
+              <a:latin typeface="微软雅黑" panose="020B0503020204020204" pitchFamily="34" charset="-122"/>
+              <a:ea typeface="微软雅黑" panose="020B0503020204020204" pitchFamily="34" charset="-122"/>
+              <a:cs typeface="+mn-cs"/>
+            </a:endParaRPr>
+          </a:p>
+          <a:p>
+            <a:r>
+              <a:rPr lang="zh-CN" altLang="en-US" sz="1200" b="0" i="0" kern="1200" dirty="0" smtClean="0">
+                <a:solidFill>
+                  <a:schemeClr val="tx1"/>
+                </a:solidFill>
+                <a:latin typeface="微软雅黑" panose="020B0503020204020204" pitchFamily="34" charset="-122"/>
+                <a:ea typeface="微软雅黑" panose="020B0503020204020204" pitchFamily="34" charset="-122"/>
+                <a:cs typeface="+mn-cs"/>
+              </a:rPr>
+              <a:t>一：选择住处每个人都有不同的喜好，但对于房间的选择条件确是我们可以抽象出来的，</a:t>
+            </a:r>
+            <a:r>
+              <a:rPr lang="en-US" altLang="zh-CN" sz="1200" b="0" i="0" kern="1200" dirty="0" err="1" smtClean="0">
+                <a:solidFill>
+                  <a:schemeClr val="tx1"/>
+                </a:solidFill>
+                <a:latin typeface="微软雅黑" panose="020B0503020204020204" pitchFamily="34" charset="-122"/>
+                <a:ea typeface="微软雅黑" panose="020B0503020204020204" pitchFamily="34" charset="-122"/>
+                <a:cs typeface="+mn-cs"/>
+              </a:rPr>
+              <a:t>Yanjie</a:t>
+            </a:r>
+            <a:r>
+              <a:rPr lang="en-US" altLang="zh-CN" sz="1200" b="0" i="0" kern="1200" dirty="0" smtClean="0">
+                <a:solidFill>
+                  <a:schemeClr val="tx1"/>
+                </a:solidFill>
+                <a:latin typeface="微软雅黑" panose="020B0503020204020204" pitchFamily="34" charset="-122"/>
+                <a:ea typeface="微软雅黑" panose="020B0503020204020204" pitchFamily="34" charset="-122"/>
+                <a:cs typeface="+mn-cs"/>
+              </a:rPr>
+              <a:t> Fu</a:t>
+            </a:r>
+            <a:r>
+              <a:rPr lang="zh-CN" altLang="en-US" sz="1200" b="0" i="0" kern="1200" dirty="0" smtClean="0">
+                <a:solidFill>
+                  <a:schemeClr val="tx1"/>
+                </a:solidFill>
+                <a:latin typeface="微软雅黑" panose="020B0503020204020204" pitchFamily="34" charset="-122"/>
+                <a:ea typeface="微软雅黑" panose="020B0503020204020204" pitchFamily="34" charset="-122"/>
+                <a:cs typeface="+mn-cs"/>
+              </a:rPr>
+              <a:t>这里提出了一种基于整数规划的推荐系统，他将风险和收益都集中在一个目标函数中进行评估。民宿与酒店不同，你很难将其标准化进行评估，同时有很多信息是比较难获取的；游客在这种状况下除了要关心住处的各项舒适指标，还要特别关注社区的安全问题，毕竟人身安全也很重要。</a:t>
+            </a:r>
+            <a:endParaRPr lang="en-US" altLang="zh-CN" sz="1200" b="0" i="0" kern="1200" dirty="0" smtClean="0">
+              <a:solidFill>
+                <a:schemeClr val="tx1"/>
+              </a:solidFill>
+              <a:latin typeface="微软雅黑" panose="020B0503020204020204" pitchFamily="34" charset="-122"/>
+              <a:ea typeface="微软雅黑" panose="020B0503020204020204" pitchFamily="34" charset="-122"/>
+              <a:cs typeface="+mn-cs"/>
+            </a:endParaRPr>
+          </a:p>
+          <a:p>
+            <a:r>
+              <a:rPr lang="zh-CN" altLang="en-US" sz="1200" b="0" i="0" kern="1200" dirty="0" smtClean="0">
+                <a:solidFill>
+                  <a:schemeClr val="tx1"/>
+                </a:solidFill>
+                <a:latin typeface="微软雅黑" panose="020B0503020204020204" pitchFamily="34" charset="-122"/>
+                <a:ea typeface="微软雅黑" panose="020B0503020204020204" pitchFamily="34" charset="-122"/>
+                <a:cs typeface="+mn-cs"/>
+              </a:rPr>
+              <a:t>二：整数规划问题，最常用的方法便是分支定界，而穷尽搜索的方法效率地下，这篇文章提出了</a:t>
+            </a:r>
+            <a:r>
+              <a:rPr lang="en-US" altLang="zh-CN" sz="1200" b="0" i="0" kern="1200" dirty="0" smtClean="0">
+                <a:solidFill>
+                  <a:schemeClr val="tx1"/>
+                </a:solidFill>
+                <a:latin typeface="微软雅黑" panose="020B0503020204020204" pitchFamily="34" charset="-122"/>
+                <a:ea typeface="微软雅黑" panose="020B0503020204020204" pitchFamily="34" charset="-122"/>
+                <a:cs typeface="+mn-cs"/>
+              </a:rPr>
+              <a:t>learning to BB</a:t>
+            </a:r>
+            <a:r>
+              <a:rPr lang="zh-CN" altLang="en-US" sz="1200" b="0" i="0" kern="1200" dirty="0" smtClean="0">
+                <a:solidFill>
+                  <a:schemeClr val="tx1"/>
+                </a:solidFill>
+                <a:latin typeface="微软雅黑" panose="020B0503020204020204" pitchFamily="34" charset="-122"/>
+                <a:ea typeface="微软雅黑" panose="020B0503020204020204" pitchFamily="34" charset="-122"/>
+                <a:cs typeface="+mn-cs"/>
+              </a:rPr>
+              <a:t>的思路，即引入分支选择变量去模拟学习分支定界的算法行为，这显著改善了算法性能。作者的实验是在纽约市做的，结果是性能和效果上都达到了还不错的效果。</a:t>
+            </a:r>
             <a:endParaRPr lang="zh-CN" altLang="en-US" dirty="0">
               <a:latin typeface="微软雅黑" panose="020B0503020204020204" pitchFamily="34" charset="-122"/>
               <a:ea typeface="微软雅黑" panose="020B0503020204020204" pitchFamily="34" charset="-122"/>
@@ -952,9 +1568,10 @@
                 <a:latin typeface="微软雅黑" panose="020B0503020204020204" pitchFamily="34" charset="-122"/>
                 <a:ea typeface="微软雅黑" panose="020B0503020204020204" pitchFamily="34" charset="-122"/>
               </a:rPr>
+              <a:pPr rtl="0"/>
               <a:t>2</a:t>
             </a:fld>
-            <a:endParaRPr lang="zh-CN" altLang="en-US" dirty="0">
+            <a:endParaRPr lang="en-US" altLang="zh-CN">
               <a:latin typeface="微软雅黑" panose="020B0503020204020204" pitchFamily="34" charset="-122"/>
               <a:ea typeface="微软雅黑" panose="020B0503020204020204" pitchFamily="34" charset="-122"/>
             </a:endParaRPr>
@@ -964,7 +1581,7 @@
     </p:spTree>
     <p:extLst>
       <p:ext uri="{BB962C8B-B14F-4D97-AF65-F5344CB8AC3E}">
-        <p14:creationId xmlns:p14="http://schemas.microsoft.com/office/powerpoint/2010/main" val="2090303795"/>
+        <p14:creationId xmlns:p14="http://schemas.microsoft.com/office/powerpoint/2010/main" xmlns="" val="11529915"/>
       </p:ext>
     </p:extLst>
   </p:cSld>
@@ -1046,6 +1663,7 @@
                 <a:latin typeface="微软雅黑" panose="020B0503020204020204" pitchFamily="34" charset="-122"/>
                 <a:ea typeface="微软雅黑" panose="020B0503020204020204" pitchFamily="34" charset="-122"/>
               </a:rPr>
+              <a:pPr rtl="0"/>
               <a:t>3</a:t>
             </a:fld>
             <a:endParaRPr lang="en-US" altLang="zh-CN">
@@ -1058,7 +1676,7 @@
     </p:spTree>
     <p:extLst>
       <p:ext uri="{BB962C8B-B14F-4D97-AF65-F5344CB8AC3E}">
-        <p14:creationId xmlns:p14="http://schemas.microsoft.com/office/powerpoint/2010/main" val="11529915"/>
+        <p14:creationId xmlns:p14="http://schemas.microsoft.com/office/powerpoint/2010/main" xmlns="" val="11529915"/>
       </p:ext>
     </p:extLst>
   </p:cSld>
@@ -1112,74 +1730,7 @@
           <a:bodyPr/>
           <a:lstStyle/>
           <a:p>
-            <a:r>
-              <a:rPr lang="zh-CN" altLang="en-US" dirty="0" smtClean="0">
-                <a:latin typeface="微软雅黑" panose="020B0503020204020204" pitchFamily="34" charset="-122"/>
-                <a:ea typeface="微软雅黑" panose="020B0503020204020204" pitchFamily="34" charset="-122"/>
-              </a:rPr>
-              <a:t>这篇论文提出的协同过滤算法，在线计算量与顾客数量以及商品数量无关，为顾客提供实时的、高质量的推荐，适用于巨量数据集。它关注于寻找相似的商品而非相似的用户。</a:t>
-            </a:r>
-            <a:endParaRPr lang="en-US" altLang="zh-CN" dirty="0" smtClean="0">
-              <a:latin typeface="微软雅黑" panose="020B0503020204020204" pitchFamily="34" charset="-122"/>
-              <a:ea typeface="微软雅黑" panose="020B0503020204020204" pitchFamily="34" charset="-122"/>
-            </a:endParaRPr>
-          </a:p>
-          <a:p>
-            <a:r>
-              <a:rPr lang="zh-CN" altLang="en-US" dirty="0" smtClean="0">
-                <a:latin typeface="微软雅黑" panose="020B0503020204020204" pitchFamily="34" charset="-122"/>
-                <a:ea typeface="微软雅黑" panose="020B0503020204020204" pitchFamily="34" charset="-122"/>
-              </a:rPr>
-              <a:t>该论文的核心算法思想如图所示。</a:t>
-            </a:r>
-            <a:endParaRPr lang="en-US" altLang="zh-CN" dirty="0" smtClean="0">
-              <a:latin typeface="微软雅黑" panose="020B0503020204020204" pitchFamily="34" charset="-122"/>
-              <a:ea typeface="微软雅黑" panose="020B0503020204020204" pitchFamily="34" charset="-122"/>
-            </a:endParaRPr>
-          </a:p>
-          <a:p>
-            <a:r>
-              <a:rPr lang="zh-CN" altLang="en-US" dirty="0" smtClean="0">
-                <a:latin typeface="微软雅黑" panose="020B0503020204020204" pitchFamily="34" charset="-122"/>
-                <a:ea typeface="微软雅黑" panose="020B0503020204020204" pitchFamily="34" charset="-122"/>
-              </a:rPr>
-              <a:t>向量代表商品而非顾客，向量的</a:t>
-            </a:r>
-            <a:r>
-              <a:rPr lang="en-US" altLang="zh-CN" dirty="0" smtClean="0">
-                <a:latin typeface="微软雅黑" panose="020B0503020204020204" pitchFamily="34" charset="-122"/>
-                <a:ea typeface="微软雅黑" panose="020B0503020204020204" pitchFamily="34" charset="-122"/>
-              </a:rPr>
-              <a:t>M</a:t>
-            </a:r>
-            <a:r>
-              <a:rPr lang="zh-CN" altLang="en-US" dirty="0" smtClean="0">
-                <a:latin typeface="微软雅黑" panose="020B0503020204020204" pitchFamily="34" charset="-122"/>
-                <a:ea typeface="微软雅黑" panose="020B0503020204020204" pitchFamily="34" charset="-122"/>
-              </a:rPr>
-              <a:t>维度对应购买了该商品的顾客。</a:t>
-            </a:r>
-            <a:endParaRPr lang="en-US" altLang="zh-CN" dirty="0" smtClean="0">
-              <a:latin typeface="微软雅黑" panose="020B0503020204020204" pitchFamily="34" charset="-122"/>
-              <a:ea typeface="微软雅黑" panose="020B0503020204020204" pitchFamily="34" charset="-122"/>
-            </a:endParaRPr>
-          </a:p>
-          <a:p>
-            <a:r>
-              <a:rPr lang="zh-CN" altLang="en-US" dirty="0" smtClean="0">
-                <a:latin typeface="微软雅黑" panose="020B0503020204020204" pitchFamily="34" charset="-122"/>
-                <a:ea typeface="微软雅黑" panose="020B0503020204020204" pitchFamily="34" charset="-122"/>
-              </a:rPr>
-              <a:t>该方法的成功之处在于它将耗时的相似矩阵的计算放在</a:t>
-            </a:r>
-            <a:r>
-              <a:rPr lang="zh-CN" altLang="en-US" smtClean="0">
-                <a:latin typeface="微软雅黑" panose="020B0503020204020204" pitchFamily="34" charset="-122"/>
-                <a:ea typeface="微软雅黑" panose="020B0503020204020204" pitchFamily="34" charset="-122"/>
-              </a:rPr>
-              <a:t>了线下。</a:t>
-            </a:r>
-            <a:endParaRPr lang="en-US" altLang="zh-CN" dirty="0" smtClean="0">
+            <a:endParaRPr lang="zh-CN" altLang="en-US" dirty="0">
               <a:latin typeface="微软雅黑" panose="020B0503020204020204" pitchFamily="34" charset="-122"/>
               <a:ea typeface="微软雅黑" panose="020B0503020204020204" pitchFamily="34" charset="-122"/>
             </a:endParaRPr>
@@ -1207,6 +1758,7 @@
                 <a:latin typeface="微软雅黑" panose="020B0503020204020204" pitchFamily="34" charset="-122"/>
                 <a:ea typeface="微软雅黑" panose="020B0503020204020204" pitchFamily="34" charset="-122"/>
               </a:rPr>
+              <a:pPr rtl="0"/>
               <a:t>4</a:t>
             </a:fld>
             <a:endParaRPr lang="en-US" altLang="zh-CN">
@@ -1219,7 +1771,7 @@
     </p:spTree>
     <p:extLst>
       <p:ext uri="{BB962C8B-B14F-4D97-AF65-F5344CB8AC3E}">
-        <p14:creationId xmlns:p14="http://schemas.microsoft.com/office/powerpoint/2010/main" val="2066195230"/>
+        <p14:creationId xmlns:p14="http://schemas.microsoft.com/office/powerpoint/2010/main" xmlns="" val="11529915"/>
       </p:ext>
     </p:extLst>
   </p:cSld>
@@ -1274,268 +1826,66 @@
           <a:lstStyle/>
           <a:p>
             <a:r>
-              <a:rPr lang="zh-CN" altLang="en-US" sz="1200" b="0" i="0" kern="1200" dirty="0" smtClean="0">
-                <a:solidFill>
-                  <a:schemeClr val="tx1"/>
-                </a:solidFill>
-                <a:effectLst/>
-                <a:latin typeface="微软雅黑" panose="020B0503020204020204" pitchFamily="34" charset="-122"/>
-                <a:ea typeface="微软雅黑" panose="020B0503020204020204" pitchFamily="34" charset="-122"/>
-                <a:cs typeface="+mn-cs"/>
-              </a:rPr>
-              <a:t>与</a:t>
-            </a:r>
-            <a:r>
-              <a:rPr lang="en-US" altLang="zh-CN" sz="1200" b="0" i="0" kern="1200" dirty="0" smtClean="0">
-                <a:solidFill>
-                  <a:schemeClr val="tx1"/>
-                </a:solidFill>
-                <a:effectLst/>
-                <a:latin typeface="微软雅黑" panose="020B0503020204020204" pitchFamily="34" charset="-122"/>
-                <a:ea typeface="微软雅黑" panose="020B0503020204020204" pitchFamily="34" charset="-122"/>
-                <a:cs typeface="+mn-cs"/>
-              </a:rPr>
-              <a:t>amazon</a:t>
-            </a:r>
-            <a:r>
-              <a:rPr lang="zh-CN" altLang="en-US" sz="1200" b="0" i="0" kern="1200" dirty="0" smtClean="0">
-                <a:solidFill>
-                  <a:schemeClr val="tx1"/>
-                </a:solidFill>
-                <a:effectLst/>
-                <a:latin typeface="微软雅黑" panose="020B0503020204020204" pitchFamily="34" charset="-122"/>
-                <a:ea typeface="微软雅黑" panose="020B0503020204020204" pitchFamily="34" charset="-122"/>
-                <a:cs typeface="+mn-cs"/>
-              </a:rPr>
-              <a:t>的推荐对象不同，</a:t>
-            </a:r>
-            <a:r>
-              <a:rPr lang="en-US" altLang="zh-CN" sz="1200" b="0" i="0" kern="1200" dirty="0" smtClean="0">
-                <a:solidFill>
-                  <a:schemeClr val="tx1"/>
-                </a:solidFill>
-                <a:effectLst/>
-                <a:latin typeface="微软雅黑" panose="020B0503020204020204" pitchFamily="34" charset="-122"/>
-                <a:ea typeface="微软雅黑" panose="020B0503020204020204" pitchFamily="34" charset="-122"/>
-                <a:cs typeface="+mn-cs"/>
-              </a:rPr>
-              <a:t>google</a:t>
-            </a:r>
-            <a:r>
-              <a:rPr lang="zh-CN" altLang="en-US" sz="1200" b="0" i="0" kern="1200" dirty="0" smtClean="0">
-                <a:solidFill>
-                  <a:schemeClr val="tx1"/>
-                </a:solidFill>
-                <a:effectLst/>
-                <a:latin typeface="微软雅黑" panose="020B0503020204020204" pitchFamily="34" charset="-122"/>
-                <a:ea typeface="微软雅黑" panose="020B0503020204020204" pitchFamily="34" charset="-122"/>
-                <a:cs typeface="+mn-cs"/>
-              </a:rPr>
-              <a:t> </a:t>
-            </a:r>
-            <a:r>
-              <a:rPr lang="en-US" altLang="zh-CN" sz="1200" b="0" i="0" kern="1200" dirty="0" smtClean="0">
-                <a:solidFill>
-                  <a:schemeClr val="tx1"/>
-                </a:solidFill>
-                <a:effectLst/>
-                <a:latin typeface="微软雅黑" panose="020B0503020204020204" pitchFamily="34" charset="-122"/>
-                <a:ea typeface="微软雅黑" panose="020B0503020204020204" pitchFamily="34" charset="-122"/>
-                <a:cs typeface="+mn-cs"/>
-              </a:rPr>
-              <a:t>news</a:t>
-            </a:r>
-            <a:r>
-              <a:rPr lang="zh-CN" altLang="en-US" sz="1200" b="0" i="0" kern="1200" dirty="0" smtClean="0">
-                <a:solidFill>
-                  <a:schemeClr val="tx1"/>
-                </a:solidFill>
-                <a:effectLst/>
-                <a:latin typeface="微软雅黑" panose="020B0503020204020204" pitchFamily="34" charset="-122"/>
-                <a:ea typeface="微软雅黑" panose="020B0503020204020204" pitchFamily="34" charset="-122"/>
-                <a:cs typeface="+mn-cs"/>
-              </a:rPr>
-              <a:t>推荐的对象是新闻，而新闻具有时效性，这需要一种新的推荐策略。</a:t>
-            </a:r>
-            <a:endParaRPr lang="en-US" altLang="zh-CN" sz="1200" b="0" i="0" kern="1200" dirty="0" smtClean="0">
-              <a:solidFill>
-                <a:schemeClr val="tx1"/>
-              </a:solidFill>
-              <a:effectLst/>
+              <a:rPr lang="zh-CN" altLang="en-US" dirty="0" smtClean="0">
+                <a:latin typeface="微软雅黑" panose="020B0503020204020204" pitchFamily="34" charset="-122"/>
+                <a:ea typeface="微软雅黑" panose="020B0503020204020204" pitchFamily="34" charset="-122"/>
+              </a:rPr>
+              <a:t>这篇论文提出的协同过滤算法，在线计算量与顾客数量以及商品数量无关，为顾客提供实时的、高质量的推荐，适用于巨量数据集。它关注于寻找相似的商品而非相似的用户。</a:t>
+            </a:r>
+            <a:endParaRPr lang="en-US" altLang="zh-CN" dirty="0" smtClean="0">
               <a:latin typeface="微软雅黑" panose="020B0503020204020204" pitchFamily="34" charset="-122"/>
               <a:ea typeface="微软雅黑" panose="020B0503020204020204" pitchFamily="34" charset="-122"/>
-              <a:cs typeface="+mn-cs"/>
             </a:endParaRPr>
           </a:p>
           <a:p>
             <a:r>
-              <a:rPr lang="en-US" altLang="zh-CN" sz="1200" b="0" i="0" kern="1200" dirty="0" smtClean="0">
-                <a:solidFill>
-                  <a:schemeClr val="tx1"/>
-                </a:solidFill>
-                <a:effectLst/>
-                <a:latin typeface="微软雅黑" panose="020B0503020204020204" pitchFamily="34" charset="-122"/>
-                <a:ea typeface="微软雅黑" panose="020B0503020204020204" pitchFamily="34" charset="-122"/>
-                <a:cs typeface="+mn-cs"/>
-              </a:rPr>
-              <a:t>scalability</a:t>
-            </a:r>
-            <a:r>
-              <a:rPr lang="en-US" altLang="zh-CN" sz="1200" b="0" i="0" kern="1200" dirty="0" smtClean="0">
-                <a:solidFill>
-                  <a:schemeClr val="tx1"/>
-                </a:solidFill>
-                <a:effectLst/>
-                <a:latin typeface="微软雅黑" panose="020B0503020204020204" pitchFamily="34" charset="-122"/>
-                <a:ea typeface="微软雅黑" panose="020B0503020204020204" pitchFamily="34" charset="-122"/>
-                <a:cs typeface="+mn-cs"/>
-              </a:rPr>
-              <a:t>:</a:t>
-            </a:r>
-            <a:r>
-              <a:rPr lang="zh-CN" altLang="en-US" sz="1200" b="0" i="0" kern="1200" dirty="0" smtClean="0">
-                <a:solidFill>
-                  <a:schemeClr val="tx1"/>
-                </a:solidFill>
-                <a:effectLst/>
-                <a:latin typeface="微软雅黑" panose="020B0503020204020204" pitchFamily="34" charset="-122"/>
-                <a:ea typeface="微软雅黑" panose="020B0503020204020204" pitchFamily="34" charset="-122"/>
-                <a:cs typeface="+mn-cs"/>
-              </a:rPr>
-              <a:t> </a:t>
-            </a:r>
-            <a:r>
-              <a:rPr lang="en-US" altLang="zh-CN" sz="1200" b="0" i="0" kern="1200" dirty="0" smtClean="0">
-                <a:solidFill>
-                  <a:schemeClr val="tx1"/>
-                </a:solidFill>
-                <a:effectLst/>
-                <a:latin typeface="微软雅黑" panose="020B0503020204020204" pitchFamily="34" charset="-122"/>
-                <a:ea typeface="微软雅黑" panose="020B0503020204020204" pitchFamily="34" charset="-122"/>
-                <a:cs typeface="+mn-cs"/>
-              </a:rPr>
-              <a:t>google news</a:t>
-            </a:r>
-            <a:r>
-              <a:rPr lang="zh-CN" altLang="en-US" sz="1200" b="0" i="0" kern="1200" dirty="0" smtClean="0">
-                <a:solidFill>
-                  <a:schemeClr val="tx1"/>
-                </a:solidFill>
-                <a:effectLst/>
-                <a:latin typeface="微软雅黑" panose="020B0503020204020204" pitchFamily="34" charset="-122"/>
-                <a:ea typeface="微软雅黑" panose="020B0503020204020204" pitchFamily="34" charset="-122"/>
-                <a:cs typeface="+mn-cs"/>
-              </a:rPr>
-              <a:t>访客较多，新闻数据也较多</a:t>
-            </a:r>
-            <a:endParaRPr lang="en-US" altLang="zh-CN" sz="1200" b="0" i="0" kern="1200" dirty="0" smtClean="0">
-              <a:solidFill>
-                <a:schemeClr val="tx1"/>
-              </a:solidFill>
-              <a:effectLst/>
+              <a:rPr lang="zh-CN" altLang="en-US" dirty="0" smtClean="0">
+                <a:latin typeface="微软雅黑" panose="020B0503020204020204" pitchFamily="34" charset="-122"/>
+                <a:ea typeface="微软雅黑" panose="020B0503020204020204" pitchFamily="34" charset="-122"/>
+              </a:rPr>
+              <a:t>该论文的核心算法思想如图所示。</a:t>
+            </a:r>
+            <a:endParaRPr lang="en-US" altLang="zh-CN" dirty="0" smtClean="0">
               <a:latin typeface="微软雅黑" panose="020B0503020204020204" pitchFamily="34" charset="-122"/>
               <a:ea typeface="微软雅黑" panose="020B0503020204020204" pitchFamily="34" charset="-122"/>
-              <a:cs typeface="+mn-cs"/>
             </a:endParaRPr>
           </a:p>
           <a:p>
             <a:r>
-              <a:rPr lang="en-US" altLang="zh-CN" sz="1200" b="0" i="0" kern="1200" dirty="0" smtClean="0">
-                <a:solidFill>
-                  <a:schemeClr val="tx1"/>
-                </a:solidFill>
-                <a:effectLst/>
-                <a:latin typeface="微软雅黑" panose="020B0503020204020204" pitchFamily="34" charset="-122"/>
-                <a:ea typeface="微软雅黑" panose="020B0503020204020204" pitchFamily="34" charset="-122"/>
-                <a:cs typeface="+mn-cs"/>
-              </a:rPr>
-              <a:t>item churn:</a:t>
-            </a:r>
-            <a:r>
-              <a:rPr lang="zh-CN" altLang="en-US" sz="1200" b="0" i="0" kern="1200" dirty="0" smtClean="0">
-                <a:solidFill>
-                  <a:schemeClr val="tx1"/>
-                </a:solidFill>
-                <a:effectLst/>
-                <a:latin typeface="微软雅黑" panose="020B0503020204020204" pitchFamily="34" charset="-122"/>
-                <a:ea typeface="微软雅黑" panose="020B0503020204020204" pitchFamily="34" charset="-122"/>
-                <a:cs typeface="+mn-cs"/>
-              </a:rPr>
-              <a:t> 物品</a:t>
-            </a:r>
-            <a:r>
-              <a:rPr lang="en-US" altLang="zh-CN" sz="1200" b="0" i="0" kern="1200" dirty="0" smtClean="0">
-                <a:solidFill>
-                  <a:schemeClr val="tx1"/>
-                </a:solidFill>
-                <a:effectLst/>
-                <a:latin typeface="微软雅黑" panose="020B0503020204020204" pitchFamily="34" charset="-122"/>
-                <a:ea typeface="微软雅黑" panose="020B0503020204020204" pitchFamily="34" charset="-122"/>
-                <a:cs typeface="+mn-cs"/>
-              </a:rPr>
-              <a:t>(</a:t>
-            </a:r>
-            <a:r>
-              <a:rPr lang="zh-CN" altLang="en-US" sz="1200" b="0" i="0" kern="1200" dirty="0" smtClean="0">
-                <a:solidFill>
-                  <a:schemeClr val="tx1"/>
-                </a:solidFill>
-                <a:effectLst/>
-                <a:latin typeface="微软雅黑" panose="020B0503020204020204" pitchFamily="34" charset="-122"/>
-                <a:ea typeface="微软雅黑" panose="020B0503020204020204" pitchFamily="34" charset="-122"/>
-                <a:cs typeface="+mn-cs"/>
-              </a:rPr>
-              <a:t>新闻</a:t>
-            </a:r>
-            <a:r>
-              <a:rPr lang="en-US" altLang="zh-CN" sz="1200" b="0" i="0" kern="1200" dirty="0" smtClean="0">
-                <a:solidFill>
-                  <a:schemeClr val="tx1"/>
-                </a:solidFill>
-                <a:effectLst/>
-                <a:latin typeface="微软雅黑" panose="020B0503020204020204" pitchFamily="34" charset="-122"/>
-                <a:ea typeface="微软雅黑" panose="020B0503020204020204" pitchFamily="34" charset="-122"/>
-                <a:cs typeface="+mn-cs"/>
-              </a:rPr>
-              <a:t>)</a:t>
-            </a:r>
-            <a:r>
-              <a:rPr lang="zh-CN" altLang="en-US" sz="1200" b="0" i="0" kern="1200" dirty="0" smtClean="0">
-                <a:solidFill>
-                  <a:schemeClr val="tx1"/>
-                </a:solidFill>
-                <a:effectLst/>
-                <a:latin typeface="微软雅黑" panose="020B0503020204020204" pitchFamily="34" charset="-122"/>
-                <a:ea typeface="微软雅黑" panose="020B0503020204020204" pitchFamily="34" charset="-122"/>
-                <a:cs typeface="+mn-cs"/>
-              </a:rPr>
-              <a:t>会动态变化，模型需要不断重建，这是一个非常费时的任务，对于</a:t>
-            </a:r>
-            <a:r>
-              <a:rPr lang="en-US" altLang="zh-CN" sz="1200" b="0" i="0" kern="1200" dirty="0" smtClean="0">
-                <a:solidFill>
-                  <a:schemeClr val="tx1"/>
-                </a:solidFill>
-                <a:effectLst/>
-                <a:latin typeface="微软雅黑" panose="020B0503020204020204" pitchFamily="34" charset="-122"/>
-                <a:ea typeface="微软雅黑" panose="020B0503020204020204" pitchFamily="34" charset="-122"/>
-                <a:cs typeface="+mn-cs"/>
-              </a:rPr>
-              <a:t>google news</a:t>
-            </a:r>
-            <a:r>
-              <a:rPr lang="zh-CN" altLang="en-US" sz="1200" b="0" i="0" kern="1200" dirty="0" smtClean="0">
-                <a:solidFill>
-                  <a:schemeClr val="tx1"/>
-                </a:solidFill>
-                <a:effectLst/>
-                <a:latin typeface="微软雅黑" panose="020B0503020204020204" pitchFamily="34" charset="-122"/>
-                <a:ea typeface="微软雅黑" panose="020B0503020204020204" pitchFamily="34" charset="-122"/>
-                <a:cs typeface="+mn-cs"/>
-              </a:rPr>
-              <a:t>来说，每分钟都会产生很多新闻，模型超过一段时间后效果会变差</a:t>
-            </a:r>
-            <a:endParaRPr lang="zh-CN" altLang="en-US" dirty="0">
+              <a:rPr lang="zh-CN" altLang="en-US" dirty="0" smtClean="0">
+                <a:latin typeface="微软雅黑" panose="020B0503020204020204" pitchFamily="34" charset="-122"/>
+                <a:ea typeface="微软雅黑" panose="020B0503020204020204" pitchFamily="34" charset="-122"/>
+              </a:rPr>
+              <a:t>向量代表商品而非顾客，向量的</a:t>
+            </a:r>
+            <a:r>
+              <a:rPr lang="en-US" altLang="zh-CN" dirty="0" smtClean="0">
+                <a:latin typeface="微软雅黑" panose="020B0503020204020204" pitchFamily="34" charset="-122"/>
+                <a:ea typeface="微软雅黑" panose="020B0503020204020204" pitchFamily="34" charset="-122"/>
+              </a:rPr>
+              <a:t>M</a:t>
+            </a:r>
+            <a:r>
+              <a:rPr lang="zh-CN" altLang="en-US" dirty="0" smtClean="0">
+                <a:latin typeface="微软雅黑" panose="020B0503020204020204" pitchFamily="34" charset="-122"/>
+                <a:ea typeface="微软雅黑" panose="020B0503020204020204" pitchFamily="34" charset="-122"/>
+              </a:rPr>
+              <a:t>维度对应购买了该商品的顾客。</a:t>
+            </a:r>
+            <a:endParaRPr lang="en-US" altLang="zh-CN" dirty="0" smtClean="0">
+              <a:latin typeface="微软雅黑" panose="020B0503020204020204" pitchFamily="34" charset="-122"/>
+              <a:ea typeface="微软雅黑" panose="020B0503020204020204" pitchFamily="34" charset="-122"/>
+            </a:endParaRPr>
+          </a:p>
+          <a:p>
+            <a:r>
+              <a:rPr lang="zh-CN" altLang="en-US" dirty="0" smtClean="0">
+                <a:latin typeface="微软雅黑" panose="020B0503020204020204" pitchFamily="34" charset="-122"/>
+                <a:ea typeface="微软雅黑" panose="020B0503020204020204" pitchFamily="34" charset="-122"/>
+              </a:rPr>
+              <a:t>该方法的成功之处在于它将耗时的相似矩阵的计算放在了线下。</a:t>
+            </a:r>
+            <a:endParaRPr lang="en-US" altLang="zh-CN" dirty="0" smtClean="0">
               <a:latin typeface="微软雅黑" panose="020B0503020204020204" pitchFamily="34" charset="-122"/>
               <a:ea typeface="微软雅黑" panose="020B0503020204020204" pitchFamily="34" charset="-122"/>
             </a:endParaRPr>
@@ -1563,6 +1913,7 @@
                 <a:latin typeface="微软雅黑" panose="020B0503020204020204" pitchFamily="34" charset="-122"/>
                 <a:ea typeface="微软雅黑" panose="020B0503020204020204" pitchFamily="34" charset="-122"/>
               </a:rPr>
+              <a:pPr rtl="0"/>
               <a:t>5</a:t>
             </a:fld>
             <a:endParaRPr lang="en-US" altLang="zh-CN">
@@ -1575,7 +1926,7 @@
     </p:spTree>
     <p:extLst>
       <p:ext uri="{BB962C8B-B14F-4D97-AF65-F5344CB8AC3E}">
-        <p14:creationId xmlns:p14="http://schemas.microsoft.com/office/powerpoint/2010/main" val="915173020"/>
+        <p14:creationId xmlns:p14="http://schemas.microsoft.com/office/powerpoint/2010/main" xmlns="" val="2066195230"/>
       </p:ext>
     </p:extLst>
   </p:cSld>
@@ -1639,7 +1990,79 @@
                 <a:ea typeface="微软雅黑" panose="020B0503020204020204" pitchFamily="34" charset="-122"/>
                 <a:cs typeface="+mn-cs"/>
               </a:rPr>
-              <a:t>系统由三个部分组成：</a:t>
+              <a:t>与</a:t>
+            </a:r>
+            <a:r>
+              <a:rPr lang="en-US" altLang="zh-CN" sz="1200" b="0" i="0" kern="1200" dirty="0" smtClean="0">
+                <a:solidFill>
+                  <a:schemeClr val="tx1"/>
+                </a:solidFill>
+                <a:effectLst/>
+                <a:latin typeface="微软雅黑" panose="020B0503020204020204" pitchFamily="34" charset="-122"/>
+                <a:ea typeface="微软雅黑" panose="020B0503020204020204" pitchFamily="34" charset="-122"/>
+                <a:cs typeface="+mn-cs"/>
+              </a:rPr>
+              <a:t>amazon</a:t>
+            </a:r>
+            <a:r>
+              <a:rPr lang="zh-CN" altLang="en-US" sz="1200" b="0" i="0" kern="1200" dirty="0" smtClean="0">
+                <a:solidFill>
+                  <a:schemeClr val="tx1"/>
+                </a:solidFill>
+                <a:effectLst/>
+                <a:latin typeface="微软雅黑" panose="020B0503020204020204" pitchFamily="34" charset="-122"/>
+                <a:ea typeface="微软雅黑" panose="020B0503020204020204" pitchFamily="34" charset="-122"/>
+                <a:cs typeface="+mn-cs"/>
+              </a:rPr>
+              <a:t>的推荐对象不同，</a:t>
+            </a:r>
+            <a:r>
+              <a:rPr lang="en-US" altLang="zh-CN" sz="1200" b="0" i="0" kern="1200" dirty="0" smtClean="0">
+                <a:solidFill>
+                  <a:schemeClr val="tx1"/>
+                </a:solidFill>
+                <a:effectLst/>
+                <a:latin typeface="微软雅黑" panose="020B0503020204020204" pitchFamily="34" charset="-122"/>
+                <a:ea typeface="微软雅黑" panose="020B0503020204020204" pitchFamily="34" charset="-122"/>
+                <a:cs typeface="+mn-cs"/>
+              </a:rPr>
+              <a:t>google</a:t>
+            </a:r>
+            <a:r>
+              <a:rPr lang="zh-CN" altLang="en-US" sz="1200" b="0" i="0" kern="1200" dirty="0" smtClean="0">
+                <a:solidFill>
+                  <a:schemeClr val="tx1"/>
+                </a:solidFill>
+                <a:effectLst/>
+                <a:latin typeface="微软雅黑" panose="020B0503020204020204" pitchFamily="34" charset="-122"/>
+                <a:ea typeface="微软雅黑" panose="020B0503020204020204" pitchFamily="34" charset="-122"/>
+                <a:cs typeface="+mn-cs"/>
+              </a:rPr>
+              <a:t> </a:t>
+            </a:r>
+            <a:r>
+              <a:rPr lang="en-US" altLang="zh-CN" sz="1200" b="0" i="0" kern="1200" dirty="0" smtClean="0">
+                <a:solidFill>
+                  <a:schemeClr val="tx1"/>
+                </a:solidFill>
+                <a:effectLst/>
+                <a:latin typeface="微软雅黑" panose="020B0503020204020204" pitchFamily="34" charset="-122"/>
+                <a:ea typeface="微软雅黑" panose="020B0503020204020204" pitchFamily="34" charset="-122"/>
+                <a:cs typeface="+mn-cs"/>
+              </a:rPr>
+              <a:t>news</a:t>
+            </a:r>
+            <a:r>
+              <a:rPr lang="zh-CN" altLang="en-US" sz="1200" b="0" i="0" kern="1200" dirty="0" smtClean="0">
+                <a:solidFill>
+                  <a:schemeClr val="tx1"/>
+                </a:solidFill>
+                <a:effectLst/>
+                <a:latin typeface="微软雅黑" panose="020B0503020204020204" pitchFamily="34" charset="-122"/>
+                <a:ea typeface="微软雅黑" panose="020B0503020204020204" pitchFamily="34" charset="-122"/>
+                <a:cs typeface="+mn-cs"/>
+              </a:rPr>
+              <a:t>推荐的对象是新闻，而新闻具有时效性，这需要一种新的推荐策略。</a:t>
             </a:r>
             <a:endParaRPr lang="en-US" altLang="zh-CN" sz="1200" b="0" i="0" kern="1200" dirty="0" smtClean="0">
               <a:solidFill>
@@ -1653,6 +2076,18 @@
           </a:p>
           <a:p>
             <a:r>
+              <a:rPr lang="en-US" altLang="zh-CN" sz="1200" b="0" i="0" kern="1200" dirty="0" smtClean="0">
+                <a:solidFill>
+                  <a:schemeClr val="tx1"/>
+                </a:solidFill>
+                <a:effectLst/>
+                <a:latin typeface="微软雅黑" panose="020B0503020204020204" pitchFamily="34" charset="-122"/>
+                <a:ea typeface="微软雅黑" panose="020B0503020204020204" pitchFamily="34" charset="-122"/>
+                <a:cs typeface="+mn-cs"/>
+              </a:rPr>
+              <a:t>scalability:</a:t>
+            </a:r>
+            <a:r>
               <a:rPr lang="zh-CN" altLang="en-US" sz="1200" b="0" i="0" kern="1200" dirty="0" smtClean="0">
                 <a:solidFill>
                   <a:schemeClr val="tx1"/>
@@ -1662,7 +2097,31 @@
                 <a:ea typeface="微软雅黑" panose="020B0503020204020204" pitchFamily="34" charset="-122"/>
                 <a:cs typeface="+mn-cs"/>
               </a:rPr>
-              <a:t>离线部分用于根据用户的浏览记录对用户进行定期聚类；</a:t>
+              <a:t> </a:t>
+            </a:r>
+            <a:r>
+              <a:rPr lang="en-US" altLang="zh-CN" sz="1200" b="0" i="0" kern="1200" dirty="0" smtClean="0">
+                <a:solidFill>
+                  <a:schemeClr val="tx1"/>
+                </a:solidFill>
+                <a:effectLst/>
+                <a:latin typeface="微软雅黑" panose="020B0503020204020204" pitchFamily="34" charset="-122"/>
+                <a:ea typeface="微软雅黑" panose="020B0503020204020204" pitchFamily="34" charset="-122"/>
+                <a:cs typeface="+mn-cs"/>
+              </a:rPr>
+              <a:t>google news</a:t>
+            </a:r>
+            <a:r>
+              <a:rPr lang="zh-CN" altLang="en-US" sz="1200" b="0" i="0" kern="1200" dirty="0" smtClean="0">
+                <a:solidFill>
+                  <a:schemeClr val="tx1"/>
+                </a:solidFill>
+                <a:effectLst/>
+                <a:latin typeface="微软雅黑" panose="020B0503020204020204" pitchFamily="34" charset="-122"/>
+                <a:ea typeface="微软雅黑" panose="020B0503020204020204" pitchFamily="34" charset="-122"/>
+                <a:cs typeface="+mn-cs"/>
+              </a:rPr>
+              <a:t>访客较多，新闻数据也较多</a:t>
             </a:r>
             <a:endParaRPr lang="en-US" altLang="zh-CN" sz="1200" b="0" i="0" kern="1200" dirty="0" smtClean="0">
               <a:solidFill>
@@ -1676,6 +2135,18 @@
           </a:p>
           <a:p>
             <a:r>
+              <a:rPr lang="en-US" altLang="zh-CN" sz="1200" b="0" i="0" kern="1200" dirty="0" smtClean="0">
+                <a:solidFill>
+                  <a:schemeClr val="tx1"/>
+                </a:solidFill>
+                <a:effectLst/>
+                <a:latin typeface="微软雅黑" panose="020B0503020204020204" pitchFamily="34" charset="-122"/>
+                <a:ea typeface="微软雅黑" panose="020B0503020204020204" pitchFamily="34" charset="-122"/>
+                <a:cs typeface="+mn-cs"/>
+              </a:rPr>
+              <a:t>item churn:</a:t>
+            </a:r>
+            <a:r>
               <a:rPr lang="zh-CN" altLang="en-US" sz="1200" b="0" i="0" kern="1200" dirty="0" smtClean="0">
                 <a:solidFill>
                   <a:schemeClr val="tx1"/>
@@ -1685,19 +2156,20 @@
                 <a:ea typeface="微软雅黑" panose="020B0503020204020204" pitchFamily="34" charset="-122"/>
                 <a:cs typeface="+mn-cs"/>
               </a:rPr>
-              <a:t>一系列在线的服务器执行在用户点击时更新用户和文章统计信息，给用户返回推荐信息；</a:t>
-            </a:r>
-            <a:endParaRPr lang="en-US" altLang="zh-CN" sz="1200" b="0" i="0" kern="1200" dirty="0" smtClean="0">
-              <a:solidFill>
-                <a:schemeClr val="tx1"/>
-              </a:solidFill>
-              <a:effectLst/>
-              <a:latin typeface="微软雅黑" panose="020B0503020204020204" pitchFamily="34" charset="-122"/>
-              <a:ea typeface="微软雅黑" panose="020B0503020204020204" pitchFamily="34" charset="-122"/>
-              <a:cs typeface="+mn-cs"/>
-            </a:endParaRPr>
-          </a:p>
-          <a:p>
+              <a:t> 物品</a:t>
+            </a:r>
+            <a:r>
+              <a:rPr lang="en-US" altLang="zh-CN" sz="1200" b="0" i="0" kern="1200" dirty="0" smtClean="0">
+                <a:solidFill>
+                  <a:schemeClr val="tx1"/>
+                </a:solidFill>
+                <a:effectLst/>
+                <a:latin typeface="微软雅黑" panose="020B0503020204020204" pitchFamily="34" charset="-122"/>
+                <a:ea typeface="微软雅黑" panose="020B0503020204020204" pitchFamily="34" charset="-122"/>
+                <a:cs typeface="+mn-cs"/>
+              </a:rPr>
+              <a:t>(</a:t>
+            </a:r>
             <a:r>
               <a:rPr lang="zh-CN" altLang="en-US" sz="1200" b="0" i="0" kern="1200" dirty="0" smtClean="0">
                 <a:solidFill>
@@ -1708,7 +2180,7 @@
                 <a:ea typeface="微软雅黑" panose="020B0503020204020204" pitchFamily="34" charset="-122"/>
                 <a:cs typeface="+mn-cs"/>
               </a:rPr>
-              <a:t>两种类型的数据表</a:t>
+              <a:t>新闻</a:t>
             </a:r>
             <a:r>
               <a:rPr lang="en-US" altLang="zh-CN" sz="1200" b="0" i="0" kern="1200" dirty="0" smtClean="0">
@@ -1720,7 +2192,7 @@
                 <a:ea typeface="微软雅黑" panose="020B0503020204020204" pitchFamily="34" charset="-122"/>
                 <a:cs typeface="+mn-cs"/>
               </a:rPr>
-              <a:t>-UT(</a:t>
+              <a:t>)</a:t>
             </a:r>
             <a:r>
               <a:rPr lang="zh-CN" altLang="en-US" sz="1200" b="0" i="0" kern="1200" dirty="0" smtClean="0">
@@ -1732,7 +2204,7 @@
                 <a:ea typeface="微软雅黑" panose="020B0503020204020204" pitchFamily="34" charset="-122"/>
                 <a:cs typeface="+mn-cs"/>
               </a:rPr>
-              <a:t>以用户</a:t>
+              <a:t>会动态变化，模型需要不断重建，这是一个非常费时的任务，对于</a:t>
             </a:r>
             <a:r>
               <a:rPr lang="en-US" altLang="zh-CN" sz="1200" b="0" i="0" kern="1200" dirty="0" smtClean="0">
@@ -1744,7 +2216,7 @@
                 <a:ea typeface="微软雅黑" panose="020B0503020204020204" pitchFamily="34" charset="-122"/>
                 <a:cs typeface="+mn-cs"/>
               </a:rPr>
-              <a:t>ID</a:t>
+              <a:t>google news</a:t>
             </a:r>
             <a:r>
               <a:rPr lang="zh-CN" altLang="en-US" sz="1200" b="0" i="0" kern="1200" dirty="0" smtClean="0">
@@ -1756,103 +2228,7 @@
                 <a:ea typeface="微软雅黑" panose="020B0503020204020204" pitchFamily="34" charset="-122"/>
                 <a:cs typeface="+mn-cs"/>
               </a:rPr>
-              <a:t>作为索引存放用户点击历史和聚类信息</a:t>
-            </a:r>
-            <a:r>
-              <a:rPr lang="en-US" altLang="zh-CN" sz="1200" b="0" i="0" kern="1200" dirty="0" smtClean="0">
-                <a:solidFill>
-                  <a:schemeClr val="tx1"/>
-                </a:solidFill>
-                <a:effectLst/>
-                <a:latin typeface="微软雅黑" panose="020B0503020204020204" pitchFamily="34" charset="-122"/>
-                <a:ea typeface="微软雅黑" panose="020B0503020204020204" pitchFamily="34" charset="-122"/>
-                <a:cs typeface="+mn-cs"/>
-              </a:rPr>
-              <a:t>)</a:t>
-            </a:r>
-            <a:r>
-              <a:rPr lang="zh-CN" altLang="en-US" sz="1200" b="0" i="0" kern="1200" dirty="0" smtClean="0">
-                <a:solidFill>
-                  <a:schemeClr val="tx1"/>
-                </a:solidFill>
-                <a:effectLst/>
-                <a:latin typeface="微软雅黑" panose="020B0503020204020204" pitchFamily="34" charset="-122"/>
-                <a:ea typeface="微软雅黑" panose="020B0503020204020204" pitchFamily="34" charset="-122"/>
-                <a:cs typeface="+mn-cs"/>
-              </a:rPr>
-              <a:t>和</a:t>
-            </a:r>
-            <a:r>
-              <a:rPr lang="en-US" altLang="zh-CN" sz="1200" b="0" i="0" kern="1200" dirty="0" smtClean="0">
-                <a:solidFill>
-                  <a:schemeClr val="tx1"/>
-                </a:solidFill>
-                <a:effectLst/>
-                <a:latin typeface="微软雅黑" panose="020B0503020204020204" pitchFamily="34" charset="-122"/>
-                <a:ea typeface="微软雅黑" panose="020B0503020204020204" pitchFamily="34" charset="-122"/>
-                <a:cs typeface="+mn-cs"/>
-              </a:rPr>
-              <a:t>ST(</a:t>
-            </a:r>
-            <a:r>
-              <a:rPr lang="zh-CN" altLang="en-US" sz="1200" b="0" i="0" kern="1200" dirty="0" smtClean="0">
-                <a:solidFill>
-                  <a:schemeClr val="tx1"/>
-                </a:solidFill>
-                <a:effectLst/>
-                <a:latin typeface="微软雅黑" panose="020B0503020204020204" pitchFamily="34" charset="-122"/>
-                <a:ea typeface="微软雅黑" panose="020B0503020204020204" pitchFamily="34" charset="-122"/>
-                <a:cs typeface="+mn-cs"/>
-              </a:rPr>
-              <a:t>以文章</a:t>
-            </a:r>
-            <a:r>
-              <a:rPr lang="en-US" altLang="zh-CN" sz="1200" b="0" i="0" kern="1200" dirty="0" smtClean="0">
-                <a:solidFill>
-                  <a:schemeClr val="tx1"/>
-                </a:solidFill>
-                <a:effectLst/>
-                <a:latin typeface="微软雅黑" panose="020B0503020204020204" pitchFamily="34" charset="-122"/>
-                <a:ea typeface="微软雅黑" panose="020B0503020204020204" pitchFamily="34" charset="-122"/>
-                <a:cs typeface="+mn-cs"/>
-              </a:rPr>
-              <a:t>ID</a:t>
-            </a:r>
-            <a:r>
-              <a:rPr lang="zh-CN" altLang="en-US" sz="1200" b="0" i="0" kern="1200" dirty="0" smtClean="0">
-                <a:solidFill>
-                  <a:schemeClr val="tx1"/>
-                </a:solidFill>
-                <a:effectLst/>
-                <a:latin typeface="微软雅黑" panose="020B0503020204020204" pitchFamily="34" charset="-122"/>
-                <a:ea typeface="微软雅黑" panose="020B0503020204020204" pitchFamily="34" charset="-122"/>
-                <a:cs typeface="+mn-cs"/>
-              </a:rPr>
-              <a:t>作为索引存储文章直接的点击情况和文章类别信息</a:t>
-            </a:r>
-            <a:r>
-              <a:rPr lang="en-US" altLang="zh-CN" sz="1200" b="0" i="0" kern="1200" dirty="0" smtClean="0">
-                <a:solidFill>
-                  <a:schemeClr val="tx1"/>
-                </a:solidFill>
-                <a:effectLst/>
-                <a:latin typeface="微软雅黑" panose="020B0503020204020204" pitchFamily="34" charset="-122"/>
-                <a:ea typeface="微软雅黑" panose="020B0503020204020204" pitchFamily="34" charset="-122"/>
-                <a:cs typeface="+mn-cs"/>
-              </a:rPr>
-              <a:t>)</a:t>
-            </a:r>
-            <a:r>
-              <a:rPr lang="zh-CN" altLang="en-US" sz="1200" b="0" i="0" kern="1200" dirty="0" smtClean="0">
-                <a:solidFill>
-                  <a:schemeClr val="tx1"/>
-                </a:solidFill>
-                <a:effectLst/>
-                <a:latin typeface="微软雅黑" panose="020B0503020204020204" pitchFamily="34" charset="-122"/>
-                <a:ea typeface="微软雅黑" panose="020B0503020204020204" pitchFamily="34" charset="-122"/>
-                <a:cs typeface="+mn-cs"/>
-              </a:rPr>
-              <a:t>。</a:t>
+              <a:t>来说，每分钟都会产生很多新闻，模型超过一段时间后效果会变差</a:t>
             </a:r>
             <a:endParaRPr lang="zh-CN" altLang="en-US" dirty="0">
               <a:latin typeface="微软雅黑" panose="020B0503020204020204" pitchFamily="34" charset="-122"/>
@@ -1882,6 +2258,7 @@
                 <a:latin typeface="微软雅黑" panose="020B0503020204020204" pitchFamily="34" charset="-122"/>
                 <a:ea typeface="微软雅黑" panose="020B0503020204020204" pitchFamily="34" charset="-122"/>
               </a:rPr>
+              <a:pPr rtl="0"/>
               <a:t>6</a:t>
             </a:fld>
             <a:endParaRPr lang="en-US" altLang="zh-CN">
@@ -1894,7 +2271,7 @@
     </p:spTree>
     <p:extLst>
       <p:ext uri="{BB962C8B-B14F-4D97-AF65-F5344CB8AC3E}">
-        <p14:creationId xmlns:p14="http://schemas.microsoft.com/office/powerpoint/2010/main" val="239878008"/>
+        <p14:creationId xmlns:p14="http://schemas.microsoft.com/office/powerpoint/2010/main" xmlns="" val="915173020"/>
       </p:ext>
     </p:extLst>
   </p:cSld>
@@ -1949,258 +2326,18 @@
           <a:lstStyle/>
           <a:p>
             <a:r>
-              <a:rPr lang="zh-CN" altLang="zh-CN" sz="1200" kern="1200" dirty="0" smtClean="0">
-                <a:solidFill>
-                  <a:schemeClr val="tx1"/>
-                </a:solidFill>
-                <a:effectLst/>
-                <a:latin typeface="微软雅黑" panose="020B0503020204020204" pitchFamily="34" charset="-122"/>
-                <a:ea typeface="微软雅黑" panose="020B0503020204020204" pitchFamily="34" charset="-122"/>
-                <a:cs typeface="+mn-cs"/>
-              </a:rPr>
-              <a:t>整个推荐系统分为</a:t>
-            </a:r>
-            <a:r>
-              <a:rPr lang="en-US" altLang="zh-CN" sz="1200" kern="1200" dirty="0" smtClean="0">
-                <a:solidFill>
-                  <a:schemeClr val="tx1"/>
-                </a:solidFill>
-                <a:effectLst/>
-                <a:latin typeface="微软雅黑" panose="020B0503020204020204" pitchFamily="34" charset="-122"/>
-                <a:ea typeface="微软雅黑" panose="020B0503020204020204" pitchFamily="34" charset="-122"/>
-                <a:cs typeface="+mn-cs"/>
-              </a:rPr>
-              <a:t>candidate generation</a:t>
-            </a:r>
-            <a:r>
-              <a:rPr lang="zh-CN" altLang="zh-CN" sz="1200" kern="1200" dirty="0" smtClean="0">
-                <a:solidFill>
-                  <a:schemeClr val="tx1"/>
-                </a:solidFill>
-                <a:effectLst/>
-                <a:latin typeface="微软雅黑" panose="020B0503020204020204" pitchFamily="34" charset="-122"/>
-                <a:ea typeface="微软雅黑" panose="020B0503020204020204" pitchFamily="34" charset="-122"/>
-                <a:cs typeface="+mn-cs"/>
-              </a:rPr>
-              <a:t>（淘宝称为</a:t>
-            </a:r>
-            <a:r>
-              <a:rPr lang="en-US" altLang="zh-CN" sz="1200" kern="1200" dirty="0" smtClean="0">
-                <a:solidFill>
-                  <a:schemeClr val="tx1"/>
-                </a:solidFill>
-                <a:effectLst/>
-                <a:latin typeface="微软雅黑" panose="020B0503020204020204" pitchFamily="34" charset="-122"/>
-                <a:ea typeface="微软雅黑" panose="020B0503020204020204" pitchFamily="34" charset="-122"/>
-                <a:cs typeface="+mn-cs"/>
-              </a:rPr>
-              <a:t>Matching</a:t>
-            </a:r>
-            <a:r>
-              <a:rPr lang="zh-CN" altLang="zh-CN" sz="1200" kern="1200" dirty="0" smtClean="0">
-                <a:solidFill>
-                  <a:schemeClr val="tx1"/>
-                </a:solidFill>
-                <a:effectLst/>
-                <a:latin typeface="微软雅黑" panose="020B0503020204020204" pitchFamily="34" charset="-122"/>
-                <a:ea typeface="微软雅黑" panose="020B0503020204020204" pitchFamily="34" charset="-122"/>
-                <a:cs typeface="+mn-cs"/>
-              </a:rPr>
-              <a:t>，后面用</a:t>
-            </a:r>
-            <a:r>
-              <a:rPr lang="en-US" altLang="zh-CN" sz="1200" kern="1200" dirty="0" smtClean="0">
-                <a:solidFill>
-                  <a:schemeClr val="tx1"/>
-                </a:solidFill>
-                <a:effectLst/>
-                <a:latin typeface="微软雅黑" panose="020B0503020204020204" pitchFamily="34" charset="-122"/>
-                <a:ea typeface="微软雅黑" panose="020B0503020204020204" pitchFamily="34" charset="-122"/>
-                <a:cs typeface="+mn-cs"/>
-              </a:rPr>
-              <a:t>Matching</a:t>
-            </a:r>
-            <a:r>
-              <a:rPr lang="zh-CN" altLang="zh-CN" sz="1200" kern="1200" dirty="0" smtClean="0">
-                <a:solidFill>
-                  <a:schemeClr val="tx1"/>
-                </a:solidFill>
-                <a:effectLst/>
-                <a:latin typeface="微软雅黑" panose="020B0503020204020204" pitchFamily="34" charset="-122"/>
-                <a:ea typeface="微软雅黑" panose="020B0503020204020204" pitchFamily="34" charset="-122"/>
-                <a:cs typeface="+mn-cs"/>
-              </a:rPr>
-              <a:t>代替）和</a:t>
-            </a:r>
-            <a:r>
-              <a:rPr lang="en-US" altLang="zh-CN" sz="1200" kern="1200" dirty="0" smtClean="0">
-                <a:solidFill>
-                  <a:schemeClr val="tx1"/>
-                </a:solidFill>
-                <a:effectLst/>
-                <a:latin typeface="微软雅黑" panose="020B0503020204020204" pitchFamily="34" charset="-122"/>
-                <a:ea typeface="微软雅黑" panose="020B0503020204020204" pitchFamily="34" charset="-122"/>
-                <a:cs typeface="+mn-cs"/>
-              </a:rPr>
-              <a:t>Ranking</a:t>
-            </a:r>
-            <a:r>
-              <a:rPr lang="zh-CN" altLang="zh-CN" sz="1200" kern="1200" dirty="0" smtClean="0">
-                <a:solidFill>
-                  <a:schemeClr val="tx1"/>
-                </a:solidFill>
-                <a:effectLst/>
-                <a:latin typeface="微软雅黑" panose="020B0503020204020204" pitchFamily="34" charset="-122"/>
-                <a:ea typeface="微软雅黑" panose="020B0503020204020204" pitchFamily="34" charset="-122"/>
-                <a:cs typeface="+mn-cs"/>
-              </a:rPr>
-              <a:t>两个阶段。</a:t>
-            </a:r>
-            <a:r>
-              <a:rPr lang="en-US" altLang="zh-CN" sz="1200" kern="1200" dirty="0" smtClean="0">
-                <a:solidFill>
-                  <a:schemeClr val="tx1"/>
-                </a:solidFill>
-                <a:effectLst/>
-                <a:latin typeface="微软雅黑" panose="020B0503020204020204" pitchFamily="34" charset="-122"/>
-                <a:ea typeface="微软雅黑" panose="020B0503020204020204" pitchFamily="34" charset="-122"/>
-                <a:cs typeface="+mn-cs"/>
-              </a:rPr>
-              <a:t>Matching</a:t>
-            </a:r>
-            <a:r>
-              <a:rPr lang="zh-CN" altLang="zh-CN" sz="1200" kern="1200" dirty="0" smtClean="0">
-                <a:solidFill>
-                  <a:schemeClr val="tx1"/>
-                </a:solidFill>
-                <a:effectLst/>
-                <a:latin typeface="微软雅黑" panose="020B0503020204020204" pitchFamily="34" charset="-122"/>
-                <a:ea typeface="微软雅黑" panose="020B0503020204020204" pitchFamily="34" charset="-122"/>
-                <a:cs typeface="+mn-cs"/>
-              </a:rPr>
-              <a:t>阶段通过</a:t>
-            </a:r>
-            <a:r>
-              <a:rPr lang="en-US" altLang="zh-CN" sz="1200" kern="1200" dirty="0" smtClean="0">
-                <a:solidFill>
-                  <a:schemeClr val="tx1"/>
-                </a:solidFill>
-                <a:effectLst/>
-                <a:latin typeface="微软雅黑" panose="020B0503020204020204" pitchFamily="34" charset="-122"/>
-                <a:ea typeface="微软雅黑" panose="020B0503020204020204" pitchFamily="34" charset="-122"/>
-                <a:cs typeface="+mn-cs"/>
-              </a:rPr>
-              <a:t>i2i/u2i/u2u/user profile</a:t>
-            </a:r>
-            <a:r>
-              <a:rPr lang="zh-CN" altLang="zh-CN" sz="1200" kern="1200" dirty="0" smtClean="0">
-                <a:solidFill>
-                  <a:schemeClr val="tx1"/>
-                </a:solidFill>
-                <a:effectLst/>
-                <a:latin typeface="微软雅黑" panose="020B0503020204020204" pitchFamily="34" charset="-122"/>
-                <a:ea typeface="微软雅黑" panose="020B0503020204020204" pitchFamily="34" charset="-122"/>
-                <a:cs typeface="+mn-cs"/>
-              </a:rPr>
-              <a:t>等方式“粗糙”的召回候选商品，</a:t>
-            </a:r>
-            <a:r>
-              <a:rPr lang="en-US" altLang="zh-CN" sz="1200" kern="1200" dirty="0" smtClean="0">
-                <a:solidFill>
-                  <a:schemeClr val="tx1"/>
-                </a:solidFill>
-                <a:effectLst/>
-                <a:latin typeface="微软雅黑" panose="020B0503020204020204" pitchFamily="34" charset="-122"/>
-                <a:ea typeface="微软雅黑" panose="020B0503020204020204" pitchFamily="34" charset="-122"/>
-                <a:cs typeface="+mn-cs"/>
-              </a:rPr>
-              <a:t>Matching</a:t>
-            </a:r>
-            <a:r>
-              <a:rPr lang="zh-CN" altLang="zh-CN" sz="1200" kern="1200" dirty="0" smtClean="0">
-                <a:solidFill>
-                  <a:schemeClr val="tx1"/>
-                </a:solidFill>
-                <a:effectLst/>
-                <a:latin typeface="微软雅黑" panose="020B0503020204020204" pitchFamily="34" charset="-122"/>
-                <a:ea typeface="微软雅黑" panose="020B0503020204020204" pitchFamily="34" charset="-122"/>
-                <a:cs typeface="+mn-cs"/>
-              </a:rPr>
-              <a:t>阶段视频的数量是百级别了；</a:t>
-            </a:r>
-            <a:r>
-              <a:rPr lang="en-US" altLang="zh-CN" sz="1200" kern="1200" dirty="0" smtClean="0">
-                <a:solidFill>
-                  <a:schemeClr val="tx1"/>
-                </a:solidFill>
-                <a:effectLst/>
-                <a:latin typeface="微软雅黑" panose="020B0503020204020204" pitchFamily="34" charset="-122"/>
-                <a:ea typeface="微软雅黑" panose="020B0503020204020204" pitchFamily="34" charset="-122"/>
-                <a:cs typeface="+mn-cs"/>
-              </a:rPr>
-              <a:t>Ranking</a:t>
-            </a:r>
-            <a:r>
-              <a:rPr lang="zh-CN" altLang="zh-CN" sz="1200" kern="1200" dirty="0" smtClean="0">
-                <a:solidFill>
-                  <a:schemeClr val="tx1"/>
-                </a:solidFill>
-                <a:effectLst/>
-                <a:latin typeface="微软雅黑" panose="020B0503020204020204" pitchFamily="34" charset="-122"/>
-                <a:ea typeface="微软雅黑" panose="020B0503020204020204" pitchFamily="34" charset="-122"/>
-                <a:cs typeface="+mn-cs"/>
-              </a:rPr>
-              <a:t>阶段对</a:t>
-            </a:r>
-            <a:r>
-              <a:rPr lang="en-US" altLang="zh-CN" sz="1200" kern="1200" dirty="0" smtClean="0">
-                <a:solidFill>
-                  <a:schemeClr val="tx1"/>
-                </a:solidFill>
-                <a:effectLst/>
-                <a:latin typeface="微软雅黑" panose="020B0503020204020204" pitchFamily="34" charset="-122"/>
-                <a:ea typeface="微软雅黑" panose="020B0503020204020204" pitchFamily="34" charset="-122"/>
-                <a:cs typeface="+mn-cs"/>
-              </a:rPr>
-              <a:t>Matching</a:t>
-            </a:r>
-            <a:r>
-              <a:rPr lang="zh-CN" altLang="zh-CN" sz="1200" kern="1200" dirty="0" smtClean="0">
-                <a:solidFill>
-                  <a:schemeClr val="tx1"/>
-                </a:solidFill>
-                <a:effectLst/>
-                <a:latin typeface="微软雅黑" panose="020B0503020204020204" pitchFamily="34" charset="-122"/>
-                <a:ea typeface="微软雅黑" panose="020B0503020204020204" pitchFamily="34" charset="-122"/>
-                <a:cs typeface="+mn-cs"/>
-              </a:rPr>
-              <a:t>后的视频采用更精细的特征计算</a:t>
-            </a:r>
-            <a:r>
-              <a:rPr lang="en-US" altLang="zh-CN" sz="1200" kern="1200" dirty="0" smtClean="0">
-                <a:solidFill>
-                  <a:schemeClr val="tx1"/>
-                </a:solidFill>
-                <a:effectLst/>
-                <a:latin typeface="微软雅黑" panose="020B0503020204020204" pitchFamily="34" charset="-122"/>
-                <a:ea typeface="微软雅黑" panose="020B0503020204020204" pitchFamily="34" charset="-122"/>
-                <a:cs typeface="+mn-cs"/>
-              </a:rPr>
-              <a:t>user-item</a:t>
-            </a:r>
-            <a:r>
-              <a:rPr lang="zh-CN" altLang="zh-CN" sz="1200" kern="1200" dirty="0" smtClean="0">
-                <a:solidFill>
-                  <a:schemeClr val="tx1"/>
-                </a:solidFill>
-                <a:effectLst/>
-                <a:latin typeface="微软雅黑" panose="020B0503020204020204" pitchFamily="34" charset="-122"/>
-                <a:ea typeface="微软雅黑" panose="020B0503020204020204" pitchFamily="34" charset="-122"/>
-                <a:cs typeface="+mn-cs"/>
-              </a:rPr>
-              <a:t>之间的排序分，作为最终输出推荐结果的依据。</a:t>
-            </a:r>
-            <a:endParaRPr lang="en-US" altLang="zh-CN" sz="1200" kern="1200" dirty="0" smtClean="0">
+              <a:rPr lang="zh-CN" altLang="en-US" sz="1200" b="0" i="0" kern="1200" dirty="0" smtClean="0">
+                <a:solidFill>
+                  <a:schemeClr val="tx1"/>
+                </a:solidFill>
+                <a:effectLst/>
+                <a:latin typeface="微软雅黑" panose="020B0503020204020204" pitchFamily="34" charset="-122"/>
+                <a:ea typeface="微软雅黑" panose="020B0503020204020204" pitchFamily="34" charset="-122"/>
+                <a:cs typeface="+mn-cs"/>
+              </a:rPr>
+              <a:t>系统由三个部分组成：</a:t>
+            </a:r>
+            <a:endParaRPr lang="en-US" altLang="zh-CN" sz="1200" b="0" i="0" kern="1200" dirty="0" smtClean="0">
               <a:solidFill>
                 <a:schemeClr val="tx1"/>
               </a:solidFill>
@@ -2211,7 +2348,19 @@
             </a:endParaRPr>
           </a:p>
           <a:p>
-            <a:endParaRPr lang="en-US" altLang="zh-CN" sz="1200" kern="1200" dirty="0" smtClean="0">
+            <a:r>
+              <a:rPr lang="zh-CN" altLang="en-US" sz="1200" b="0" i="0" kern="1200" dirty="0" smtClean="0">
+                <a:solidFill>
+                  <a:schemeClr val="tx1"/>
+                </a:solidFill>
+                <a:effectLst/>
+                <a:latin typeface="微软雅黑" panose="020B0503020204020204" pitchFamily="34" charset="-122"/>
+                <a:ea typeface="微软雅黑" panose="020B0503020204020204" pitchFamily="34" charset="-122"/>
+                <a:cs typeface="+mn-cs"/>
+              </a:rPr>
+              <a:t>离线部分用于根据用户的浏览记录对用户进行定期聚类；</a:t>
+            </a:r>
+            <a:endParaRPr lang="en-US" altLang="zh-CN" sz="1200" b="0" i="0" kern="1200" dirty="0" smtClean="0">
               <a:solidFill>
                 <a:schemeClr val="tx1"/>
               </a:solidFill>
@@ -2223,31 +2372,102 @@
           </a:p>
           <a:p>
             <a:r>
-              <a:rPr lang="zh-CN" altLang="zh-CN" sz="1200" kern="1200" dirty="0" smtClean="0">
-                <a:solidFill>
-                  <a:schemeClr val="tx1"/>
-                </a:solidFill>
-                <a:effectLst/>
-                <a:latin typeface="微软雅黑" panose="020B0503020204020204" pitchFamily="34" charset="-122"/>
-                <a:ea typeface="微软雅黑" panose="020B0503020204020204" pitchFamily="34" charset="-122"/>
-                <a:cs typeface="+mn-cs"/>
-              </a:rPr>
-              <a:t>之所以把推荐系统划分成</a:t>
-            </a:r>
-            <a:r>
-              <a:rPr lang="en-US" altLang="zh-CN" sz="1200" kern="1200" dirty="0" smtClean="0">
-                <a:solidFill>
-                  <a:schemeClr val="tx1"/>
-                </a:solidFill>
-                <a:effectLst/>
-                <a:latin typeface="微软雅黑" panose="020B0503020204020204" pitchFamily="34" charset="-122"/>
-                <a:ea typeface="微软雅黑" panose="020B0503020204020204" pitchFamily="34" charset="-122"/>
-                <a:cs typeface="+mn-cs"/>
-              </a:rPr>
-              <a:t>Matching</a:t>
-            </a:r>
-            <a:r>
-              <a:rPr lang="zh-CN" altLang="zh-CN" sz="1200" kern="1200" dirty="0" smtClean="0">
+              <a:rPr lang="zh-CN" altLang="en-US" sz="1200" b="0" i="0" kern="1200" dirty="0" smtClean="0">
+                <a:solidFill>
+                  <a:schemeClr val="tx1"/>
+                </a:solidFill>
+                <a:effectLst/>
+                <a:latin typeface="微软雅黑" panose="020B0503020204020204" pitchFamily="34" charset="-122"/>
+                <a:ea typeface="微软雅黑" panose="020B0503020204020204" pitchFamily="34" charset="-122"/>
+                <a:cs typeface="+mn-cs"/>
+              </a:rPr>
+              <a:t>一系列在线的服务器执行在用户点击时更新用户和文章统计信息，给用户返回推荐信息；</a:t>
+            </a:r>
+            <a:endParaRPr lang="en-US" altLang="zh-CN" sz="1200" b="0" i="0" kern="1200" dirty="0" smtClean="0">
+              <a:solidFill>
+                <a:schemeClr val="tx1"/>
+              </a:solidFill>
+              <a:effectLst/>
+              <a:latin typeface="微软雅黑" panose="020B0503020204020204" pitchFamily="34" charset="-122"/>
+              <a:ea typeface="微软雅黑" panose="020B0503020204020204" pitchFamily="34" charset="-122"/>
+              <a:cs typeface="+mn-cs"/>
+            </a:endParaRPr>
+          </a:p>
+          <a:p>
+            <a:r>
+              <a:rPr lang="zh-CN" altLang="en-US" sz="1200" b="0" i="0" kern="1200" dirty="0" smtClean="0">
+                <a:solidFill>
+                  <a:schemeClr val="tx1"/>
+                </a:solidFill>
+                <a:effectLst/>
+                <a:latin typeface="微软雅黑" panose="020B0503020204020204" pitchFamily="34" charset="-122"/>
+                <a:ea typeface="微软雅黑" panose="020B0503020204020204" pitchFamily="34" charset="-122"/>
+                <a:cs typeface="+mn-cs"/>
+              </a:rPr>
+              <a:t>两种类型的数据表</a:t>
+            </a:r>
+            <a:r>
+              <a:rPr lang="en-US" altLang="zh-CN" sz="1200" b="0" i="0" kern="1200" dirty="0" smtClean="0">
+                <a:solidFill>
+                  <a:schemeClr val="tx1"/>
+                </a:solidFill>
+                <a:effectLst/>
+                <a:latin typeface="微软雅黑" panose="020B0503020204020204" pitchFamily="34" charset="-122"/>
+                <a:ea typeface="微软雅黑" panose="020B0503020204020204" pitchFamily="34" charset="-122"/>
+                <a:cs typeface="+mn-cs"/>
+              </a:rPr>
+              <a:t>-UT(</a:t>
+            </a:r>
+            <a:r>
+              <a:rPr lang="zh-CN" altLang="en-US" sz="1200" b="0" i="0" kern="1200" dirty="0" smtClean="0">
+                <a:solidFill>
+                  <a:schemeClr val="tx1"/>
+                </a:solidFill>
+                <a:effectLst/>
+                <a:latin typeface="微软雅黑" panose="020B0503020204020204" pitchFamily="34" charset="-122"/>
+                <a:ea typeface="微软雅黑" panose="020B0503020204020204" pitchFamily="34" charset="-122"/>
+                <a:cs typeface="+mn-cs"/>
+              </a:rPr>
+              <a:t>以用户</a:t>
+            </a:r>
+            <a:r>
+              <a:rPr lang="en-US" altLang="zh-CN" sz="1200" b="0" i="0" kern="1200" dirty="0" smtClean="0">
+                <a:solidFill>
+                  <a:schemeClr val="tx1"/>
+                </a:solidFill>
+                <a:effectLst/>
+                <a:latin typeface="微软雅黑" panose="020B0503020204020204" pitchFamily="34" charset="-122"/>
+                <a:ea typeface="微软雅黑" panose="020B0503020204020204" pitchFamily="34" charset="-122"/>
+                <a:cs typeface="+mn-cs"/>
+              </a:rPr>
+              <a:t>ID</a:t>
+            </a:r>
+            <a:r>
+              <a:rPr lang="zh-CN" altLang="en-US" sz="1200" b="0" i="0" kern="1200" dirty="0" smtClean="0">
+                <a:solidFill>
+                  <a:schemeClr val="tx1"/>
+                </a:solidFill>
+                <a:effectLst/>
+                <a:latin typeface="微软雅黑" panose="020B0503020204020204" pitchFamily="34" charset="-122"/>
+                <a:ea typeface="微软雅黑" panose="020B0503020204020204" pitchFamily="34" charset="-122"/>
+                <a:cs typeface="+mn-cs"/>
+              </a:rPr>
+              <a:t>作为索引存放用户点击历史和聚类信息</a:t>
+            </a:r>
+            <a:r>
+              <a:rPr lang="en-US" altLang="zh-CN" sz="1200" b="0" i="0" kern="1200" dirty="0" smtClean="0">
+                <a:solidFill>
+                  <a:schemeClr val="tx1"/>
+                </a:solidFill>
+                <a:effectLst/>
+                <a:latin typeface="微软雅黑" panose="020B0503020204020204" pitchFamily="34" charset="-122"/>
+                <a:ea typeface="微软雅黑" panose="020B0503020204020204" pitchFamily="34" charset="-122"/>
+                <a:cs typeface="+mn-cs"/>
+              </a:rPr>
+              <a:t>)</a:t>
+            </a:r>
+            <a:r>
+              <a:rPr lang="zh-CN" altLang="en-US" sz="1200" b="0" i="0" kern="1200" dirty="0" smtClean="0">
                 <a:solidFill>
                   <a:schemeClr val="tx1"/>
                 </a:solidFill>
@@ -2259,176 +2479,77 @@
               <a:t>和</a:t>
             </a:r>
             <a:r>
-              <a:rPr lang="en-US" altLang="zh-CN" sz="1200" kern="1200" dirty="0" smtClean="0">
-                <a:solidFill>
-                  <a:schemeClr val="tx1"/>
-                </a:solidFill>
-                <a:effectLst/>
-                <a:latin typeface="微软雅黑" panose="020B0503020204020204" pitchFamily="34" charset="-122"/>
-                <a:ea typeface="微软雅黑" panose="020B0503020204020204" pitchFamily="34" charset="-122"/>
-                <a:cs typeface="+mn-cs"/>
-              </a:rPr>
-              <a:t>Ranking</a:t>
-            </a:r>
-            <a:r>
-              <a:rPr lang="zh-CN" altLang="zh-CN" sz="1200" kern="1200" dirty="0" smtClean="0">
-                <a:solidFill>
-                  <a:schemeClr val="tx1"/>
-                </a:solidFill>
-                <a:effectLst/>
-                <a:latin typeface="微软雅黑" panose="020B0503020204020204" pitchFamily="34" charset="-122"/>
-                <a:ea typeface="微软雅黑" panose="020B0503020204020204" pitchFamily="34" charset="-122"/>
-                <a:cs typeface="+mn-cs"/>
-              </a:rPr>
-              <a:t>两个阶段，主要是从性能方面考虑的。</a:t>
-            </a:r>
-            <a:r>
-              <a:rPr lang="en-US" altLang="zh-CN" sz="1200" kern="1200" dirty="0" smtClean="0">
-                <a:solidFill>
-                  <a:schemeClr val="tx1"/>
-                </a:solidFill>
-                <a:effectLst/>
-                <a:latin typeface="微软雅黑" panose="020B0503020204020204" pitchFamily="34" charset="-122"/>
-                <a:ea typeface="微软雅黑" panose="020B0503020204020204" pitchFamily="34" charset="-122"/>
-                <a:cs typeface="+mn-cs"/>
-              </a:rPr>
-              <a:t>Matching</a:t>
-            </a:r>
-            <a:r>
-              <a:rPr lang="zh-CN" altLang="zh-CN" sz="1200" kern="1200" dirty="0" smtClean="0">
-                <a:solidFill>
-                  <a:schemeClr val="tx1"/>
-                </a:solidFill>
-                <a:effectLst/>
-                <a:latin typeface="微软雅黑" panose="020B0503020204020204" pitchFamily="34" charset="-122"/>
-                <a:ea typeface="微软雅黑" panose="020B0503020204020204" pitchFamily="34" charset="-122"/>
-                <a:cs typeface="+mn-cs"/>
-              </a:rPr>
-              <a:t>阶段面临的是百万级视频，单个视频的性能开销必须很小；而</a:t>
-            </a:r>
-            <a:r>
-              <a:rPr lang="en-US" altLang="zh-CN" sz="1200" kern="1200" dirty="0" smtClean="0">
-                <a:solidFill>
-                  <a:schemeClr val="tx1"/>
-                </a:solidFill>
-                <a:effectLst/>
-                <a:latin typeface="微软雅黑" panose="020B0503020204020204" pitchFamily="34" charset="-122"/>
-                <a:ea typeface="微软雅黑" panose="020B0503020204020204" pitchFamily="34" charset="-122"/>
-                <a:cs typeface="+mn-cs"/>
-              </a:rPr>
-              <a:t>Ranking</a:t>
-            </a:r>
-            <a:r>
-              <a:rPr lang="zh-CN" altLang="zh-CN" sz="1200" kern="1200" dirty="0" smtClean="0">
-                <a:solidFill>
-                  <a:schemeClr val="tx1"/>
-                </a:solidFill>
-                <a:effectLst/>
-                <a:latin typeface="微软雅黑" panose="020B0503020204020204" pitchFamily="34" charset="-122"/>
-                <a:ea typeface="微软雅黑" panose="020B0503020204020204" pitchFamily="34" charset="-122"/>
-                <a:cs typeface="+mn-cs"/>
-              </a:rPr>
-              <a:t>阶段的算法则非常消耗资源，不可能对所有视频都算一遍，实际上即便资源充足也完全没有必要，因为往往来说通不过</a:t>
-            </a:r>
-            <a:r>
-              <a:rPr lang="en-US" altLang="zh-CN" sz="1200" kern="1200" dirty="0" smtClean="0">
-                <a:solidFill>
-                  <a:schemeClr val="tx1"/>
-                </a:solidFill>
-                <a:effectLst/>
-                <a:latin typeface="微软雅黑" panose="020B0503020204020204" pitchFamily="34" charset="-122"/>
-                <a:ea typeface="微软雅黑" panose="020B0503020204020204" pitchFamily="34" charset="-122"/>
-                <a:cs typeface="+mn-cs"/>
-              </a:rPr>
-              <a:t>Matching</a:t>
-            </a:r>
-            <a:r>
-              <a:rPr lang="zh-CN" altLang="zh-CN" sz="1200" kern="1200" dirty="0" smtClean="0">
-                <a:solidFill>
-                  <a:schemeClr val="tx1"/>
-                </a:solidFill>
-                <a:effectLst/>
-                <a:latin typeface="微软雅黑" panose="020B0503020204020204" pitchFamily="34" charset="-122"/>
-                <a:ea typeface="微软雅黑" panose="020B0503020204020204" pitchFamily="34" charset="-122"/>
-                <a:cs typeface="+mn-cs"/>
-              </a:rPr>
-              <a:t>粗选的视频，大部分在</a:t>
-            </a:r>
-            <a:r>
-              <a:rPr lang="en-US" altLang="zh-CN" sz="1200" kern="1200" dirty="0" smtClean="0">
-                <a:solidFill>
-                  <a:schemeClr val="tx1"/>
-                </a:solidFill>
-                <a:effectLst/>
-                <a:latin typeface="微软雅黑" panose="020B0503020204020204" pitchFamily="34" charset="-122"/>
-                <a:ea typeface="微软雅黑" panose="020B0503020204020204" pitchFamily="34" charset="-122"/>
-                <a:cs typeface="+mn-cs"/>
-              </a:rPr>
-              <a:t>Ranking</a:t>
-            </a:r>
-            <a:r>
-              <a:rPr lang="zh-CN" altLang="zh-CN" sz="1200" kern="1200" dirty="0" smtClean="0">
-                <a:solidFill>
-                  <a:schemeClr val="tx1"/>
-                </a:solidFill>
-                <a:effectLst/>
-                <a:latin typeface="微软雅黑" panose="020B0503020204020204" pitchFamily="34" charset="-122"/>
-                <a:ea typeface="微软雅黑" panose="020B0503020204020204" pitchFamily="34" charset="-122"/>
-                <a:cs typeface="+mn-cs"/>
-              </a:rPr>
-              <a:t>阶段排名也很低。接下来分别从</a:t>
-            </a:r>
-            <a:r>
-              <a:rPr lang="en-US" altLang="zh-CN" sz="1200" kern="1200" dirty="0" smtClean="0">
-                <a:solidFill>
-                  <a:schemeClr val="tx1"/>
-                </a:solidFill>
-                <a:effectLst/>
-                <a:latin typeface="微软雅黑" panose="020B0503020204020204" pitchFamily="34" charset="-122"/>
-                <a:ea typeface="微软雅黑" panose="020B0503020204020204" pitchFamily="34" charset="-122"/>
-                <a:cs typeface="+mn-cs"/>
-              </a:rPr>
-              <a:t>Matching</a:t>
-            </a:r>
-            <a:r>
-              <a:rPr lang="zh-CN" altLang="zh-CN" sz="1200" kern="1200" dirty="0" smtClean="0">
-                <a:solidFill>
-                  <a:schemeClr val="tx1"/>
-                </a:solidFill>
-                <a:effectLst/>
-                <a:latin typeface="微软雅黑" panose="020B0503020204020204" pitchFamily="34" charset="-122"/>
-                <a:ea typeface="微软雅黑" panose="020B0503020204020204" pitchFamily="34" charset="-122"/>
-                <a:cs typeface="+mn-cs"/>
-              </a:rPr>
-              <a:t>和</a:t>
-            </a:r>
-            <a:r>
-              <a:rPr lang="en-US" altLang="zh-CN" sz="1200" kern="1200" dirty="0" smtClean="0">
-                <a:solidFill>
-                  <a:schemeClr val="tx1"/>
-                </a:solidFill>
-                <a:effectLst/>
-                <a:latin typeface="微软雅黑" panose="020B0503020204020204" pitchFamily="34" charset="-122"/>
-                <a:ea typeface="微软雅黑" panose="020B0503020204020204" pitchFamily="34" charset="-122"/>
-                <a:cs typeface="+mn-cs"/>
-              </a:rPr>
-              <a:t>Ranking</a:t>
-            </a:r>
-            <a:r>
-              <a:rPr lang="zh-CN" altLang="zh-CN" sz="1200" kern="1200" dirty="0" smtClean="0">
-                <a:solidFill>
-                  <a:schemeClr val="tx1"/>
-                </a:solidFill>
-                <a:effectLst/>
-                <a:latin typeface="微软雅黑" panose="020B0503020204020204" pitchFamily="34" charset="-122"/>
-                <a:ea typeface="微软雅黑" panose="020B0503020204020204" pitchFamily="34" charset="-122"/>
-                <a:cs typeface="+mn-cs"/>
-              </a:rPr>
-              <a:t>阶段展开介绍。</a:t>
-            </a:r>
-            <a:endParaRPr lang="zh-CN" altLang="en-US" dirty="0" smtClean="0"/>
-          </a:p>
-          <a:p>
+              <a:rPr lang="en-US" altLang="zh-CN" sz="1200" b="0" i="0" kern="1200" dirty="0" smtClean="0">
+                <a:solidFill>
+                  <a:schemeClr val="tx1"/>
+                </a:solidFill>
+                <a:effectLst/>
+                <a:latin typeface="微软雅黑" panose="020B0503020204020204" pitchFamily="34" charset="-122"/>
+                <a:ea typeface="微软雅黑" panose="020B0503020204020204" pitchFamily="34" charset="-122"/>
+                <a:cs typeface="+mn-cs"/>
+              </a:rPr>
+              <a:t>ST(</a:t>
+            </a:r>
+            <a:r>
+              <a:rPr lang="zh-CN" altLang="en-US" sz="1200" b="0" i="0" kern="1200" dirty="0" smtClean="0">
+                <a:solidFill>
+                  <a:schemeClr val="tx1"/>
+                </a:solidFill>
+                <a:effectLst/>
+                <a:latin typeface="微软雅黑" panose="020B0503020204020204" pitchFamily="34" charset="-122"/>
+                <a:ea typeface="微软雅黑" panose="020B0503020204020204" pitchFamily="34" charset="-122"/>
+                <a:cs typeface="+mn-cs"/>
+              </a:rPr>
+              <a:t>以文章</a:t>
+            </a:r>
+            <a:r>
+              <a:rPr lang="en-US" altLang="zh-CN" sz="1200" b="0" i="0" kern="1200" dirty="0" smtClean="0">
+                <a:solidFill>
+                  <a:schemeClr val="tx1"/>
+                </a:solidFill>
+                <a:effectLst/>
+                <a:latin typeface="微软雅黑" panose="020B0503020204020204" pitchFamily="34" charset="-122"/>
+                <a:ea typeface="微软雅黑" panose="020B0503020204020204" pitchFamily="34" charset="-122"/>
+                <a:cs typeface="+mn-cs"/>
+              </a:rPr>
+              <a:t>ID</a:t>
+            </a:r>
+            <a:r>
+              <a:rPr lang="zh-CN" altLang="en-US" sz="1200" b="0" i="0" kern="1200" dirty="0" smtClean="0">
+                <a:solidFill>
+                  <a:schemeClr val="tx1"/>
+                </a:solidFill>
+                <a:effectLst/>
+                <a:latin typeface="微软雅黑" panose="020B0503020204020204" pitchFamily="34" charset="-122"/>
+                <a:ea typeface="微软雅黑" panose="020B0503020204020204" pitchFamily="34" charset="-122"/>
+                <a:cs typeface="+mn-cs"/>
+              </a:rPr>
+              <a:t>作为索引存储文章直接的点击情况和文章类别信息</a:t>
+            </a:r>
+            <a:r>
+              <a:rPr lang="en-US" altLang="zh-CN" sz="1200" b="0" i="0" kern="1200" dirty="0" smtClean="0">
+                <a:solidFill>
+                  <a:schemeClr val="tx1"/>
+                </a:solidFill>
+                <a:effectLst/>
+                <a:latin typeface="微软雅黑" panose="020B0503020204020204" pitchFamily="34" charset="-122"/>
+                <a:ea typeface="微软雅黑" panose="020B0503020204020204" pitchFamily="34" charset="-122"/>
+                <a:cs typeface="+mn-cs"/>
+              </a:rPr>
+              <a:t>)</a:t>
+            </a:r>
+            <a:r>
+              <a:rPr lang="zh-CN" altLang="en-US" sz="1200" b="0" i="0" kern="1200" dirty="0" smtClean="0">
+                <a:solidFill>
+                  <a:schemeClr val="tx1"/>
+                </a:solidFill>
+                <a:effectLst/>
+                <a:latin typeface="微软雅黑" panose="020B0503020204020204" pitchFamily="34" charset="-122"/>
+                <a:ea typeface="微软雅黑" panose="020B0503020204020204" pitchFamily="34" charset="-122"/>
+                <a:cs typeface="+mn-cs"/>
+              </a:rPr>
+              <a:t>。</a:t>
+            </a:r>
             <a:endParaRPr lang="zh-CN" altLang="en-US" dirty="0">
               <a:latin typeface="微软雅黑" panose="020B0503020204020204" pitchFamily="34" charset="-122"/>
               <a:ea typeface="微软雅黑" panose="020B0503020204020204" pitchFamily="34" charset="-122"/>
@@ -2457,6 +2578,7 @@
                 <a:latin typeface="微软雅黑" panose="020B0503020204020204" pitchFamily="34" charset="-122"/>
                 <a:ea typeface="微软雅黑" panose="020B0503020204020204" pitchFamily="34" charset="-122"/>
               </a:rPr>
+              <a:pPr rtl="0"/>
               <a:t>7</a:t>
             </a:fld>
             <a:endParaRPr lang="en-US" altLang="zh-CN">
@@ -2469,7 +2591,7 @@
     </p:spTree>
     <p:extLst>
       <p:ext uri="{BB962C8B-B14F-4D97-AF65-F5344CB8AC3E}">
-        <p14:creationId xmlns:p14="http://schemas.microsoft.com/office/powerpoint/2010/main" val="21756205"/>
+        <p14:creationId xmlns:p14="http://schemas.microsoft.com/office/powerpoint/2010/main" xmlns="" val="239878008"/>
       </p:ext>
     </p:extLst>
   </p:cSld>
@@ -2524,6 +2646,18 @@
           <a:lstStyle/>
           <a:p>
             <a:r>
+              <a:rPr lang="zh-CN" altLang="zh-CN" sz="1200" kern="1200" dirty="0" smtClean="0">
+                <a:solidFill>
+                  <a:schemeClr val="tx1"/>
+                </a:solidFill>
+                <a:effectLst/>
+                <a:latin typeface="微软雅黑" panose="020B0503020204020204" pitchFamily="34" charset="-122"/>
+                <a:ea typeface="微软雅黑" panose="020B0503020204020204" pitchFamily="34" charset="-122"/>
+                <a:cs typeface="+mn-cs"/>
+              </a:rPr>
+              <a:t>整个推荐系统分为</a:t>
+            </a:r>
+            <a:r>
               <a:rPr lang="en-US" altLang="zh-CN" sz="1200" kern="1200" dirty="0" smtClean="0">
                 <a:solidFill>
                   <a:schemeClr val="tx1"/>
@@ -2533,6 +2667,78 @@
                 <a:ea typeface="微软雅黑" panose="020B0503020204020204" pitchFamily="34" charset="-122"/>
                 <a:cs typeface="+mn-cs"/>
               </a:rPr>
+              <a:t>candidate generation</a:t>
+            </a:r>
+            <a:r>
+              <a:rPr lang="zh-CN" altLang="zh-CN" sz="1200" kern="1200" dirty="0" smtClean="0">
+                <a:solidFill>
+                  <a:schemeClr val="tx1"/>
+                </a:solidFill>
+                <a:effectLst/>
+                <a:latin typeface="微软雅黑" panose="020B0503020204020204" pitchFamily="34" charset="-122"/>
+                <a:ea typeface="微软雅黑" panose="020B0503020204020204" pitchFamily="34" charset="-122"/>
+                <a:cs typeface="+mn-cs"/>
+              </a:rPr>
+              <a:t>（淘宝称为</a:t>
+            </a:r>
+            <a:r>
+              <a:rPr lang="en-US" altLang="zh-CN" sz="1200" kern="1200" dirty="0" smtClean="0">
+                <a:solidFill>
+                  <a:schemeClr val="tx1"/>
+                </a:solidFill>
+                <a:effectLst/>
+                <a:latin typeface="微软雅黑" panose="020B0503020204020204" pitchFamily="34" charset="-122"/>
+                <a:ea typeface="微软雅黑" panose="020B0503020204020204" pitchFamily="34" charset="-122"/>
+                <a:cs typeface="+mn-cs"/>
+              </a:rPr>
+              <a:t>Matching</a:t>
+            </a:r>
+            <a:r>
+              <a:rPr lang="zh-CN" altLang="zh-CN" sz="1200" kern="1200" dirty="0" smtClean="0">
+                <a:solidFill>
+                  <a:schemeClr val="tx1"/>
+                </a:solidFill>
+                <a:effectLst/>
+                <a:latin typeface="微软雅黑" panose="020B0503020204020204" pitchFamily="34" charset="-122"/>
+                <a:ea typeface="微软雅黑" panose="020B0503020204020204" pitchFamily="34" charset="-122"/>
+                <a:cs typeface="+mn-cs"/>
+              </a:rPr>
+              <a:t>，后面用</a:t>
+            </a:r>
+            <a:r>
+              <a:rPr lang="en-US" altLang="zh-CN" sz="1200" kern="1200" dirty="0" smtClean="0">
+                <a:solidFill>
+                  <a:schemeClr val="tx1"/>
+                </a:solidFill>
+                <a:effectLst/>
+                <a:latin typeface="微软雅黑" panose="020B0503020204020204" pitchFamily="34" charset="-122"/>
+                <a:ea typeface="微软雅黑" panose="020B0503020204020204" pitchFamily="34" charset="-122"/>
+                <a:cs typeface="+mn-cs"/>
+              </a:rPr>
+              <a:t>Matching</a:t>
+            </a:r>
+            <a:r>
+              <a:rPr lang="zh-CN" altLang="zh-CN" sz="1200" kern="1200" dirty="0" smtClean="0">
+                <a:solidFill>
+                  <a:schemeClr val="tx1"/>
+                </a:solidFill>
+                <a:effectLst/>
+                <a:latin typeface="微软雅黑" panose="020B0503020204020204" pitchFamily="34" charset="-122"/>
+                <a:ea typeface="微软雅黑" panose="020B0503020204020204" pitchFamily="34" charset="-122"/>
+                <a:cs typeface="+mn-cs"/>
+              </a:rPr>
+              <a:t>代替）和</a:t>
+            </a:r>
+            <a:r>
+              <a:rPr lang="en-US" altLang="zh-CN" sz="1200" kern="1200" dirty="0" smtClean="0">
+                <a:solidFill>
+                  <a:schemeClr val="tx1"/>
+                </a:solidFill>
+                <a:effectLst/>
+                <a:latin typeface="微软雅黑" panose="020B0503020204020204" pitchFamily="34" charset="-122"/>
+                <a:ea typeface="微软雅黑" panose="020B0503020204020204" pitchFamily="34" charset="-122"/>
+                <a:cs typeface="+mn-cs"/>
+              </a:rPr>
               <a:t>Ranking</a:t>
             </a:r>
             <a:r>
@@ -2545,7 +2751,7 @@
                 <a:ea typeface="微软雅黑" panose="020B0503020204020204" pitchFamily="34" charset="-122"/>
                 <a:cs typeface="+mn-cs"/>
               </a:rPr>
-              <a:t>阶段的最重要任务就是精准的预估用户对视频的喜好程度。不同于</a:t>
+              <a:t>两个阶段。</a:t>
             </a:r>
             <a:r>
               <a:rPr lang="en-US" altLang="zh-CN" sz="1200" kern="1200" dirty="0" smtClean="0">
@@ -2569,7 +2775,7 @@
                 <a:ea typeface="微软雅黑" panose="020B0503020204020204" pitchFamily="34" charset="-122"/>
                 <a:cs typeface="+mn-cs"/>
               </a:rPr>
-              <a:t>阶段面临的是百万级的候选视频集，</a:t>
+              <a:t>阶段通过</a:t>
             </a:r>
             <a:r>
               <a:rPr lang="en-US" altLang="zh-CN" sz="1200" kern="1200" dirty="0" smtClean="0">
@@ -2581,6 +2787,54 @@
                 <a:ea typeface="微软雅黑" panose="020B0503020204020204" pitchFamily="34" charset="-122"/>
                 <a:cs typeface="+mn-cs"/>
               </a:rPr>
+              <a:t>i2i/u2i/u2u/user profile</a:t>
+            </a:r>
+            <a:r>
+              <a:rPr lang="zh-CN" altLang="zh-CN" sz="1200" kern="1200" dirty="0" smtClean="0">
+                <a:solidFill>
+                  <a:schemeClr val="tx1"/>
+                </a:solidFill>
+                <a:effectLst/>
+                <a:latin typeface="微软雅黑" panose="020B0503020204020204" pitchFamily="34" charset="-122"/>
+                <a:ea typeface="微软雅黑" panose="020B0503020204020204" pitchFamily="34" charset="-122"/>
+                <a:cs typeface="+mn-cs"/>
+              </a:rPr>
+              <a:t>等方式“粗糙”的召回候选商品，</a:t>
+            </a:r>
+            <a:r>
+              <a:rPr lang="en-US" altLang="zh-CN" sz="1200" kern="1200" dirty="0" smtClean="0">
+                <a:solidFill>
+                  <a:schemeClr val="tx1"/>
+                </a:solidFill>
+                <a:effectLst/>
+                <a:latin typeface="微软雅黑" panose="020B0503020204020204" pitchFamily="34" charset="-122"/>
+                <a:ea typeface="微软雅黑" panose="020B0503020204020204" pitchFamily="34" charset="-122"/>
+                <a:cs typeface="+mn-cs"/>
+              </a:rPr>
+              <a:t>Matching</a:t>
+            </a:r>
+            <a:r>
+              <a:rPr lang="zh-CN" altLang="zh-CN" sz="1200" kern="1200" dirty="0" smtClean="0">
+                <a:solidFill>
+                  <a:schemeClr val="tx1"/>
+                </a:solidFill>
+                <a:effectLst/>
+                <a:latin typeface="微软雅黑" panose="020B0503020204020204" pitchFamily="34" charset="-122"/>
+                <a:ea typeface="微软雅黑" panose="020B0503020204020204" pitchFamily="34" charset="-122"/>
+                <a:cs typeface="+mn-cs"/>
+              </a:rPr>
+              <a:t>阶段视频的数量是百级别了；</a:t>
+            </a:r>
+            <a:r>
+              <a:rPr lang="en-US" altLang="zh-CN" sz="1200" kern="1200" dirty="0" smtClean="0">
+                <a:solidFill>
+                  <a:schemeClr val="tx1"/>
+                </a:solidFill>
+                <a:effectLst/>
+                <a:latin typeface="微软雅黑" panose="020B0503020204020204" pitchFamily="34" charset="-122"/>
+                <a:ea typeface="微软雅黑" panose="020B0503020204020204" pitchFamily="34" charset="-122"/>
+                <a:cs typeface="+mn-cs"/>
+              </a:rPr>
               <a:t>Ranking</a:t>
             </a:r>
             <a:r>
@@ -2593,31 +2847,19 @@
                 <a:ea typeface="微软雅黑" panose="020B0503020204020204" pitchFamily="34" charset="-122"/>
                 <a:cs typeface="+mn-cs"/>
               </a:rPr>
-              <a:t>阶段面对的只是百级别的商品集，因此我们可以</a:t>
-            </a:r>
-            <a:r>
-              <a:rPr lang="zh-CN" altLang="zh-CN" sz="1200" i="1" kern="1200" dirty="0" smtClean="0">
-                <a:solidFill>
-                  <a:schemeClr val="tx1"/>
-                </a:solidFill>
-                <a:effectLst/>
-                <a:latin typeface="微软雅黑" panose="020B0503020204020204" pitchFamily="34" charset="-122"/>
-                <a:ea typeface="微软雅黑" panose="020B0503020204020204" pitchFamily="34" charset="-122"/>
-                <a:cs typeface="+mn-cs"/>
-              </a:rPr>
-              <a:t>使用更多更精细的</a:t>
-            </a:r>
-            <a:r>
-              <a:rPr lang="en-US" altLang="zh-CN" sz="1200" i="1" kern="1200" dirty="0" smtClean="0">
-                <a:solidFill>
-                  <a:schemeClr val="tx1"/>
-                </a:solidFill>
-                <a:effectLst/>
-                <a:latin typeface="微软雅黑" panose="020B0503020204020204" pitchFamily="34" charset="-122"/>
-                <a:ea typeface="微软雅黑" panose="020B0503020204020204" pitchFamily="34" charset="-122"/>
-                <a:cs typeface="+mn-cs"/>
-              </a:rPr>
-              <a:t>feature</a:t>
+              <a:t>阶段对</a:t>
+            </a:r>
+            <a:r>
+              <a:rPr lang="en-US" altLang="zh-CN" sz="1200" kern="1200" dirty="0" smtClean="0">
+                <a:solidFill>
+                  <a:schemeClr val="tx1"/>
+                </a:solidFill>
+                <a:effectLst/>
+                <a:latin typeface="微软雅黑" panose="020B0503020204020204" pitchFamily="34" charset="-122"/>
+                <a:ea typeface="微软雅黑" panose="020B0503020204020204" pitchFamily="34" charset="-122"/>
+                <a:cs typeface="+mn-cs"/>
+              </a:rPr>
+              <a:t>Matching</a:t>
             </a:r>
             <a:r>
               <a:rPr lang="zh-CN" altLang="zh-CN" sz="1200" kern="1200" dirty="0" smtClean="0">
@@ -2629,7 +2871,7 @@
                 <a:ea typeface="微软雅黑" panose="020B0503020204020204" pitchFamily="34" charset="-122"/>
                 <a:cs typeface="+mn-cs"/>
               </a:rPr>
-              <a:t>来刻画视频（</a:t>
+              <a:t>后的视频采用更精细的特征计算</a:t>
             </a:r>
             <a:r>
               <a:rPr lang="en-US" altLang="zh-CN" sz="1200" kern="1200" dirty="0" smtClean="0">
@@ -2641,7 +2883,7 @@
                 <a:ea typeface="微软雅黑" panose="020B0503020204020204" pitchFamily="34" charset="-122"/>
                 <a:cs typeface="+mn-cs"/>
               </a:rPr>
-              <a:t>item</a:t>
+              <a:t>user-item</a:t>
             </a:r>
             <a:r>
               <a:rPr lang="zh-CN" altLang="zh-CN" sz="1200" kern="1200" dirty="0" smtClean="0">
@@ -2653,203 +2895,7 @@
                 <a:ea typeface="微软雅黑" panose="020B0503020204020204" pitchFamily="34" charset="-122"/>
                 <a:cs typeface="+mn-cs"/>
               </a:rPr>
-              <a:t>）以及用户与视频（</a:t>
-            </a:r>
-            <a:r>
-              <a:rPr lang="en-US" altLang="zh-CN" sz="1200" kern="1200" dirty="0" smtClean="0">
-                <a:solidFill>
-                  <a:schemeClr val="tx1"/>
-                </a:solidFill>
-                <a:effectLst/>
-                <a:latin typeface="微软雅黑" panose="020B0503020204020204" pitchFamily="34" charset="-122"/>
-                <a:ea typeface="微软雅黑" panose="020B0503020204020204" pitchFamily="34" charset="-122"/>
-                <a:cs typeface="+mn-cs"/>
-              </a:rPr>
-              <a:t>user-item</a:t>
-            </a:r>
-            <a:r>
-              <a:rPr lang="zh-CN" altLang="zh-CN" sz="1200" kern="1200" dirty="0" smtClean="0">
-                <a:solidFill>
-                  <a:schemeClr val="tx1"/>
-                </a:solidFill>
-                <a:effectLst/>
-                <a:latin typeface="微软雅黑" panose="020B0503020204020204" pitchFamily="34" charset="-122"/>
-                <a:ea typeface="微软雅黑" panose="020B0503020204020204" pitchFamily="34" charset="-122"/>
-                <a:cs typeface="+mn-cs"/>
-              </a:rPr>
-              <a:t>）的关系。比如用户可能很喜欢某个视频，但如果</a:t>
-            </a:r>
-            <a:r>
-              <a:rPr lang="en-US" altLang="zh-CN" sz="1200" kern="1200" dirty="0" smtClean="0">
-                <a:solidFill>
-                  <a:schemeClr val="tx1"/>
-                </a:solidFill>
-                <a:effectLst/>
-                <a:latin typeface="微软雅黑" panose="020B0503020204020204" pitchFamily="34" charset="-122"/>
-                <a:ea typeface="微软雅黑" panose="020B0503020204020204" pitchFamily="34" charset="-122"/>
-                <a:cs typeface="+mn-cs"/>
-              </a:rPr>
-              <a:t>list</a:t>
-            </a:r>
-            <a:r>
-              <a:rPr lang="zh-CN" altLang="zh-CN" sz="1200" kern="1200" dirty="0" smtClean="0">
-                <a:solidFill>
-                  <a:schemeClr val="tx1"/>
-                </a:solidFill>
-                <a:effectLst/>
-                <a:latin typeface="微软雅黑" panose="020B0503020204020204" pitchFamily="34" charset="-122"/>
-                <a:ea typeface="微软雅黑" panose="020B0503020204020204" pitchFamily="34" charset="-122"/>
-                <a:cs typeface="+mn-cs"/>
-              </a:rPr>
-              <a:t>页的用的“缩略图”选择不当，用户也许不会点击，等等。</a:t>
-            </a:r>
-          </a:p>
-          <a:p>
-            <a:r>
-              <a:rPr lang="zh-CN" altLang="zh-CN" sz="1200" kern="1200" dirty="0" smtClean="0">
-                <a:solidFill>
-                  <a:schemeClr val="tx1"/>
-                </a:solidFill>
-                <a:effectLst/>
-                <a:latin typeface="微软雅黑" panose="020B0503020204020204" pitchFamily="34" charset="-122"/>
-                <a:ea typeface="微软雅黑" panose="020B0503020204020204" pitchFamily="34" charset="-122"/>
-                <a:cs typeface="+mn-cs"/>
-              </a:rPr>
-              <a:t>此外，</a:t>
-            </a:r>
-            <a:r>
-              <a:rPr lang="en-US" altLang="zh-CN" sz="1200" kern="1200" dirty="0" smtClean="0">
-                <a:solidFill>
-                  <a:schemeClr val="tx1"/>
-                </a:solidFill>
-                <a:effectLst/>
-                <a:latin typeface="微软雅黑" panose="020B0503020204020204" pitchFamily="34" charset="-122"/>
-                <a:ea typeface="微软雅黑" panose="020B0503020204020204" pitchFamily="34" charset="-122"/>
-                <a:cs typeface="+mn-cs"/>
-              </a:rPr>
-              <a:t>Matching</a:t>
-            </a:r>
-            <a:r>
-              <a:rPr lang="zh-CN" altLang="zh-CN" sz="1200" kern="1200" dirty="0" smtClean="0">
-                <a:solidFill>
-                  <a:schemeClr val="tx1"/>
-                </a:solidFill>
-                <a:effectLst/>
-                <a:latin typeface="微软雅黑" panose="020B0503020204020204" pitchFamily="34" charset="-122"/>
-                <a:ea typeface="微软雅黑" panose="020B0503020204020204" pitchFamily="34" charset="-122"/>
-                <a:cs typeface="+mn-cs"/>
-              </a:rPr>
-              <a:t>阶段的来源往往很多，没法直接比较。</a:t>
-            </a:r>
-            <a:r>
-              <a:rPr lang="en-US" altLang="zh-CN" sz="1200" kern="1200" dirty="0" smtClean="0">
-                <a:solidFill>
-                  <a:schemeClr val="tx1"/>
-                </a:solidFill>
-                <a:effectLst/>
-                <a:latin typeface="微软雅黑" panose="020B0503020204020204" pitchFamily="34" charset="-122"/>
-                <a:ea typeface="微软雅黑" panose="020B0503020204020204" pitchFamily="34" charset="-122"/>
-                <a:cs typeface="+mn-cs"/>
-              </a:rPr>
-              <a:t>Ranking</a:t>
-            </a:r>
-            <a:r>
-              <a:rPr lang="zh-CN" altLang="zh-CN" sz="1200" kern="1200" dirty="0" smtClean="0">
-                <a:solidFill>
-                  <a:schemeClr val="tx1"/>
-                </a:solidFill>
-                <a:effectLst/>
-                <a:latin typeface="微软雅黑" panose="020B0503020204020204" pitchFamily="34" charset="-122"/>
-                <a:ea typeface="微软雅黑" panose="020B0503020204020204" pitchFamily="34" charset="-122"/>
-                <a:cs typeface="+mn-cs"/>
-              </a:rPr>
-              <a:t>阶段另一个关键的作用是能够把不同来源的数据进行有效的</a:t>
-            </a:r>
-            <a:r>
-              <a:rPr lang="en-US" altLang="zh-CN" sz="1200" kern="1200" dirty="0" smtClean="0">
-                <a:solidFill>
-                  <a:schemeClr val="tx1"/>
-                </a:solidFill>
-                <a:effectLst/>
-                <a:latin typeface="微软雅黑" panose="020B0503020204020204" pitchFamily="34" charset="-122"/>
-                <a:ea typeface="微软雅黑" panose="020B0503020204020204" pitchFamily="34" charset="-122"/>
-                <a:cs typeface="+mn-cs"/>
-              </a:rPr>
-              <a:t>ensemble</a:t>
-            </a:r>
-            <a:r>
-              <a:rPr lang="zh-CN" altLang="zh-CN" sz="1200" kern="1200" dirty="0" smtClean="0">
-                <a:solidFill>
-                  <a:schemeClr val="tx1"/>
-                </a:solidFill>
-                <a:effectLst/>
-                <a:latin typeface="微软雅黑" panose="020B0503020204020204" pitchFamily="34" charset="-122"/>
-                <a:ea typeface="微软雅黑" panose="020B0503020204020204" pitchFamily="34" charset="-122"/>
-                <a:cs typeface="+mn-cs"/>
-              </a:rPr>
-              <a:t>。</a:t>
-            </a:r>
-          </a:p>
-          <a:p>
-            <a:r>
-              <a:rPr lang="zh-CN" altLang="zh-CN" sz="1200" kern="1200" dirty="0" smtClean="0">
-                <a:solidFill>
-                  <a:schemeClr val="tx1"/>
-                </a:solidFill>
-                <a:effectLst/>
-                <a:latin typeface="微软雅黑" panose="020B0503020204020204" pitchFamily="34" charset="-122"/>
-                <a:ea typeface="微软雅黑" panose="020B0503020204020204" pitchFamily="34" charset="-122"/>
-                <a:cs typeface="+mn-cs"/>
-              </a:rPr>
-              <a:t>在目标的设定方面，单纯</a:t>
-            </a:r>
-            <a:r>
-              <a:rPr lang="en-US" altLang="zh-CN" sz="1200" kern="1200" dirty="0" smtClean="0">
-                <a:solidFill>
-                  <a:schemeClr val="tx1"/>
-                </a:solidFill>
-                <a:effectLst/>
-                <a:latin typeface="微软雅黑" panose="020B0503020204020204" pitchFamily="34" charset="-122"/>
-                <a:ea typeface="微软雅黑" panose="020B0503020204020204" pitchFamily="34" charset="-122"/>
-                <a:cs typeface="+mn-cs"/>
-              </a:rPr>
-              <a:t>CTR</a:t>
-            </a:r>
-            <a:r>
-              <a:rPr lang="zh-CN" altLang="zh-CN" sz="1200" kern="1200" dirty="0" smtClean="0">
-                <a:solidFill>
-                  <a:schemeClr val="tx1"/>
-                </a:solidFill>
-                <a:effectLst/>
-                <a:latin typeface="微软雅黑" panose="020B0503020204020204" pitchFamily="34" charset="-122"/>
-                <a:ea typeface="微软雅黑" panose="020B0503020204020204" pitchFamily="34" charset="-122"/>
-                <a:cs typeface="+mn-cs"/>
-              </a:rPr>
-              <a:t>指标是有迷惑性的，有些靠关键词吸引用户高点击的视频未必能够被播放。因此设定的目标基本与期望的观看时长相关，具体的目标调整则根据线上的</a:t>
-            </a:r>
-            <a:r>
-              <a:rPr lang="en-US" altLang="zh-CN" sz="1200" kern="1200" dirty="0" smtClean="0">
-                <a:solidFill>
-                  <a:schemeClr val="tx1"/>
-                </a:solidFill>
-                <a:effectLst/>
-                <a:latin typeface="微软雅黑" panose="020B0503020204020204" pitchFamily="34" charset="-122"/>
-                <a:ea typeface="微软雅黑" panose="020B0503020204020204" pitchFamily="34" charset="-122"/>
-                <a:cs typeface="+mn-cs"/>
-              </a:rPr>
-              <a:t>A/B</a:t>
-            </a:r>
-            <a:r>
-              <a:rPr lang="zh-CN" altLang="zh-CN" sz="1200" kern="1200" dirty="0" smtClean="0">
-                <a:solidFill>
-                  <a:schemeClr val="tx1"/>
-                </a:solidFill>
-                <a:effectLst/>
-                <a:latin typeface="微软雅黑" panose="020B0503020204020204" pitchFamily="34" charset="-122"/>
-                <a:ea typeface="微软雅黑" panose="020B0503020204020204" pitchFamily="34" charset="-122"/>
-                <a:cs typeface="+mn-cs"/>
-              </a:rPr>
-              <a:t>进行调整。</a:t>
+              <a:t>之间的排序分，作为最终输出推荐结果的依据。</a:t>
             </a:r>
             <a:endParaRPr lang="en-US" altLang="zh-CN" sz="1200" kern="1200" dirty="0" smtClean="0">
               <a:solidFill>
@@ -2873,23 +2919,18 @@
             </a:endParaRPr>
           </a:p>
           <a:p>
-            <a:pPr marL="0" marR="0" indent="0" algn="l" defTabSz="914400" rtl="0" eaLnBrk="1" fontAlgn="auto" latinLnBrk="0" hangingPunct="1">
-              <a:lnSpc>
-                <a:spcPct val="100000"/>
-              </a:lnSpc>
-              <a:spcBef>
-                <a:spcPts val="0"/>
-              </a:spcBef>
-              <a:spcAft>
-                <a:spcPts val="0"/>
-              </a:spcAft>
-              <a:buClrTx/>
-              <a:buSzTx/>
-              <a:buFontTx/>
-              <a:buNone/>
-              <a:tabLst/>
-              <a:defRPr/>
-            </a:pPr>
+            <a:r>
+              <a:rPr lang="zh-CN" altLang="zh-CN" sz="1200" kern="1200" dirty="0" smtClean="0">
+                <a:solidFill>
+                  <a:schemeClr val="tx1"/>
+                </a:solidFill>
+                <a:effectLst/>
+                <a:latin typeface="微软雅黑" panose="020B0503020204020204" pitchFamily="34" charset="-122"/>
+                <a:ea typeface="微软雅黑" panose="020B0503020204020204" pitchFamily="34" charset="-122"/>
+                <a:cs typeface="+mn-cs"/>
+              </a:rPr>
+              <a:t>之所以把推荐系统划分成</a:t>
+            </a:r>
             <a:r>
               <a:rPr lang="en-US" altLang="zh-CN" sz="1200" kern="1200" dirty="0" smtClean="0">
                 <a:solidFill>
@@ -2900,6 +2941,30 @@
                 <a:ea typeface="微软雅黑" panose="020B0503020204020204" pitchFamily="34" charset="-122"/>
                 <a:cs typeface="+mn-cs"/>
               </a:rPr>
+              <a:t>Matching</a:t>
+            </a:r>
+            <a:r>
+              <a:rPr lang="zh-CN" altLang="zh-CN" sz="1200" kern="1200" dirty="0" smtClean="0">
+                <a:solidFill>
+                  <a:schemeClr val="tx1"/>
+                </a:solidFill>
+                <a:effectLst/>
+                <a:latin typeface="微软雅黑" panose="020B0503020204020204" pitchFamily="34" charset="-122"/>
+                <a:ea typeface="微软雅黑" panose="020B0503020204020204" pitchFamily="34" charset="-122"/>
+                <a:cs typeface="+mn-cs"/>
+              </a:rPr>
+              <a:t>和</a:t>
+            </a:r>
+            <a:r>
+              <a:rPr lang="en-US" altLang="zh-CN" sz="1200" kern="1200" dirty="0" smtClean="0">
+                <a:solidFill>
+                  <a:schemeClr val="tx1"/>
+                </a:solidFill>
+                <a:effectLst/>
+                <a:latin typeface="微软雅黑" panose="020B0503020204020204" pitchFamily="34" charset="-122"/>
+                <a:ea typeface="微软雅黑" panose="020B0503020204020204" pitchFamily="34" charset="-122"/>
+                <a:cs typeface="+mn-cs"/>
+              </a:rPr>
               <a:t>Ranking</a:t>
             </a:r>
             <a:r>
@@ -2912,7 +2977,7 @@
                 <a:ea typeface="微软雅黑" panose="020B0503020204020204" pitchFamily="34" charset="-122"/>
                 <a:cs typeface="+mn-cs"/>
               </a:rPr>
-              <a:t>阶段的模型和</a:t>
+              <a:t>两个阶段，主要是从性能方面考虑的。</a:t>
             </a:r>
             <a:r>
               <a:rPr lang="en-US" altLang="zh-CN" sz="1200" kern="1200" dirty="0" smtClean="0">
@@ -2936,7 +3001,7 @@
                 <a:ea typeface="微软雅黑" panose="020B0503020204020204" pitchFamily="34" charset="-122"/>
                 <a:cs typeface="+mn-cs"/>
               </a:rPr>
-              <a:t>基本相似，不同的是</a:t>
+              <a:t>阶段面临的是百万级视频，单个视频的性能开销必须很小；而</a:t>
             </a:r>
             <a:r>
               <a:rPr lang="en-US" altLang="zh-CN" sz="1200" kern="1200" dirty="0" smtClean="0">
@@ -2948,7 +3013,7 @@
                 <a:ea typeface="微软雅黑" panose="020B0503020204020204" pitchFamily="34" charset="-122"/>
                 <a:cs typeface="+mn-cs"/>
               </a:rPr>
-              <a:t>training</a:t>
+              <a:t>Ranking</a:t>
             </a:r>
             <a:r>
               <a:rPr lang="zh-CN" altLang="zh-CN" sz="1200" kern="1200" dirty="0" smtClean="0">
@@ -2960,7 +3025,7 @@
                 <a:ea typeface="微软雅黑" panose="020B0503020204020204" pitchFamily="34" charset="-122"/>
                 <a:cs typeface="+mn-cs"/>
               </a:rPr>
-              <a:t>最后一层是一个</a:t>
+              <a:t>阶段的算法则非常消耗资源，不可能对所有视频都算一遍，实际上即便资源充足也完全没有必要，因为往往来说通不过</a:t>
             </a:r>
             <a:r>
               <a:rPr lang="en-US" altLang="zh-CN" sz="1200" kern="1200" dirty="0" smtClean="0">
@@ -2972,7 +3037,7 @@
                 <a:ea typeface="微软雅黑" panose="020B0503020204020204" pitchFamily="34" charset="-122"/>
                 <a:cs typeface="+mn-cs"/>
               </a:rPr>
-              <a:t>weighted LR</a:t>
+              <a:t>Matching</a:t>
             </a:r>
             <a:r>
               <a:rPr lang="zh-CN" altLang="zh-CN" sz="1200" kern="1200" dirty="0" smtClean="0">
@@ -2984,7 +3049,7 @@
                 <a:ea typeface="微软雅黑" panose="020B0503020204020204" pitchFamily="34" charset="-122"/>
                 <a:cs typeface="+mn-cs"/>
               </a:rPr>
-              <a:t>层，而</a:t>
+              <a:t>粗选的视频，大部分在</a:t>
             </a:r>
             <a:r>
               <a:rPr lang="en-US" altLang="zh-CN" sz="1200" kern="1200" dirty="0" smtClean="0">
@@ -2996,7 +3061,7 @@
                 <a:ea typeface="微软雅黑" panose="020B0503020204020204" pitchFamily="34" charset="-122"/>
                 <a:cs typeface="+mn-cs"/>
               </a:rPr>
-              <a:t>serving</a:t>
+              <a:t>Ranking</a:t>
             </a:r>
             <a:r>
               <a:rPr lang="zh-CN" altLang="zh-CN" sz="1200" kern="1200" dirty="0" smtClean="0">
@@ -3008,7 +3073,7 @@
                 <a:ea typeface="微软雅黑" panose="020B0503020204020204" pitchFamily="34" charset="-122"/>
                 <a:cs typeface="+mn-cs"/>
               </a:rPr>
-              <a:t>阶段激励函数用的是</a:t>
+              <a:t>阶段排名也很低。接下来分别从</a:t>
             </a:r>
             <a:r>
               <a:rPr lang="en-US" altLang="zh-CN" sz="1200" kern="1200" dirty="0" smtClean="0">
@@ -3020,7 +3085,7 @@
                 <a:ea typeface="微软雅黑" panose="020B0503020204020204" pitchFamily="34" charset="-122"/>
                 <a:cs typeface="+mn-cs"/>
               </a:rPr>
-              <a:t> </a:t>
+              <a:t>Matching</a:t>
             </a:r>
             <a:r>
               <a:rPr lang="zh-CN" altLang="zh-CN" sz="1200" kern="1200" dirty="0" smtClean="0">
@@ -3032,7 +3097,7 @@
                 <a:ea typeface="微软雅黑" panose="020B0503020204020204" pitchFamily="34" charset="-122"/>
                 <a:cs typeface="+mn-cs"/>
               </a:rPr>
-              <a:t>，具体在</a:t>
+              <a:t>和</a:t>
             </a:r>
             <a:r>
               <a:rPr lang="en-US" altLang="zh-CN" sz="1200" kern="1200" dirty="0" smtClean="0">
@@ -3044,7 +3109,7 @@
                 <a:ea typeface="微软雅黑" panose="020B0503020204020204" pitchFamily="34" charset="-122"/>
                 <a:cs typeface="+mn-cs"/>
               </a:rPr>
-              <a:t>3.3</a:t>
+              <a:t>Ranking</a:t>
             </a:r>
             <a:r>
               <a:rPr lang="zh-CN" altLang="zh-CN" sz="1200" kern="1200" dirty="0" smtClean="0">
@@ -3056,8 +3121,15 @@
                 <a:ea typeface="微软雅黑" panose="020B0503020204020204" pitchFamily="34" charset="-122"/>
                 <a:cs typeface="+mn-cs"/>
               </a:rPr>
-              <a:t>阐述。</a:t>
-            </a:r>
+              <a:t>阶段展开介绍。</a:t>
+            </a:r>
+            <a:endParaRPr lang="zh-CN" altLang="en-US" dirty="0" smtClean="0"/>
+          </a:p>
+          <a:p>
+            <a:endParaRPr lang="zh-CN" altLang="en-US" dirty="0">
+              <a:latin typeface="微软雅黑" panose="020B0503020204020204" pitchFamily="34" charset="-122"/>
+              <a:ea typeface="微软雅黑" panose="020B0503020204020204" pitchFamily="34" charset="-122"/>
+            </a:endParaRPr>
           </a:p>
         </p:txBody>
       </p:sp>
@@ -3082,6 +3154,7 @@
                 <a:latin typeface="微软雅黑" panose="020B0503020204020204" pitchFamily="34" charset="-122"/>
                 <a:ea typeface="微软雅黑" panose="020B0503020204020204" pitchFamily="34" charset="-122"/>
               </a:rPr>
+              <a:pPr rtl="0"/>
               <a:t>8</a:t>
             </a:fld>
             <a:endParaRPr lang="en-US" altLang="zh-CN">
@@ -3094,7 +3167,7 @@
     </p:spTree>
     <p:extLst>
       <p:ext uri="{BB962C8B-B14F-4D97-AF65-F5344CB8AC3E}">
-        <p14:creationId xmlns:p14="http://schemas.microsoft.com/office/powerpoint/2010/main" val="263626557"/>
+        <p14:creationId xmlns:p14="http://schemas.microsoft.com/office/powerpoint/2010/main" xmlns="" val="21756205"/>
       </p:ext>
     </p:extLst>
   </p:cSld>
@@ -3342,17 +3415,6 @@
               </a:rPr>
               <a:t>此外，</a:t>
             </a:r>
-            <a:endParaRPr lang="en-US" altLang="zh-CN" sz="1200" kern="1200" dirty="0" smtClean="0">
-              <a:solidFill>
-                <a:schemeClr val="tx1"/>
-              </a:solidFill>
-              <a:effectLst/>
-              <a:latin typeface="微软雅黑" panose="020B0503020204020204" pitchFamily="34" charset="-122"/>
-              <a:ea typeface="微软雅黑" panose="020B0503020204020204" pitchFamily="34" charset="-122"/>
-              <a:cs typeface="+mn-cs"/>
-            </a:endParaRPr>
-          </a:p>
-          <a:p>
             <a:r>
               <a:rPr lang="en-US" altLang="zh-CN" sz="1200" kern="1200" dirty="0" smtClean="0">
                 <a:solidFill>
@@ -3377,17 +3439,6 @@
               </a:rPr>
               <a:t>阶段的来源往往很多，没法直接比较。</a:t>
             </a:r>
-            <a:endParaRPr lang="en-US" altLang="zh-CN" sz="1200" kern="1200" dirty="0" smtClean="0">
-              <a:solidFill>
-                <a:schemeClr val="tx1"/>
-              </a:solidFill>
-              <a:effectLst/>
-              <a:latin typeface="微软雅黑" panose="020B0503020204020204" pitchFamily="34" charset="-122"/>
-              <a:ea typeface="微软雅黑" panose="020B0503020204020204" pitchFamily="34" charset="-122"/>
-              <a:cs typeface="+mn-cs"/>
-            </a:endParaRPr>
-          </a:p>
-          <a:p>
             <a:r>
               <a:rPr lang="en-US" altLang="zh-CN" sz="1200" kern="1200" dirty="0" smtClean="0">
                 <a:solidFill>
@@ -3631,9 +3682,80 @@
                 <a:ea typeface="微软雅黑" panose="020B0503020204020204" pitchFamily="34" charset="-122"/>
                 <a:cs typeface="+mn-cs"/>
               </a:rPr>
-              <a:t>层</a:t>
-            </a:r>
-            <a:endParaRPr lang="zh-CN" altLang="en-US" dirty="0"/>
+              <a:t>层，而</a:t>
+            </a:r>
+            <a:r>
+              <a:rPr lang="en-US" altLang="zh-CN" sz="1200" kern="1200" dirty="0" smtClean="0">
+                <a:solidFill>
+                  <a:schemeClr val="tx1"/>
+                </a:solidFill>
+                <a:effectLst/>
+                <a:latin typeface="微软雅黑" panose="020B0503020204020204" pitchFamily="34" charset="-122"/>
+                <a:ea typeface="微软雅黑" panose="020B0503020204020204" pitchFamily="34" charset="-122"/>
+                <a:cs typeface="+mn-cs"/>
+              </a:rPr>
+              <a:t>serving</a:t>
+            </a:r>
+            <a:r>
+              <a:rPr lang="zh-CN" altLang="zh-CN" sz="1200" kern="1200" dirty="0" smtClean="0">
+                <a:solidFill>
+                  <a:schemeClr val="tx1"/>
+                </a:solidFill>
+                <a:effectLst/>
+                <a:latin typeface="微软雅黑" panose="020B0503020204020204" pitchFamily="34" charset="-122"/>
+                <a:ea typeface="微软雅黑" panose="020B0503020204020204" pitchFamily="34" charset="-122"/>
+                <a:cs typeface="+mn-cs"/>
+              </a:rPr>
+              <a:t>阶段激励函数用的是</a:t>
+            </a:r>
+            <a:r>
+              <a:rPr lang="en-US" altLang="zh-CN" sz="1200" kern="1200" dirty="0" smtClean="0">
+                <a:solidFill>
+                  <a:schemeClr val="tx1"/>
+                </a:solidFill>
+                <a:effectLst/>
+                <a:latin typeface="微软雅黑" panose="020B0503020204020204" pitchFamily="34" charset="-122"/>
+                <a:ea typeface="微软雅黑" panose="020B0503020204020204" pitchFamily="34" charset="-122"/>
+                <a:cs typeface="+mn-cs"/>
+              </a:rPr>
+              <a:t> </a:t>
+            </a:r>
+            <a:r>
+              <a:rPr lang="zh-CN" altLang="zh-CN" sz="1200" kern="1200" dirty="0" smtClean="0">
+                <a:solidFill>
+                  <a:schemeClr val="tx1"/>
+                </a:solidFill>
+                <a:effectLst/>
+                <a:latin typeface="微软雅黑" panose="020B0503020204020204" pitchFamily="34" charset="-122"/>
+                <a:ea typeface="微软雅黑" panose="020B0503020204020204" pitchFamily="34" charset="-122"/>
+                <a:cs typeface="+mn-cs"/>
+              </a:rPr>
+              <a:t>，具体在</a:t>
+            </a:r>
+            <a:r>
+              <a:rPr lang="en-US" altLang="zh-CN" sz="1200" kern="1200" dirty="0" smtClean="0">
+                <a:solidFill>
+                  <a:schemeClr val="tx1"/>
+                </a:solidFill>
+                <a:effectLst/>
+                <a:latin typeface="微软雅黑" panose="020B0503020204020204" pitchFamily="34" charset="-122"/>
+                <a:ea typeface="微软雅黑" panose="020B0503020204020204" pitchFamily="34" charset="-122"/>
+                <a:cs typeface="+mn-cs"/>
+              </a:rPr>
+              <a:t>3.3</a:t>
+            </a:r>
+            <a:r>
+              <a:rPr lang="zh-CN" altLang="zh-CN" sz="1200" kern="1200" dirty="0" smtClean="0">
+                <a:solidFill>
+                  <a:schemeClr val="tx1"/>
+                </a:solidFill>
+                <a:effectLst/>
+                <a:latin typeface="微软雅黑" panose="020B0503020204020204" pitchFamily="34" charset="-122"/>
+                <a:ea typeface="微软雅黑" panose="020B0503020204020204" pitchFamily="34" charset="-122"/>
+                <a:cs typeface="+mn-cs"/>
+              </a:rPr>
+              <a:t>阐述。</a:t>
+            </a:r>
           </a:p>
         </p:txBody>
       </p:sp>
@@ -3658,6 +3780,7 @@
                 <a:latin typeface="微软雅黑" panose="020B0503020204020204" pitchFamily="34" charset="-122"/>
                 <a:ea typeface="微软雅黑" panose="020B0503020204020204" pitchFamily="34" charset="-122"/>
               </a:rPr>
+              <a:pPr rtl="0"/>
               <a:t>9</a:t>
             </a:fld>
             <a:endParaRPr lang="en-US" altLang="zh-CN">
@@ -3670,7 +3793,7 @@
     </p:spTree>
     <p:extLst>
       <p:ext uri="{BB962C8B-B14F-4D97-AF65-F5344CB8AC3E}">
-        <p14:creationId xmlns:p14="http://schemas.microsoft.com/office/powerpoint/2010/main" val="2088795364"/>
+        <p14:creationId xmlns:p14="http://schemas.microsoft.com/office/powerpoint/2010/main" xmlns="" val="263626557"/>
       </p:ext>
     </p:extLst>
   </p:cSld>
@@ -3894,20 +4017,20 @@
     </p:spTree>
     <p:extLst>
       <p:ext uri="{BB962C8B-B14F-4D97-AF65-F5344CB8AC3E}">
-        <p14:creationId xmlns:p14="http://schemas.microsoft.com/office/powerpoint/2010/main" val="3382882087"/>
+        <p14:creationId xmlns:p14="http://schemas.microsoft.com/office/powerpoint/2010/main" xmlns="" val="3382882087"/>
       </p:ext>
     </p:extLst>
   </p:cSld>
   <p:clrMapOvr>
     <a:masterClrMapping/>
   </p:clrMapOvr>
-  <mc:AlternateContent xmlns:mc="http://schemas.openxmlformats.org/markup-compatibility/2006" xmlns:p14="http://schemas.microsoft.com/office/powerpoint/2010/main">
-    <mc:Choice Requires="p14">
+  <mc:AlternateContent xmlns:mc="http://schemas.openxmlformats.org/markup-compatibility/2006">
+    <mc:Choice xmlns:p14="http://schemas.microsoft.com/office/powerpoint/2010/main" xmlns="" Requires="p14">
       <p:transition spd="med" p14:dur="700">
         <p:fade/>
       </p:transition>
     </mc:Choice>
-    <mc:Fallback xmlns="">
+    <mc:Fallback>
       <p:transition spd="med">
         <p:fade/>
       </p:transition>
@@ -4053,7 +4176,8 @@
           <a:p>
             <a:fld id="{2FB924FA-5C7C-4531-9508-4EC93CD99CFC}" type="datetime2">
               <a:rPr lang="zh-CN" altLang="en-US" noProof="0" smtClean="0"/>
-              <a:t>2017年12月12日</a:t>
+              <a:pPr/>
+              <a:t>2017年12月14日 Thursday</a:t>
             </a:fld>
             <a:endParaRPr lang="zh-CN" altLang="en-US" noProof="0" dirty="0"/>
           </a:p>
@@ -4077,6 +4201,7 @@
             <a:pPr rtl="0"/>
             <a:fld id="{CA8D9AD5-F248-4919-864A-CFD76CC027D6}" type="slidenum">
               <a:rPr lang="en-US" altLang="zh-CN" noProof="0" smtClean="0"/>
+              <a:pPr rtl="0"/>
               <a:t>‹#›</a:t>
             </a:fld>
             <a:endParaRPr lang="zh-CN" altLang="en-US" noProof="0" dirty="0"/>
@@ -4086,20 +4211,20 @@
     </p:spTree>
     <p:extLst>
       <p:ext uri="{BB962C8B-B14F-4D97-AF65-F5344CB8AC3E}">
-        <p14:creationId xmlns:p14="http://schemas.microsoft.com/office/powerpoint/2010/main" val="3338572201"/>
+        <p14:creationId xmlns:p14="http://schemas.microsoft.com/office/powerpoint/2010/main" xmlns="" val="3338572201"/>
       </p:ext>
     </p:extLst>
   </p:cSld>
   <p:clrMapOvr>
     <a:masterClrMapping/>
   </p:clrMapOvr>
-  <mc:AlternateContent xmlns:mc="http://schemas.openxmlformats.org/markup-compatibility/2006" xmlns:p14="http://schemas.microsoft.com/office/powerpoint/2010/main">
-    <mc:Choice Requires="p14">
+  <mc:AlternateContent xmlns:mc="http://schemas.openxmlformats.org/markup-compatibility/2006">
+    <mc:Choice xmlns:p14="http://schemas.microsoft.com/office/powerpoint/2010/main" xmlns="" Requires="p14">
       <p:transition spd="med" p14:dur="700">
         <p:fade/>
       </p:transition>
     </mc:Choice>
-    <mc:Fallback xmlns="">
+    <mc:Fallback>
       <p:transition spd="med">
         <p:fade/>
       </p:transition>
@@ -4252,7 +4377,8 @@
             <a:pPr rtl="0"/>
             <a:fld id="{42B3C126-703A-40CF-978D-DE5546258945}" type="datetime2">
               <a:rPr lang="zh-CN" altLang="en-US" noProof="0" smtClean="0"/>
-              <a:t>2017年12月12日</a:t>
+              <a:pPr rtl="0"/>
+              <a:t>2017年12月14日 Thursday</a:t>
             </a:fld>
             <a:endParaRPr lang="zh-CN" altLang="en-US" noProof="0" dirty="0"/>
           </a:p>
@@ -4276,6 +4402,7 @@
             <a:pPr rtl="0"/>
             <a:fld id="{CA8D9AD5-F248-4919-864A-CFD76CC027D6}" type="slidenum">
               <a:rPr lang="en-US" altLang="zh-CN" noProof="0" smtClean="0"/>
+              <a:pPr rtl="0"/>
               <a:t>‹#›</a:t>
             </a:fld>
             <a:endParaRPr lang="en-US" altLang="zh-CN" noProof="0" dirty="0"/>
@@ -4285,20 +4412,20 @@
     </p:spTree>
     <p:extLst>
       <p:ext uri="{BB962C8B-B14F-4D97-AF65-F5344CB8AC3E}">
-        <p14:creationId xmlns:p14="http://schemas.microsoft.com/office/powerpoint/2010/main" val="2751558224"/>
+        <p14:creationId xmlns:p14="http://schemas.microsoft.com/office/powerpoint/2010/main" xmlns="" val="2751558224"/>
       </p:ext>
     </p:extLst>
   </p:cSld>
   <p:clrMapOvr>
     <a:masterClrMapping/>
   </p:clrMapOvr>
-  <mc:AlternateContent xmlns:mc="http://schemas.openxmlformats.org/markup-compatibility/2006" xmlns:p14="http://schemas.microsoft.com/office/powerpoint/2010/main">
-    <mc:Choice Requires="p14">
+  <mc:AlternateContent xmlns:mc="http://schemas.openxmlformats.org/markup-compatibility/2006">
+    <mc:Choice xmlns:p14="http://schemas.microsoft.com/office/powerpoint/2010/main" xmlns="" Requires="p14">
       <p:transition spd="med" p14:dur="700">
         <p:fade/>
       </p:transition>
     </mc:Choice>
-    <mc:Fallback xmlns="">
+    <mc:Fallback>
       <p:transition spd="med">
         <p:fade/>
       </p:transition>
@@ -4444,7 +4571,8 @@
           <a:p>
             <a:fld id="{7E4C9B8F-ED0D-441B-93B5-73E5ADEC8F7A}" type="datetime2">
               <a:rPr lang="zh-CN" altLang="en-US" noProof="0" smtClean="0"/>
-              <a:t>2017年12月12日</a:t>
+              <a:pPr/>
+              <a:t>2017年12月14日 Thursday</a:t>
             </a:fld>
             <a:endParaRPr lang="zh-CN" altLang="en-US" noProof="0" dirty="0"/>
           </a:p>
@@ -4468,6 +4596,7 @@
             <a:pPr rtl="0"/>
             <a:fld id="{CA8D9AD5-F248-4919-864A-CFD76CC027D6}" type="slidenum">
               <a:rPr lang="en-US" altLang="zh-CN" noProof="0" smtClean="0"/>
+              <a:pPr rtl="0"/>
               <a:t>‹#›</a:t>
             </a:fld>
             <a:endParaRPr lang="en-US" altLang="zh-CN" noProof="0" dirty="0"/>
@@ -4477,20 +4606,20 @@
     </p:spTree>
     <p:extLst>
       <p:ext uri="{BB962C8B-B14F-4D97-AF65-F5344CB8AC3E}">
-        <p14:creationId xmlns:p14="http://schemas.microsoft.com/office/powerpoint/2010/main" val="4159342245"/>
+        <p14:creationId xmlns:p14="http://schemas.microsoft.com/office/powerpoint/2010/main" xmlns="" val="4159342245"/>
       </p:ext>
     </p:extLst>
   </p:cSld>
   <p:clrMapOvr>
     <a:masterClrMapping/>
   </p:clrMapOvr>
-  <mc:AlternateContent xmlns:mc="http://schemas.openxmlformats.org/markup-compatibility/2006" xmlns:p14="http://schemas.microsoft.com/office/powerpoint/2010/main">
-    <mc:Choice Requires="p14">
+  <mc:AlternateContent xmlns:mc="http://schemas.openxmlformats.org/markup-compatibility/2006">
+    <mc:Choice xmlns:p14="http://schemas.microsoft.com/office/powerpoint/2010/main" xmlns="" Requires="p14">
       <p:transition spd="med" p14:dur="700">
         <p:fade/>
       </p:transition>
     </mc:Choice>
-    <mc:Fallback xmlns="">
+    <mc:Fallback>
       <p:transition spd="med">
         <p:fade/>
       </p:transition>
@@ -4766,7 +4895,8 @@
           <a:p>
             <a:fld id="{B6CFF333-CAF4-47F4-B609-248F94A8651D}" type="datetime2">
               <a:rPr lang="zh-CN" altLang="en-US" noProof="0" smtClean="0"/>
-              <a:t>2017年12月12日</a:t>
+              <a:pPr/>
+              <a:t>2017年12月14日 Thursday</a:t>
             </a:fld>
             <a:endParaRPr lang="zh-CN" altLang="en-US" noProof="0" dirty="0"/>
           </a:p>
@@ -4790,6 +4920,7 @@
             <a:pPr rtl="0"/>
             <a:fld id="{CA8D9AD5-F248-4919-864A-CFD76CC027D6}" type="slidenum">
               <a:rPr lang="en-US" altLang="zh-CN" noProof="0" smtClean="0"/>
+              <a:pPr rtl="0"/>
               <a:t>‹#›</a:t>
             </a:fld>
             <a:endParaRPr lang="en-US" altLang="zh-CN" noProof="0" dirty="0"/>
@@ -4799,20 +4930,20 @@
     </p:spTree>
     <p:extLst>
       <p:ext uri="{BB962C8B-B14F-4D97-AF65-F5344CB8AC3E}">
-        <p14:creationId xmlns:p14="http://schemas.microsoft.com/office/powerpoint/2010/main" val="2715843784"/>
+        <p14:creationId xmlns:p14="http://schemas.microsoft.com/office/powerpoint/2010/main" xmlns="" val="2715843784"/>
       </p:ext>
     </p:extLst>
   </p:cSld>
   <p:clrMapOvr>
     <a:masterClrMapping/>
   </p:clrMapOvr>
-  <mc:AlternateContent xmlns:mc="http://schemas.openxmlformats.org/markup-compatibility/2006" xmlns:p14="http://schemas.microsoft.com/office/powerpoint/2010/main">
-    <mc:Choice Requires="p14">
+  <mc:AlternateContent xmlns:mc="http://schemas.openxmlformats.org/markup-compatibility/2006">
+    <mc:Choice xmlns:p14="http://schemas.microsoft.com/office/powerpoint/2010/main" xmlns="" Requires="p14">
       <p:transition spd="med" p14:dur="700">
         <p:fade/>
       </p:transition>
     </mc:Choice>
-    <mc:Fallback xmlns="">
+    <mc:Fallback>
       <p:transition spd="med">
         <p:fade/>
       </p:transition>
@@ -5080,7 +5211,8 @@
           <a:p>
             <a:fld id="{481C7592-0418-4392-9461-A3A685A5B954}" type="datetime2">
               <a:rPr lang="zh-CN" altLang="en-US" noProof="0" smtClean="0"/>
-              <a:t>2017年12月12日</a:t>
+              <a:pPr/>
+              <a:t>2017年12月14日 Thursday</a:t>
             </a:fld>
             <a:endParaRPr lang="zh-CN" altLang="en-US" noProof="0" dirty="0"/>
           </a:p>
@@ -5104,6 +5236,7 @@
             <a:pPr rtl="0"/>
             <a:fld id="{0D06EF73-9DB8-4763-865F-2F88181A4732}" type="slidenum">
               <a:rPr lang="en-US" altLang="zh-CN" noProof="0" smtClean="0"/>
+              <a:pPr rtl="0"/>
               <a:t>‹#›</a:t>
             </a:fld>
             <a:endParaRPr lang="zh-CN" altLang="en-US" noProof="0" dirty="0"/>
@@ -5113,20 +5246,20 @@
     </p:spTree>
     <p:extLst>
       <p:ext uri="{BB962C8B-B14F-4D97-AF65-F5344CB8AC3E}">
-        <p14:creationId xmlns:p14="http://schemas.microsoft.com/office/powerpoint/2010/main" val="2923056159"/>
+        <p14:creationId xmlns:p14="http://schemas.microsoft.com/office/powerpoint/2010/main" xmlns="" val="2923056159"/>
       </p:ext>
     </p:extLst>
   </p:cSld>
   <p:clrMapOvr>
     <a:masterClrMapping/>
   </p:clrMapOvr>
-  <mc:AlternateContent xmlns:mc="http://schemas.openxmlformats.org/markup-compatibility/2006" xmlns:p14="http://schemas.microsoft.com/office/powerpoint/2010/main">
-    <mc:Choice Requires="p14">
+  <mc:AlternateContent xmlns:mc="http://schemas.openxmlformats.org/markup-compatibility/2006">
+    <mc:Choice xmlns:p14="http://schemas.microsoft.com/office/powerpoint/2010/main" xmlns="" Requires="p14">
       <p:transition spd="med" p14:dur="700">
         <p:fade/>
       </p:transition>
     </mc:Choice>
-    <mc:Fallback xmlns="">
+    <mc:Fallback>
       <p:transition spd="med">
         <p:fade/>
       </p:transition>
@@ -5534,7 +5667,8 @@
           <a:p>
             <a:fld id="{A74B7073-0DB1-4EA3-896B-0F08756C7633}" type="datetime2">
               <a:rPr lang="zh-CN" altLang="en-US" noProof="0" smtClean="0"/>
-              <a:t>2017年12月12日</a:t>
+              <a:pPr/>
+              <a:t>2017年12月14日 Thursday</a:t>
             </a:fld>
             <a:endParaRPr lang="zh-CN" altLang="en-US" noProof="0" dirty="0"/>
           </a:p>
@@ -5558,6 +5692,7 @@
             <a:pPr rtl="0"/>
             <a:fld id="{CA8D9AD5-F248-4919-864A-CFD76CC027D6}" type="slidenum">
               <a:rPr lang="en-US" altLang="zh-CN" noProof="0" smtClean="0"/>
+              <a:pPr rtl="0"/>
               <a:t>‹#›</a:t>
             </a:fld>
             <a:endParaRPr lang="en-US" altLang="zh-CN" noProof="0" dirty="0"/>
@@ -5567,20 +5702,20 @@
     </p:spTree>
     <p:extLst>
       <p:ext uri="{BB962C8B-B14F-4D97-AF65-F5344CB8AC3E}">
-        <p14:creationId xmlns:p14="http://schemas.microsoft.com/office/powerpoint/2010/main" val="4057080828"/>
+        <p14:creationId xmlns:p14="http://schemas.microsoft.com/office/powerpoint/2010/main" xmlns="" val="4057080828"/>
       </p:ext>
     </p:extLst>
   </p:cSld>
   <p:clrMapOvr>
     <a:masterClrMapping/>
   </p:clrMapOvr>
-  <mc:AlternateContent xmlns:mc="http://schemas.openxmlformats.org/markup-compatibility/2006" xmlns:p14="http://schemas.microsoft.com/office/powerpoint/2010/main">
-    <mc:Choice Requires="p14">
+  <mc:AlternateContent xmlns:mc="http://schemas.openxmlformats.org/markup-compatibility/2006">
+    <mc:Choice xmlns:p14="http://schemas.microsoft.com/office/powerpoint/2010/main" xmlns="" Requires="p14">
       <p:transition spd="med" p14:dur="700">
         <p:fade/>
       </p:transition>
     </mc:Choice>
-    <mc:Fallback xmlns="">
+    <mc:Fallback>
       <p:transition spd="med">
         <p:fade/>
       </p:transition>
@@ -5674,7 +5809,8 @@
           <a:p>
             <a:fld id="{AA75D6F9-0026-4B86-A9C0-C993048D8C42}" type="datetime2">
               <a:rPr lang="zh-CN" altLang="en-US" noProof="0" smtClean="0"/>
-              <a:t>2017年12月12日</a:t>
+              <a:pPr/>
+              <a:t>2017年12月14日 Thursday</a:t>
             </a:fld>
             <a:endParaRPr lang="zh-CN" altLang="en-US" noProof="0" dirty="0"/>
           </a:p>
@@ -5698,6 +5834,7 @@
             <a:pPr rtl="0"/>
             <a:fld id="{CA8D9AD5-F248-4919-864A-CFD76CC027D6}" type="slidenum">
               <a:rPr lang="en-US" altLang="zh-CN" noProof="0" smtClean="0"/>
+              <a:pPr rtl="0"/>
               <a:t>‹#›</a:t>
             </a:fld>
             <a:endParaRPr lang="en-US" altLang="zh-CN" noProof="0" dirty="0"/>
@@ -5707,20 +5844,20 @@
     </p:spTree>
     <p:extLst>
       <p:ext uri="{BB962C8B-B14F-4D97-AF65-F5344CB8AC3E}">
-        <p14:creationId xmlns:p14="http://schemas.microsoft.com/office/powerpoint/2010/main" val="842011030"/>
+        <p14:creationId xmlns:p14="http://schemas.microsoft.com/office/powerpoint/2010/main" xmlns="" val="842011030"/>
       </p:ext>
     </p:extLst>
   </p:cSld>
   <p:clrMapOvr>
     <a:masterClrMapping/>
   </p:clrMapOvr>
-  <mc:AlternateContent xmlns:mc="http://schemas.openxmlformats.org/markup-compatibility/2006" xmlns:p14="http://schemas.microsoft.com/office/powerpoint/2010/main">
-    <mc:Choice Requires="p14">
+  <mc:AlternateContent xmlns:mc="http://schemas.openxmlformats.org/markup-compatibility/2006">
+    <mc:Choice xmlns:p14="http://schemas.microsoft.com/office/powerpoint/2010/main" xmlns="" Requires="p14">
       <p:transition spd="med" p14:dur="700">
         <p:fade/>
       </p:transition>
     </mc:Choice>
-    <mc:Fallback xmlns="">
+    <mc:Fallback>
       <p:transition spd="med">
         <p:fade/>
       </p:transition>
@@ -5835,7 +5972,8 @@
           <a:p>
             <a:fld id="{911F0462-7A6E-4803-9749-C3B78B31BD60}" type="datetime2">
               <a:rPr lang="zh-CN" altLang="en-US" noProof="0" smtClean="0"/>
-              <a:t>2017年12月12日</a:t>
+              <a:pPr/>
+              <a:t>2017年12月14日 Thursday</a:t>
             </a:fld>
             <a:endParaRPr lang="zh-CN" altLang="en-US" noProof="0" dirty="0"/>
           </a:p>
@@ -5859,6 +5997,7 @@
             <a:pPr rtl="0"/>
             <a:fld id="{CA8D9AD5-F248-4919-864A-CFD76CC027D6}" type="slidenum">
               <a:rPr lang="en-US" altLang="zh-CN" noProof="0" smtClean="0"/>
+              <a:pPr rtl="0"/>
               <a:t>‹#›</a:t>
             </a:fld>
             <a:endParaRPr lang="en-US" altLang="zh-CN" noProof="0" dirty="0"/>
@@ -5868,20 +6007,20 @@
     </p:spTree>
     <p:extLst>
       <p:ext uri="{BB962C8B-B14F-4D97-AF65-F5344CB8AC3E}">
-        <p14:creationId xmlns:p14="http://schemas.microsoft.com/office/powerpoint/2010/main" val="2559003960"/>
+        <p14:creationId xmlns:p14="http://schemas.microsoft.com/office/powerpoint/2010/main" xmlns="" val="2559003960"/>
       </p:ext>
     </p:extLst>
   </p:cSld>
   <p:clrMapOvr>
     <a:masterClrMapping/>
   </p:clrMapOvr>
-  <mc:AlternateContent xmlns:mc="http://schemas.openxmlformats.org/markup-compatibility/2006" xmlns:p14="http://schemas.microsoft.com/office/powerpoint/2010/main">
-    <mc:Choice Requires="p14">
+  <mc:AlternateContent xmlns:mc="http://schemas.openxmlformats.org/markup-compatibility/2006">
+    <mc:Choice xmlns:p14="http://schemas.microsoft.com/office/powerpoint/2010/main" xmlns="" Requires="p14">
       <p:transition spd="med" p14:dur="700">
         <p:fade/>
       </p:transition>
     </mc:Choice>
-    <mc:Fallback xmlns="">
+    <mc:Fallback>
       <p:transition spd="med">
         <p:fade/>
       </p:transition>
@@ -6143,7 +6282,8 @@
           <a:p>
             <a:fld id="{CF800B45-6479-43B8-81E0-717C32FCDA17}" type="datetime2">
               <a:rPr lang="zh-CN" altLang="en-US" noProof="0" smtClean="0"/>
-              <a:t>2017年12月12日</a:t>
+              <a:pPr/>
+              <a:t>2017年12月14日 Thursday</a:t>
             </a:fld>
             <a:endParaRPr lang="zh-CN" altLang="en-US" noProof="0" dirty="0"/>
           </a:p>
@@ -6167,6 +6307,7 @@
             <a:pPr rtl="0"/>
             <a:fld id="{CA8D9AD5-F248-4919-864A-CFD76CC027D6}" type="slidenum">
               <a:rPr lang="en-US" altLang="zh-CN" noProof="0" smtClean="0"/>
+              <a:pPr rtl="0"/>
               <a:t>‹#›</a:t>
             </a:fld>
             <a:endParaRPr lang="zh-CN" altLang="en-US" noProof="0" dirty="0"/>
@@ -6176,20 +6317,20 @@
     </p:spTree>
     <p:extLst>
       <p:ext uri="{BB962C8B-B14F-4D97-AF65-F5344CB8AC3E}">
-        <p14:creationId xmlns:p14="http://schemas.microsoft.com/office/powerpoint/2010/main" val="1435946658"/>
+        <p14:creationId xmlns:p14="http://schemas.microsoft.com/office/powerpoint/2010/main" xmlns="" val="1435946658"/>
       </p:ext>
     </p:extLst>
   </p:cSld>
   <p:clrMapOvr>
     <a:masterClrMapping/>
   </p:clrMapOvr>
-  <mc:AlternateContent xmlns:mc="http://schemas.openxmlformats.org/markup-compatibility/2006" xmlns:p14="http://schemas.microsoft.com/office/powerpoint/2010/main">
-    <mc:Choice Requires="p14">
+  <mc:AlternateContent xmlns:mc="http://schemas.openxmlformats.org/markup-compatibility/2006">
+    <mc:Choice xmlns:p14="http://schemas.microsoft.com/office/powerpoint/2010/main" xmlns="" Requires="p14">
       <p:transition spd="med" p14:dur="700">
         <p:fade/>
       </p:transition>
     </mc:Choice>
-    <mc:Fallback xmlns="">
+    <mc:Fallback>
       <p:transition spd="med">
         <p:fade/>
       </p:transition>
@@ -6440,7 +6581,8 @@
           <a:p>
             <a:fld id="{A7ACA21B-F8E6-4CE8-8C10-FEA2D0B508EC}" type="datetime2">
               <a:rPr lang="zh-CN" altLang="en-US" noProof="0" smtClean="0"/>
-              <a:t>2017年12月12日</a:t>
+              <a:pPr/>
+              <a:t>2017年12月14日 Thursday</a:t>
             </a:fld>
             <a:endParaRPr lang="zh-CN" altLang="en-US" noProof="0" dirty="0"/>
           </a:p>
@@ -6464,6 +6606,7 @@
             <a:pPr rtl="0"/>
             <a:fld id="{CA8D9AD5-F248-4919-864A-CFD76CC027D6}" type="slidenum">
               <a:rPr lang="en-US" altLang="zh-CN" noProof="0" smtClean="0"/>
+              <a:pPr rtl="0"/>
               <a:t>‹#›</a:t>
             </a:fld>
             <a:endParaRPr lang="en-US" altLang="zh-CN" noProof="0" dirty="0"/>
@@ -6473,20 +6616,20 @@
     </p:spTree>
     <p:extLst>
       <p:ext uri="{BB962C8B-B14F-4D97-AF65-F5344CB8AC3E}">
-        <p14:creationId xmlns:p14="http://schemas.microsoft.com/office/powerpoint/2010/main" val="1371734621"/>
+        <p14:creationId xmlns:p14="http://schemas.microsoft.com/office/powerpoint/2010/main" xmlns="" val="1371734621"/>
       </p:ext>
     </p:extLst>
   </p:cSld>
   <p:clrMapOvr>
     <a:masterClrMapping/>
   </p:clrMapOvr>
-  <mc:AlternateContent xmlns:mc="http://schemas.openxmlformats.org/markup-compatibility/2006" xmlns:p14="http://schemas.microsoft.com/office/powerpoint/2010/main">
-    <mc:Choice Requires="p14">
+  <mc:AlternateContent xmlns:mc="http://schemas.openxmlformats.org/markup-compatibility/2006">
+    <mc:Choice xmlns:p14="http://schemas.microsoft.com/office/powerpoint/2010/main" xmlns="" Requires="p14">
       <p:transition spd="med" p14:dur="700">
         <p:fade/>
       </p:transition>
     </mc:Choice>
-    <mc:Fallback xmlns="">
+    <mc:Fallback>
       <p:transition spd="med">
         <p:fade/>
       </p:transition>
@@ -6738,7 +6881,8 @@
           <a:p>
             <a:fld id="{2D98363D-0C7D-41F4-A2BF-AE2C58D4C4B8}" type="datetime2">
               <a:rPr lang="zh-CN" altLang="en-US" noProof="0" smtClean="0"/>
-              <a:t>2017年12月12日</a:t>
+              <a:pPr/>
+              <a:t>2017年12月14日 Thursday</a:t>
             </a:fld>
             <a:endParaRPr lang="zh-CN" altLang="en-US" noProof="0" dirty="0"/>
           </a:p>
@@ -6791,7 +6935,7 @@
     </p:spTree>
     <p:extLst>
       <p:ext uri="{BB962C8B-B14F-4D97-AF65-F5344CB8AC3E}">
-        <p14:creationId xmlns:p14="http://schemas.microsoft.com/office/powerpoint/2010/main" val="2563760958"/>
+        <p14:creationId xmlns:p14="http://schemas.microsoft.com/office/powerpoint/2010/main" xmlns="" val="2563760958"/>
       </p:ext>
     </p:extLst>
   </p:cSld>
@@ -6809,13 +6953,13 @@
     <p:sldLayoutId id="2147483658" r:id="rId10"/>
     <p:sldLayoutId id="2147483659" r:id="rId11"/>
   </p:sldLayoutIdLst>
-  <mc:AlternateContent xmlns:mc="http://schemas.openxmlformats.org/markup-compatibility/2006" xmlns:p14="http://schemas.microsoft.com/office/powerpoint/2010/main">
-    <mc:Choice Requires="p14">
+  <mc:AlternateContent xmlns:mc="http://schemas.openxmlformats.org/markup-compatibility/2006">
+    <mc:Choice xmlns:p14="http://schemas.microsoft.com/office/powerpoint/2010/main" xmlns="" Requires="p14">
       <p:transition spd="med" p14:dur="700">
         <p:fade/>
       </p:transition>
     </mc:Choice>
-    <mc:Fallback xmlns="">
+    <mc:Fallback>
       <p:transition spd="med">
         <p:fade/>
       </p:transition>
@@ -7110,7 +7254,7 @@
   </p:txStyles>
   <p:extLst mod="1">
     <p:ext uri="{27BBF7A9-308A-43DC-89C8-2F10F3537804}">
-      <p15:sldGuideLst xmlns:p15="http://schemas.microsoft.com/office/powerpoint/2012/main">
+      <p15:sldGuideLst xmlns:p15="http://schemas.microsoft.com/office/powerpoint/2012/main" xmlns="">
         <p15:guide id="1" orient="horz" pos="2160" userDrawn="1">
           <p15:clr>
             <a:srgbClr val="F26B43"/>
@@ -7227,25 +7371,32 @@
     </p:spTree>
     <p:extLst>
       <p:ext uri="{BB962C8B-B14F-4D97-AF65-F5344CB8AC3E}">
-        <p14:creationId xmlns:p14="http://schemas.microsoft.com/office/powerpoint/2010/main" val="3250670041"/>
+        <p14:creationId xmlns:p14="http://schemas.microsoft.com/office/powerpoint/2010/main" xmlns="" val="3250670041"/>
       </p:ext>
     </p:extLst>
   </p:cSld>
   <p:clrMapOvr>
     <a:masterClrMapping/>
   </p:clrMapOvr>
-  <mc:AlternateContent xmlns:mc="http://schemas.openxmlformats.org/markup-compatibility/2006" xmlns:p14="http://schemas.microsoft.com/office/powerpoint/2010/main">
-    <mc:Choice Requires="p14">
+  <mc:AlternateContent xmlns:mc="http://schemas.openxmlformats.org/markup-compatibility/2006">
+    <mc:Choice xmlns:p14="http://schemas.microsoft.com/office/powerpoint/2010/main" xmlns="" Requires="p14">
       <p:transition spd="med" p14:dur="700">
         <p:fade/>
       </p:transition>
     </mc:Choice>
-    <mc:Fallback xmlns="">
+    <mc:Fallback>
       <p:transition spd="med">
         <p:fade/>
       </p:transition>
     </mc:Fallback>
   </mc:AlternateContent>
+  <p:timing>
+    <p:tnLst>
+      <p:par>
+        <p:cTn id="1" dur="indefinite" restart="never" nodeType="tmRoot"/>
+      </p:par>
+    </p:tnLst>
+  </p:timing>
 </p:sld>
 </file>
 
@@ -7268,7 +7419,7 @@
       </p:grpSpPr>
       <p:sp>
         <p:nvSpPr>
-          <p:cNvPr id="5" name="标题 4"/>
+          <p:cNvPr id="3" name="标题 2"/>
           <p:cNvSpPr>
             <a:spLocks noGrp="1"/>
           </p:cNvSpPr>
@@ -7278,13 +7429,34 @@
         </p:nvSpPr>
         <p:spPr/>
         <p:txBody>
-          <a:bodyPr rtlCol="0"/>
+          <a:bodyPr rtlCol="0">
+            <a:normAutofit/>
+          </a:bodyPr>
           <a:lstStyle/>
           <a:p>
-            <a:pPr algn="r" rtl="0"/>
+            <a:r>
+              <a:rPr lang="en-US" altLang="zh-CN" dirty="0"/>
+              <a:t>Deep Neural Networks for YouTube </a:t>
+            </a:r>
+            <a:r>
+              <a:rPr lang="en-US" altLang="zh-CN" dirty="0" smtClean="0"/>
+              <a:t>Recommendations</a:t>
+            </a:r>
             <a:r>
               <a:rPr lang="zh-CN" altLang="en-US" dirty="0" smtClean="0"/>
-              <a:t>谢谢</a:t>
+              <a:t> </a:t>
+            </a:r>
+            <a:r>
+              <a:rPr lang="mr-IN" altLang="zh-CN" dirty="0" smtClean="0"/>
+              <a:t>–</a:t>
+            </a:r>
+            <a:r>
+              <a:rPr lang="zh-CN" altLang="en-US" dirty="0" smtClean="0"/>
+              <a:t> </a:t>
+            </a:r>
+            <a:r>
+              <a:rPr lang="en-US" altLang="zh-CN" dirty="0" smtClean="0"/>
+              <a:t>(3)</a:t>
             </a:r>
             <a:endParaRPr lang="x-none" dirty="0"/>
           </a:p>
@@ -7292,61 +7464,153 @@
       </p:sp>
       <p:sp>
         <p:nvSpPr>
-          <p:cNvPr id="6" name="内容占位符 5"/>
-          <p:cNvSpPr>
-            <a:spLocks noGrp="1"/>
-          </p:cNvSpPr>
-          <p:nvPr>
-            <p:ph idx="1"/>
-          </p:nvPr>
-        </p:nvSpPr>
-        <p:spPr/>
-        <p:txBody>
-          <a:bodyPr rtlCol="0"/>
+          <p:cNvPr id="2" name="文本框 1"/>
+          <p:cNvSpPr txBox="1"/>
+          <p:nvPr/>
+        </p:nvSpPr>
+        <p:spPr>
+          <a:xfrm>
+            <a:off x="884903" y="1814052"/>
+            <a:ext cx="1176925" cy="461665"/>
+          </a:xfrm>
+          <a:prstGeom prst="rect">
+            <a:avLst/>
+          </a:prstGeom>
+          <a:noFill/>
+        </p:spPr>
+        <p:txBody>
+          <a:bodyPr wrap="none" rtlCol="0">
+            <a:spAutoFit/>
+          </a:bodyPr>
           <a:lstStyle/>
           <a:p>
-            <a:pPr rtl="0"/>
-            <a:endParaRPr lang="en-US"/>
-          </a:p>
-        </p:txBody>
-      </p:sp>
-      <p:sp>
-        <p:nvSpPr>
-          <p:cNvPr id="7" name="文本占位符 6"/>
-          <p:cNvSpPr>
-            <a:spLocks noGrp="1"/>
-          </p:cNvSpPr>
-          <p:nvPr>
-            <p:ph type="body" sz="half" idx="2"/>
-          </p:nvPr>
-        </p:nvSpPr>
-        <p:spPr/>
-        <p:txBody>
-          <a:bodyPr rtlCol="0"/>
+            <a:r>
+              <a:rPr kumimoji="1" lang="en-US" altLang="zh-CN" sz="2400" dirty="0" smtClean="0"/>
+              <a:t>Ranking</a:t>
+            </a:r>
+            <a:endParaRPr kumimoji="1" lang="zh-CN" altLang="en-US" sz="2400" dirty="0"/>
+          </a:p>
+        </p:txBody>
+      </p:sp>
+      <p:sp>
+        <p:nvSpPr>
+          <p:cNvPr id="4" name="矩形 3"/>
+          <p:cNvSpPr/>
+          <p:nvPr/>
+        </p:nvSpPr>
+        <p:spPr>
+          <a:xfrm>
+            <a:off x="884904" y="2388985"/>
+            <a:ext cx="3421626" cy="2308324"/>
+          </a:xfrm>
+          <a:prstGeom prst="rect">
+            <a:avLst/>
+          </a:prstGeom>
+        </p:spPr>
+        <p:txBody>
+          <a:bodyPr wrap="square">
+            <a:spAutoFit/>
+          </a:bodyPr>
           <a:lstStyle/>
           <a:p>
-            <a:pPr rtl="0"/>
-            <a:endParaRPr lang="en-US"/>
-          </a:p>
-        </p:txBody>
-      </p:sp>
+            <a:pPr marL="285750" indent="-285750">
+              <a:buFont typeface="Arial" charset="0"/>
+              <a:buChar char="•"/>
+            </a:pPr>
+            <a:r>
+              <a:rPr lang="en-US" altLang="zh-CN" dirty="0"/>
+              <a:t>The most important task in the Ranking phase is to accurately predict the user's preference for video.</a:t>
+            </a:r>
+          </a:p>
+          <a:p>
+            <a:pPr marL="285750" indent="-285750">
+              <a:buFont typeface="Arial" charset="0"/>
+              <a:buChar char="•"/>
+            </a:pPr>
+            <a:r>
+              <a:rPr lang="en-US" altLang="zh-CN" dirty="0"/>
+              <a:t>Matching </a:t>
+            </a:r>
+            <a:r>
+              <a:rPr lang="zh-CN" altLang="en-US" dirty="0"/>
+              <a:t>：</a:t>
+            </a:r>
+            <a:r>
+              <a:rPr lang="en-US" altLang="zh-CN" dirty="0"/>
+              <a:t>a million level candidate video sets</a:t>
+            </a:r>
+          </a:p>
+          <a:p>
+            <a:pPr marL="285750" indent="-285750">
+              <a:buFont typeface="Arial" charset="0"/>
+              <a:buChar char="•"/>
+            </a:pPr>
+            <a:r>
+              <a:rPr lang="en-US" altLang="zh-CN" dirty="0"/>
+              <a:t>Ranking </a:t>
+            </a:r>
+            <a:r>
+              <a:rPr lang="zh-CN" altLang="en-US" dirty="0"/>
+              <a:t>：</a:t>
+            </a:r>
+            <a:r>
+              <a:rPr lang="en-US" altLang="zh-CN" dirty="0"/>
+              <a:t>only a hundred level set of commodities.</a:t>
+            </a:r>
+            <a:endParaRPr lang="zh-CN" altLang="en-US" dirty="0"/>
+          </a:p>
+        </p:txBody>
+      </p:sp>
+      <p:pic>
+        <p:nvPicPr>
+          <p:cNvPr id="6" name="图片 5" descr="https://pic4.zhimg.com/50/v2-33f93002d2d7f42f50e617e03ef659bd_hd.jpg"/>
+          <p:cNvPicPr/>
+          <p:nvPr/>
+        </p:nvPicPr>
+        <p:blipFill>
+          <a:blip r:embed="rId3" cstate="print">
+            <a:extLst>
+              <a:ext uri="{28A0092B-C50C-407E-A947-70E740481C1C}">
+                <a14:useLocalDpi xmlns:a14="http://schemas.microsoft.com/office/drawing/2010/main" xmlns="" val="0"/>
+              </a:ext>
+            </a:extLst>
+          </a:blip>
+          <a:srcRect/>
+          <a:stretch>
+            <a:fillRect/>
+          </a:stretch>
+        </p:blipFill>
+        <p:spPr bwMode="auto">
+          <a:xfrm>
+            <a:off x="6386052" y="1257773"/>
+            <a:ext cx="5691554" cy="5088596"/>
+          </a:xfrm>
+          <a:prstGeom prst="rect">
+            <a:avLst/>
+          </a:prstGeom>
+          <a:noFill/>
+          <a:ln>
+            <a:noFill/>
+          </a:ln>
+        </p:spPr>
+      </p:pic>
     </p:spTree>
     <p:extLst>
       <p:ext uri="{BB962C8B-B14F-4D97-AF65-F5344CB8AC3E}">
-        <p14:creationId xmlns:p14="http://schemas.microsoft.com/office/powerpoint/2010/main" val="858669419"/>
+        <p14:creationId xmlns:p14="http://schemas.microsoft.com/office/powerpoint/2010/main" xmlns="" val="723064870"/>
       </p:ext>
     </p:extLst>
   </p:cSld>
   <p:clrMapOvr>
     <a:masterClrMapping/>
   </p:clrMapOvr>
-  <mc:AlternateContent xmlns:mc="http://schemas.openxmlformats.org/markup-compatibility/2006" xmlns:p14="http://schemas.microsoft.com/office/powerpoint/2010/main">
-    <mc:Choice Requires="p14">
+  <mc:AlternateContent xmlns:mc="http://schemas.openxmlformats.org/markup-compatibility/2006">
+    <mc:Choice xmlns:p14="http://schemas.microsoft.com/office/powerpoint/2010/main" xmlns="" Requires="p14">
       <p:transition spd="med" p14:dur="700">
         <p:fade/>
       </p:transition>
     </mc:Choice>
-    <mc:Fallback xmlns="">
+    <mc:Fallback>
       <p:transition spd="med">
         <p:fade/>
       </p:transition>
@@ -7381,7 +7645,7 @@
       </p:grpSpPr>
       <p:sp>
         <p:nvSpPr>
-          <p:cNvPr id="13" name="标题 12"/>
+          <p:cNvPr id="3" name="标题 2"/>
           <p:cNvSpPr>
             <a:spLocks noGrp="1"/>
           </p:cNvSpPr>
@@ -7394,103 +7658,113 @@
           <a:bodyPr rtlCol="0"/>
           <a:lstStyle/>
           <a:p>
-            <a:pPr rtl="0"/>
+            <a:r>
+              <a:rPr lang="en-US" altLang="zh-CN" dirty="0"/>
+              <a:t>Unsupervised P2P Rental Recommendations via Integer Programming</a:t>
+            </a:r>
+            <a:endParaRPr lang="x-none" dirty="0"/>
+          </a:p>
+        </p:txBody>
+      </p:sp>
+      <p:pic>
+        <p:nvPicPr>
+          <p:cNvPr id="1027" name="Picture 3"/>
+          <p:cNvPicPr>
+            <a:picLocks noChangeAspect="1" noChangeArrowheads="1"/>
+          </p:cNvPicPr>
+          <p:nvPr/>
+        </p:nvPicPr>
+        <p:blipFill>
+          <a:blip r:embed="rId3" cstate="print"/>
+          <a:srcRect/>
+          <a:stretch>
+            <a:fillRect/>
+          </a:stretch>
+        </p:blipFill>
+        <p:spPr bwMode="auto">
+          <a:xfrm>
+            <a:off x="1524000" y="2333625"/>
+            <a:ext cx="9753600" cy="3733800"/>
+          </a:xfrm>
+          <a:prstGeom prst="rect">
+            <a:avLst/>
+          </a:prstGeom>
+          <a:noFill/>
+          <a:ln w="9525">
+            <a:noFill/>
+            <a:miter lim="800000"/>
+            <a:headEnd/>
+            <a:tailEnd/>
+          </a:ln>
+        </p:spPr>
+      </p:pic>
+      <p:sp>
+        <p:nvSpPr>
+          <p:cNvPr id="6" name="TextBox 5"/>
+          <p:cNvSpPr txBox="1"/>
+          <p:nvPr/>
+        </p:nvSpPr>
+        <p:spPr>
+          <a:xfrm>
+            <a:off x="1447800" y="1876425"/>
+            <a:ext cx="9410700" cy="369332"/>
+          </a:xfrm>
+          <a:prstGeom prst="rect">
+            <a:avLst/>
+          </a:prstGeom>
+          <a:noFill/>
+        </p:spPr>
+        <p:txBody>
+          <a:bodyPr wrap="square" rtlCol="0">
+            <a:spAutoFit/>
+          </a:bodyPr>
+          <a:lstStyle/>
+          <a:p>
+            <a:r>
+              <a:rPr lang="zh-CN" altLang="en-US" dirty="0" smtClean="0"/>
+              <a:t>住宿选择有利</a:t>
+            </a:r>
             <a:r>
               <a:rPr lang="en-US" altLang="zh-CN" dirty="0" smtClean="0"/>
-              <a:t>Index</a:t>
-            </a:r>
-            <a:endParaRPr lang="x-none" dirty="0"/>
-          </a:p>
-        </p:txBody>
-      </p:sp>
-      <p:sp>
-        <p:nvSpPr>
-          <p:cNvPr id="14" name="内容占位符 13"/>
-          <p:cNvSpPr>
-            <a:spLocks noGrp="1"/>
-          </p:cNvSpPr>
-          <p:nvPr>
-            <p:ph idx="1"/>
-          </p:nvPr>
-        </p:nvSpPr>
-        <p:spPr/>
-        <p:txBody>
-          <a:bodyPr rtlCol="0"/>
-          <a:lstStyle/>
-          <a:p>
-            <a:r>
-              <a:rPr lang="en-US" altLang="zh-CN" dirty="0"/>
-              <a:t>Unsupervised P2P Rental Recommendations </a:t>
-            </a:r>
-            <a:r>
-              <a:rPr lang="en-US" altLang="zh-CN" dirty="0" smtClean="0"/>
-              <a:t>via Integer Programming</a:t>
-            </a:r>
-          </a:p>
-          <a:p>
-            <a:r>
-              <a:rPr lang="en-US" altLang="zh-CN" dirty="0" smtClean="0"/>
-              <a:t>Amazon.com Recommendations</a:t>
-            </a:r>
-            <a:r>
-              <a:rPr lang="en-US" altLang="zh-CN" dirty="0"/>
-              <a:t>:</a:t>
-            </a:r>
-            <a:r>
-              <a:rPr lang="en-US" altLang="zh-CN" dirty="0" smtClean="0"/>
-              <a:t> Item-to-Item </a:t>
-            </a:r>
-            <a:r>
-              <a:rPr lang="en-US" altLang="zh-CN" dirty="0"/>
-              <a:t>Collaborative Filtering</a:t>
-            </a:r>
-            <a:endParaRPr lang="x-none" dirty="0"/>
-          </a:p>
-          <a:p>
-            <a:r>
-              <a:rPr lang="en-US" altLang="zh-CN" dirty="0"/>
-              <a:t>Google News Personalization: Scalable Online Collaborative </a:t>
-            </a:r>
-            <a:r>
-              <a:rPr lang="en-US" altLang="zh-CN" dirty="0" smtClean="0"/>
-              <a:t>Filtering</a:t>
-            </a:r>
-          </a:p>
-          <a:p>
-            <a:r>
-              <a:rPr lang="en-US" altLang="zh-CN" dirty="0"/>
-              <a:t>Deep Neural Networks for YouTube Recommendations</a:t>
-            </a:r>
-            <a:endParaRPr lang="en-US" altLang="zh-CN" dirty="0" smtClean="0"/>
-          </a:p>
-          <a:p>
-            <a:pPr rtl="0"/>
-            <a:endParaRPr lang="x-none" dirty="0"/>
+              <a:t>/</a:t>
+            </a:r>
+            <a:r>
+              <a:rPr lang="zh-CN" altLang="en-US" dirty="0" smtClean="0"/>
+              <a:t>有风险的特征集合：</a:t>
+            </a:r>
+            <a:endParaRPr lang="zh-CN" altLang="en-US" dirty="0"/>
           </a:p>
         </p:txBody>
       </p:sp>
     </p:spTree>
     <p:extLst>
       <p:ext uri="{BB962C8B-B14F-4D97-AF65-F5344CB8AC3E}">
-        <p14:creationId xmlns:p14="http://schemas.microsoft.com/office/powerpoint/2010/main" val="2771859900"/>
+        <p14:creationId xmlns:p14="http://schemas.microsoft.com/office/powerpoint/2010/main" xmlns="" val="368754051"/>
       </p:ext>
     </p:extLst>
   </p:cSld>
   <p:clrMapOvr>
     <a:masterClrMapping/>
   </p:clrMapOvr>
-  <mc:AlternateContent xmlns:mc="http://schemas.openxmlformats.org/markup-compatibility/2006" xmlns:p14="http://schemas.microsoft.com/office/powerpoint/2010/main">
-    <mc:Choice Requires="p14">
+  <mc:AlternateContent xmlns:mc="http://schemas.openxmlformats.org/markup-compatibility/2006">
+    <mc:Choice xmlns:p14="http://schemas.microsoft.com/office/powerpoint/2010/main" xmlns="" Requires="p14">
       <p:transition spd="med" p14:dur="700">
         <p:fade/>
       </p:transition>
     </mc:Choice>
-    <mc:Fallback xmlns="">
+    <mc:Fallback>
       <p:transition spd="med">
         <p:fade/>
       </p:transition>
     </mc:Fallback>
   </mc:AlternateContent>
+  <p:timing>
+    <p:tnLst>
+      <p:par>
+        <p:cTn id="1" dur="indefinite" restart="never" nodeType="tmRoot"/>
+      </p:par>
+    </p:tnLst>
+  </p:timing>
 </p:sld>
 </file>
 
@@ -7534,23 +7808,117 @@
           </a:p>
         </p:txBody>
       </p:sp>
+      <p:pic>
+        <p:nvPicPr>
+          <p:cNvPr id="2050" name="Picture 2"/>
+          <p:cNvPicPr>
+            <a:picLocks noChangeAspect="1" noChangeArrowheads="1"/>
+          </p:cNvPicPr>
+          <p:nvPr/>
+        </p:nvPicPr>
+        <p:blipFill>
+          <a:blip r:embed="rId3" cstate="print"/>
+          <a:srcRect/>
+          <a:stretch>
+            <a:fillRect/>
+          </a:stretch>
+        </p:blipFill>
+        <p:spPr bwMode="auto">
+          <a:xfrm>
+            <a:off x="3690938" y="2295525"/>
+            <a:ext cx="4695825" cy="3562350"/>
+          </a:xfrm>
+          <a:prstGeom prst="rect">
+            <a:avLst/>
+          </a:prstGeom>
+          <a:noFill/>
+          <a:ln w="9525">
+            <a:noFill/>
+            <a:miter lim="800000"/>
+            <a:headEnd/>
+            <a:tailEnd/>
+          </a:ln>
+        </p:spPr>
+      </p:pic>
+      <p:sp>
+        <p:nvSpPr>
+          <p:cNvPr id="6" name="TextBox 5"/>
+          <p:cNvSpPr txBox="1"/>
+          <p:nvPr/>
+        </p:nvSpPr>
+        <p:spPr>
+          <a:xfrm>
+            <a:off x="3657600" y="1924050"/>
+            <a:ext cx="4352925" cy="369332"/>
+          </a:xfrm>
+          <a:prstGeom prst="rect">
+            <a:avLst/>
+          </a:prstGeom>
+          <a:noFill/>
+        </p:spPr>
+        <p:txBody>
+          <a:bodyPr wrap="square" rtlCol="0">
+            <a:spAutoFit/>
+          </a:bodyPr>
+          <a:lstStyle/>
+          <a:p>
+            <a:r>
+              <a:rPr lang="zh-CN" altLang="en-US" dirty="0" smtClean="0"/>
+              <a:t>问题抽象：</a:t>
+            </a:r>
+            <a:endParaRPr lang="zh-CN" altLang="en-US" dirty="0"/>
+          </a:p>
+        </p:txBody>
+      </p:sp>
+      <p:pic>
+        <p:nvPicPr>
+          <p:cNvPr id="2051" name="Picture 3"/>
+          <p:cNvPicPr>
+            <a:picLocks noChangeAspect="1" noChangeArrowheads="1"/>
+          </p:cNvPicPr>
+          <p:nvPr/>
+        </p:nvPicPr>
+        <p:blipFill>
+          <a:blip r:embed="rId4" cstate="print"/>
+          <a:srcRect/>
+          <a:stretch>
+            <a:fillRect/>
+          </a:stretch>
+        </p:blipFill>
+        <p:spPr bwMode="auto">
+          <a:xfrm>
+            <a:off x="1319213" y="2157413"/>
+            <a:ext cx="9667875" cy="3343275"/>
+          </a:xfrm>
+          <a:prstGeom prst="rect">
+            <a:avLst/>
+          </a:prstGeom>
+          <a:noFill/>
+          <a:ln w="9525">
+            <a:noFill/>
+            <a:miter lim="800000"/>
+            <a:headEnd/>
+            <a:tailEnd/>
+          </a:ln>
+        </p:spPr>
+      </p:pic>
     </p:spTree>
     <p:extLst>
       <p:ext uri="{BB962C8B-B14F-4D97-AF65-F5344CB8AC3E}">
-        <p14:creationId xmlns:p14="http://schemas.microsoft.com/office/powerpoint/2010/main" val="368754051"/>
+        <p14:creationId xmlns:p14="http://schemas.microsoft.com/office/powerpoint/2010/main" xmlns="" val="368754051"/>
       </p:ext>
     </p:extLst>
   </p:cSld>
   <p:clrMapOvr>
     <a:masterClrMapping/>
   </p:clrMapOvr>
-  <mc:AlternateContent xmlns:mc="http://schemas.openxmlformats.org/markup-compatibility/2006" xmlns:p14="http://schemas.microsoft.com/office/powerpoint/2010/main">
-    <mc:Choice Requires="p14">
+  <mc:AlternateContent xmlns:mc="http://schemas.openxmlformats.org/markup-compatibility/2006">
+    <mc:Choice xmlns:p14="http://schemas.microsoft.com/office/powerpoint/2010/main" xmlns="" Requires="p14">
       <p:transition spd="med" p14:dur="700">
         <p:fade/>
       </p:transition>
     </mc:Choice>
-    <mc:Fallback xmlns="">
+    <mc:Fallback>
       <p:transition spd="med">
         <p:fade/>
       </p:transition>
@@ -7559,7 +7927,121 @@
   <p:timing>
     <p:tnLst>
       <p:par>
-        <p:cTn id="1" dur="indefinite" restart="never" nodeType="tmRoot"/>
+        <p:cTn id="1" dur="indefinite" restart="never" nodeType="tmRoot">
+          <p:childTnLst>
+            <p:seq concurrent="1" nextAc="seek">
+              <p:cTn id="2" dur="indefinite" nodeType="mainSeq">
+                <p:childTnLst>
+                  <p:par>
+                    <p:cTn id="3" fill="hold">
+                      <p:stCondLst>
+                        <p:cond delay="indefinite"/>
+                      </p:stCondLst>
+                      <p:childTnLst>
+                        <p:par>
+                          <p:cTn id="4" fill="hold">
+                            <p:stCondLst>
+                              <p:cond delay="0"/>
+                            </p:stCondLst>
+                            <p:childTnLst>
+                              <p:par>
+                                <p:cTn id="5" presetID="2" presetClass="entr" presetSubtype="4" fill="hold" nodeType="clickEffect">
+                                  <p:stCondLst>
+                                    <p:cond delay="0"/>
+                                  </p:stCondLst>
+                                  <p:childTnLst>
+                                    <p:set>
+                                      <p:cBhvr>
+                                        <p:cTn id="6" dur="1" fill="hold">
+                                          <p:stCondLst>
+                                            <p:cond delay="0"/>
+                                          </p:stCondLst>
+                                        </p:cTn>
+                                        <p:tgtEl>
+                                          <p:spTgt spid="2051"/>
+                                        </p:tgtEl>
+                                        <p:attrNameLst>
+                                          <p:attrName>style.visibility</p:attrName>
+                                        </p:attrNameLst>
+                                      </p:cBhvr>
+                                      <p:to>
+                                        <p:strVal val="visible"/>
+                                      </p:to>
+                                    </p:set>
+                                    <p:anim calcmode="lin" valueType="num">
+                                      <p:cBhvr additive="base">
+                                        <p:cTn id="7" dur="500" fill="hold"/>
+                                        <p:tgtEl>
+                                          <p:spTgt spid="2051"/>
+                                        </p:tgtEl>
+                                        <p:attrNameLst>
+                                          <p:attrName>ppt_x</p:attrName>
+                                        </p:attrNameLst>
+                                      </p:cBhvr>
+                                      <p:tavLst>
+                                        <p:tav tm="0">
+                                          <p:val>
+                                            <p:strVal val="#ppt_x"/>
+                                          </p:val>
+                                        </p:tav>
+                                        <p:tav tm="100000">
+                                          <p:val>
+                                            <p:strVal val="#ppt_x"/>
+                                          </p:val>
+                                        </p:tav>
+                                      </p:tavLst>
+                                    </p:anim>
+                                    <p:anim calcmode="lin" valueType="num">
+                                      <p:cBhvr additive="base">
+                                        <p:cTn id="8" dur="500" fill="hold"/>
+                                        <p:tgtEl>
+                                          <p:spTgt spid="2051"/>
+                                        </p:tgtEl>
+                                        <p:attrNameLst>
+                                          <p:attrName>ppt_y</p:attrName>
+                                        </p:attrNameLst>
+                                      </p:cBhvr>
+                                      <p:tavLst>
+                                        <p:tav tm="0">
+                                          <p:val>
+                                            <p:strVal val="1+#ppt_h/2"/>
+                                          </p:val>
+                                        </p:tav>
+                                        <p:tav tm="100000">
+                                          <p:val>
+                                            <p:strVal val="#ppt_y"/>
+                                          </p:val>
+                                        </p:tav>
+                                      </p:tavLst>
+                                    </p:anim>
+                                  </p:childTnLst>
+                                </p:cTn>
+                              </p:par>
+                            </p:childTnLst>
+                          </p:cTn>
+                        </p:par>
+                      </p:childTnLst>
+                    </p:cTn>
+                  </p:par>
+                </p:childTnLst>
+              </p:cTn>
+              <p:prevCondLst>
+                <p:cond evt="onPrev" delay="0">
+                  <p:tgtEl>
+                    <p:sldTgt/>
+                  </p:tgtEl>
+                </p:cond>
+              </p:prevCondLst>
+              <p:nextCondLst>
+                <p:cond evt="onNext" delay="0">
+                  <p:tgtEl>
+                    <p:sldTgt/>
+                  </p:tgtEl>
+                </p:cond>
+              </p:nextCondLst>
+            </p:seq>
+          </p:childTnLst>
+        </p:cTn>
       </p:par>
     </p:tnLst>
   </p:timing>
@@ -7599,6 +8081,487 @@
           <a:lstStyle/>
           <a:p>
             <a:r>
+              <a:rPr lang="en-US" altLang="zh-CN" dirty="0"/>
+              <a:t>Unsupervised P2P Rental Recommendations via Integer Programming</a:t>
+            </a:r>
+            <a:endParaRPr lang="x-none" dirty="0"/>
+          </a:p>
+        </p:txBody>
+      </p:sp>
+      <p:sp>
+        <p:nvSpPr>
+          <p:cNvPr id="5" name="TextBox 4"/>
+          <p:cNvSpPr txBox="1"/>
+          <p:nvPr/>
+        </p:nvSpPr>
+        <p:spPr>
+          <a:xfrm>
+            <a:off x="1447800" y="1914525"/>
+            <a:ext cx="5343525" cy="369332"/>
+          </a:xfrm>
+          <a:prstGeom prst="rect">
+            <a:avLst/>
+          </a:prstGeom>
+          <a:noFill/>
+        </p:spPr>
+        <p:txBody>
+          <a:bodyPr wrap="square" rtlCol="0">
+            <a:spAutoFit/>
+          </a:bodyPr>
+          <a:lstStyle/>
+          <a:p>
+            <a:r>
+              <a:rPr lang="en-US" altLang="zh-CN" dirty="0" smtClean="0"/>
+              <a:t>Precision and recall</a:t>
+            </a:r>
+            <a:endParaRPr lang="zh-CN" altLang="en-US" dirty="0"/>
+          </a:p>
+        </p:txBody>
+      </p:sp>
+      <p:pic>
+        <p:nvPicPr>
+          <p:cNvPr id="3074" name="Picture 2"/>
+          <p:cNvPicPr>
+            <a:picLocks noChangeAspect="1" noChangeArrowheads="1"/>
+          </p:cNvPicPr>
+          <p:nvPr/>
+        </p:nvPicPr>
+        <p:blipFill>
+          <a:blip r:embed="rId3" cstate="print"/>
+          <a:srcRect/>
+          <a:stretch>
+            <a:fillRect/>
+          </a:stretch>
+        </p:blipFill>
+        <p:spPr bwMode="auto">
+          <a:xfrm>
+            <a:off x="1500188" y="2314575"/>
+            <a:ext cx="4676775" cy="1162050"/>
+          </a:xfrm>
+          <a:prstGeom prst="rect">
+            <a:avLst/>
+          </a:prstGeom>
+          <a:noFill/>
+          <a:ln w="9525">
+            <a:noFill/>
+            <a:miter lim="800000"/>
+            <a:headEnd/>
+            <a:tailEnd/>
+          </a:ln>
+        </p:spPr>
+      </p:pic>
+      <p:pic>
+        <p:nvPicPr>
+          <p:cNvPr id="3075" name="Picture 3"/>
+          <p:cNvPicPr>
+            <a:picLocks noChangeAspect="1" noChangeArrowheads="1"/>
+          </p:cNvPicPr>
+          <p:nvPr/>
+        </p:nvPicPr>
+        <p:blipFill>
+          <a:blip r:embed="rId4" cstate="print"/>
+          <a:srcRect/>
+          <a:stretch>
+            <a:fillRect/>
+          </a:stretch>
+        </p:blipFill>
+        <p:spPr bwMode="auto">
+          <a:xfrm>
+            <a:off x="1481138" y="3652838"/>
+            <a:ext cx="4714875" cy="2505075"/>
+          </a:xfrm>
+          <a:prstGeom prst="rect">
+            <a:avLst/>
+          </a:prstGeom>
+          <a:noFill/>
+          <a:ln w="9525">
+            <a:noFill/>
+            <a:miter lim="800000"/>
+            <a:headEnd/>
+            <a:tailEnd/>
+          </a:ln>
+        </p:spPr>
+      </p:pic>
+      <p:pic>
+        <p:nvPicPr>
+          <p:cNvPr id="3076" name="Picture 4"/>
+          <p:cNvPicPr>
+            <a:picLocks noChangeAspect="1" noChangeArrowheads="1"/>
+          </p:cNvPicPr>
+          <p:nvPr/>
+        </p:nvPicPr>
+        <p:blipFill>
+          <a:blip r:embed="rId5" cstate="print"/>
+          <a:srcRect/>
+          <a:stretch>
+            <a:fillRect/>
+          </a:stretch>
+        </p:blipFill>
+        <p:spPr bwMode="auto">
+          <a:xfrm>
+            <a:off x="6643688" y="1276350"/>
+            <a:ext cx="2681287" cy="2867025"/>
+          </a:xfrm>
+          <a:prstGeom prst="rect">
+            <a:avLst/>
+          </a:prstGeom>
+          <a:noFill/>
+          <a:ln w="9525">
+            <a:noFill/>
+            <a:miter lim="800000"/>
+            <a:headEnd/>
+            <a:tailEnd/>
+          </a:ln>
+        </p:spPr>
+      </p:pic>
+      <p:pic>
+        <p:nvPicPr>
+          <p:cNvPr id="3077" name="Picture 5"/>
+          <p:cNvPicPr>
+            <a:picLocks noChangeAspect="1" noChangeArrowheads="1"/>
+          </p:cNvPicPr>
+          <p:nvPr/>
+        </p:nvPicPr>
+        <p:blipFill>
+          <a:blip r:embed="rId6" cstate="print"/>
+          <a:srcRect/>
+          <a:stretch>
+            <a:fillRect/>
+          </a:stretch>
+        </p:blipFill>
+        <p:spPr bwMode="auto">
+          <a:xfrm>
+            <a:off x="9472614" y="1290638"/>
+            <a:ext cx="2576512" cy="2839959"/>
+          </a:xfrm>
+          <a:prstGeom prst="rect">
+            <a:avLst/>
+          </a:prstGeom>
+          <a:noFill/>
+          <a:ln w="9525">
+            <a:noFill/>
+            <a:miter lim="800000"/>
+            <a:headEnd/>
+            <a:tailEnd/>
+          </a:ln>
+        </p:spPr>
+      </p:pic>
+      <p:pic>
+        <p:nvPicPr>
+          <p:cNvPr id="3078" name="Picture 6"/>
+          <p:cNvPicPr>
+            <a:picLocks noChangeAspect="1" noChangeArrowheads="1"/>
+          </p:cNvPicPr>
+          <p:nvPr/>
+        </p:nvPicPr>
+        <p:blipFill>
+          <a:blip r:embed="rId7" cstate="print"/>
+          <a:srcRect/>
+          <a:stretch>
+            <a:fillRect/>
+          </a:stretch>
+        </p:blipFill>
+        <p:spPr bwMode="auto">
+          <a:xfrm>
+            <a:off x="6677025" y="3090864"/>
+            <a:ext cx="2571750" cy="2681286"/>
+          </a:xfrm>
+          <a:prstGeom prst="rect">
+            <a:avLst/>
+          </a:prstGeom>
+          <a:noFill/>
+          <a:ln w="9525">
+            <a:noFill/>
+            <a:miter lim="800000"/>
+            <a:headEnd/>
+            <a:tailEnd/>
+          </a:ln>
+        </p:spPr>
+      </p:pic>
+      <p:pic>
+        <p:nvPicPr>
+          <p:cNvPr id="3079" name="Picture 7"/>
+          <p:cNvPicPr>
+            <a:picLocks noChangeAspect="1" noChangeArrowheads="1"/>
+          </p:cNvPicPr>
+          <p:nvPr/>
+        </p:nvPicPr>
+        <p:blipFill>
+          <a:blip r:embed="rId8" cstate="print"/>
+          <a:srcRect/>
+          <a:stretch>
+            <a:fillRect/>
+          </a:stretch>
+        </p:blipFill>
+        <p:spPr bwMode="auto">
+          <a:xfrm>
+            <a:off x="9525000" y="3200400"/>
+            <a:ext cx="2457450" cy="2562225"/>
+          </a:xfrm>
+          <a:prstGeom prst="rect">
+            <a:avLst/>
+          </a:prstGeom>
+          <a:noFill/>
+          <a:ln w="9525">
+            <a:noFill/>
+            <a:miter lim="800000"/>
+            <a:headEnd/>
+            <a:tailEnd/>
+          </a:ln>
+        </p:spPr>
+      </p:pic>
+    </p:spTree>
+    <p:extLst>
+      <p:ext uri="{BB962C8B-B14F-4D97-AF65-F5344CB8AC3E}">
+        <p14:creationId xmlns:p14="http://schemas.microsoft.com/office/powerpoint/2010/main" xmlns="" val="368754051"/>
+      </p:ext>
+    </p:extLst>
+  </p:cSld>
+  <p:clrMapOvr>
+    <a:masterClrMapping/>
+  </p:clrMapOvr>
+  <mc:AlternateContent xmlns:mc="http://schemas.openxmlformats.org/markup-compatibility/2006">
+    <mc:Choice xmlns:p14="http://schemas.microsoft.com/office/powerpoint/2010/main" xmlns="" Requires="p14">
+      <p:transition spd="med" p14:dur="700">
+        <p:fade/>
+      </p:transition>
+    </mc:Choice>
+    <mc:Fallback>
+      <p:transition spd="med">
+        <p:fade/>
+      </p:transition>
+    </mc:Fallback>
+  </mc:AlternateContent>
+  <p:timing>
+    <p:tnLst>
+      <p:par>
+        <p:cTn id="1" dur="indefinite" restart="never" nodeType="tmRoot">
+          <p:childTnLst>
+            <p:seq concurrent="1" nextAc="seek">
+              <p:cTn id="2" dur="indefinite" nodeType="mainSeq">
+                <p:childTnLst>
+                  <p:par>
+                    <p:cTn id="3" fill="hold">
+                      <p:stCondLst>
+                        <p:cond delay="indefinite"/>
+                      </p:stCondLst>
+                      <p:childTnLst>
+                        <p:par>
+                          <p:cTn id="4" fill="hold">
+                            <p:stCondLst>
+                              <p:cond delay="0"/>
+                            </p:stCondLst>
+                            <p:childTnLst>
+                              <p:par>
+                                <p:cTn id="5" presetID="2" presetClass="entr" presetSubtype="4" fill="hold" nodeType="clickEffect">
+                                  <p:stCondLst>
+                                    <p:cond delay="0"/>
+                                  </p:stCondLst>
+                                  <p:childTnLst>
+                                    <p:set>
+                                      <p:cBhvr>
+                                        <p:cTn id="6" dur="1" fill="hold">
+                                          <p:stCondLst>
+                                            <p:cond delay="0"/>
+                                          </p:stCondLst>
+                                        </p:cTn>
+                                        <p:tgtEl>
+                                          <p:spTgt spid="3079"/>
+                                        </p:tgtEl>
+                                        <p:attrNameLst>
+                                          <p:attrName>style.visibility</p:attrName>
+                                        </p:attrNameLst>
+                                      </p:cBhvr>
+                                      <p:to>
+                                        <p:strVal val="visible"/>
+                                      </p:to>
+                                    </p:set>
+                                    <p:anim calcmode="lin" valueType="num">
+                                      <p:cBhvr additive="base">
+                                        <p:cTn id="7" dur="500" fill="hold"/>
+                                        <p:tgtEl>
+                                          <p:spTgt spid="3079"/>
+                                        </p:tgtEl>
+                                        <p:attrNameLst>
+                                          <p:attrName>ppt_x</p:attrName>
+                                        </p:attrNameLst>
+                                      </p:cBhvr>
+                                      <p:tavLst>
+                                        <p:tav tm="0">
+                                          <p:val>
+                                            <p:strVal val="#ppt_x"/>
+                                          </p:val>
+                                        </p:tav>
+                                        <p:tav tm="100000">
+                                          <p:val>
+                                            <p:strVal val="#ppt_x"/>
+                                          </p:val>
+                                        </p:tav>
+                                      </p:tavLst>
+                                    </p:anim>
+                                    <p:anim calcmode="lin" valueType="num">
+                                      <p:cBhvr additive="base">
+                                        <p:cTn id="8" dur="500" fill="hold"/>
+                                        <p:tgtEl>
+                                          <p:spTgt spid="3079"/>
+                                        </p:tgtEl>
+                                        <p:attrNameLst>
+                                          <p:attrName>ppt_y</p:attrName>
+                                        </p:attrNameLst>
+                                      </p:cBhvr>
+                                      <p:tavLst>
+                                        <p:tav tm="0">
+                                          <p:val>
+                                            <p:strVal val="1+#ppt_h/2"/>
+                                          </p:val>
+                                        </p:tav>
+                                        <p:tav tm="100000">
+                                          <p:val>
+                                            <p:strVal val="#ppt_y"/>
+                                          </p:val>
+                                        </p:tav>
+                                      </p:tavLst>
+                                    </p:anim>
+                                  </p:childTnLst>
+                                </p:cTn>
+                              </p:par>
+                              <p:par>
+                                <p:cTn id="9" presetID="2" presetClass="entr" presetSubtype="4" fill="hold" nodeType="withEffect">
+                                  <p:stCondLst>
+                                    <p:cond delay="0"/>
+                                  </p:stCondLst>
+                                  <p:childTnLst>
+                                    <p:set>
+                                      <p:cBhvr>
+                                        <p:cTn id="10" dur="1" fill="hold">
+                                          <p:stCondLst>
+                                            <p:cond delay="0"/>
+                                          </p:stCondLst>
+                                        </p:cTn>
+                                        <p:tgtEl>
+                                          <p:spTgt spid="3078"/>
+                                        </p:tgtEl>
+                                        <p:attrNameLst>
+                                          <p:attrName>style.visibility</p:attrName>
+                                        </p:attrNameLst>
+                                      </p:cBhvr>
+                                      <p:to>
+                                        <p:strVal val="visible"/>
+                                      </p:to>
+                                    </p:set>
+                                    <p:anim calcmode="lin" valueType="num">
+                                      <p:cBhvr additive="base">
+                                        <p:cTn id="11" dur="500" fill="hold"/>
+                                        <p:tgtEl>
+                                          <p:spTgt spid="3078"/>
+                                        </p:tgtEl>
+                                        <p:attrNameLst>
+                                          <p:attrName>ppt_x</p:attrName>
+                                        </p:attrNameLst>
+                                      </p:cBhvr>
+                                      <p:tavLst>
+                                        <p:tav tm="0">
+                                          <p:val>
+                                            <p:strVal val="#ppt_x"/>
+                                          </p:val>
+                                        </p:tav>
+                                        <p:tav tm="100000">
+                                          <p:val>
+                                            <p:strVal val="#ppt_x"/>
+                                          </p:val>
+                                        </p:tav>
+                                      </p:tavLst>
+                                    </p:anim>
+                                    <p:anim calcmode="lin" valueType="num">
+                                      <p:cBhvr additive="base">
+                                        <p:cTn id="12" dur="500" fill="hold"/>
+                                        <p:tgtEl>
+                                          <p:spTgt spid="3078"/>
+                                        </p:tgtEl>
+                                        <p:attrNameLst>
+                                          <p:attrName>ppt_y</p:attrName>
+                                        </p:attrNameLst>
+                                      </p:cBhvr>
+                                      <p:tavLst>
+                                        <p:tav tm="0">
+                                          <p:val>
+                                            <p:strVal val="1+#ppt_h/2"/>
+                                          </p:val>
+                                        </p:tav>
+                                        <p:tav tm="100000">
+                                          <p:val>
+                                            <p:strVal val="#ppt_y"/>
+                                          </p:val>
+                                        </p:tav>
+                                      </p:tavLst>
+                                    </p:anim>
+                                  </p:childTnLst>
+                                </p:cTn>
+                              </p:par>
+                            </p:childTnLst>
+                          </p:cTn>
+                        </p:par>
+                      </p:childTnLst>
+                    </p:cTn>
+                  </p:par>
+                </p:childTnLst>
+              </p:cTn>
+              <p:prevCondLst>
+                <p:cond evt="onPrev" delay="0">
+                  <p:tgtEl>
+                    <p:sldTgt/>
+                  </p:tgtEl>
+                </p:cond>
+              </p:prevCondLst>
+              <p:nextCondLst>
+                <p:cond evt="onNext" delay="0">
+                  <p:tgtEl>
+                    <p:sldTgt/>
+                  </p:tgtEl>
+                </p:cond>
+              </p:nextCondLst>
+            </p:seq>
+          </p:childTnLst>
+        </p:cTn>
+      </p:par>
+    </p:tnLst>
+  </p:timing>
+</p:sld>
+</file>
+
+<file path=ppt/slides/slide5.xml><?xml version="1.0" encoding="utf-8"?>
+<p:sld xmlns:a="http://schemas.openxmlformats.org/drawingml/2006/main" xmlns:r="http://schemas.openxmlformats.org/officeDocument/2006/relationships" xmlns:p="http://schemas.openxmlformats.org/presentationml/2006/main">
+  <p:cSld>
+    <p:spTree>
+      <p:nvGrpSpPr>
+        <p:cNvPr id="1" name=""/>
+        <p:cNvGrpSpPr/>
+        <p:nvPr/>
+      </p:nvGrpSpPr>
+      <p:grpSpPr>
+        <a:xfrm>
+          <a:off x="0" y="0"/>
+          <a:ext cx="0" cy="0"/>
+          <a:chOff x="0" y="0"/>
+          <a:chExt cx="0" cy="0"/>
+        </a:xfrm>
+      </p:grpSpPr>
+      <p:sp>
+        <p:nvSpPr>
+          <p:cNvPr id="3" name="标题 2"/>
+          <p:cNvSpPr>
+            <a:spLocks noGrp="1"/>
+          </p:cNvSpPr>
+          <p:nvPr>
+            <p:ph type="title"/>
+          </p:nvPr>
+        </p:nvSpPr>
+        <p:spPr/>
+        <p:txBody>
+          <a:bodyPr rtlCol="0"/>
+          <a:lstStyle/>
+          <a:p>
+            <a:r>
               <a:rPr lang="en-US" altLang="zh-CN" dirty="0" err="1"/>
               <a:t>Amazon.com</a:t>
             </a:r>
@@ -7703,10 +8666,10 @@
           <p:nvPr/>
         </p:nvPicPr>
         <p:blipFill>
-          <a:blip r:embed="rId3">
+          <a:blip r:embed="rId3" cstate="print">
             <a:extLst>
               <a:ext uri="{28A0092B-C50C-407E-A947-70E740481C1C}">
-                <a14:useLocalDpi xmlns:a14="http://schemas.microsoft.com/office/drawing/2010/main" val="0"/>
+                <a14:useLocalDpi xmlns:a14="http://schemas.microsoft.com/office/drawing/2010/main" xmlns="" val="0"/>
               </a:ext>
             </a:extLst>
           </a:blip>
@@ -7733,10 +8696,10 @@
           <p:nvPr/>
         </p:nvPicPr>
         <p:blipFill>
-          <a:blip r:embed="rId4">
+          <a:blip r:embed="rId4" cstate="print">
             <a:extLst>
               <a:ext uri="{28A0092B-C50C-407E-A947-70E740481C1C}">
-                <a14:useLocalDpi xmlns:a14="http://schemas.microsoft.com/office/drawing/2010/main" val="0"/>
+                <a14:useLocalDpi xmlns:a14="http://schemas.microsoft.com/office/drawing/2010/main" xmlns="" val="0"/>
               </a:ext>
             </a:extLst>
           </a:blip>
@@ -7791,20 +8754,20 @@
     </p:spTree>
     <p:extLst>
       <p:ext uri="{BB962C8B-B14F-4D97-AF65-F5344CB8AC3E}">
-        <p14:creationId xmlns:p14="http://schemas.microsoft.com/office/powerpoint/2010/main" val="76914611"/>
+        <p14:creationId xmlns:p14="http://schemas.microsoft.com/office/powerpoint/2010/main" xmlns="" val="76914611"/>
       </p:ext>
     </p:extLst>
   </p:cSld>
   <p:clrMapOvr>
     <a:masterClrMapping/>
   </p:clrMapOvr>
-  <mc:AlternateContent xmlns:mc="http://schemas.openxmlformats.org/markup-compatibility/2006" xmlns:p14="http://schemas.microsoft.com/office/powerpoint/2010/main">
-    <mc:Choice Requires="p14">
+  <mc:AlternateContent xmlns:mc="http://schemas.openxmlformats.org/markup-compatibility/2006">
+    <mc:Choice xmlns:p14="http://schemas.microsoft.com/office/powerpoint/2010/main" xmlns="" Requires="p14">
       <p:transition spd="med" p14:dur="700">
         <p:fade/>
       </p:transition>
     </mc:Choice>
-    <mc:Fallback xmlns="">
+    <mc:Fallback>
       <p:transition spd="med">
         <p:fade/>
       </p:transition>
@@ -8027,7 +8990,7 @@
 </p:sld>
 </file>
 
-<file path=ppt/slides/slide5.xml><?xml version="1.0" encoding="utf-8"?>
+<file path=ppt/slides/slide6.xml><?xml version="1.0" encoding="utf-8"?>
 <p:sld xmlns:a="http://schemas.openxmlformats.org/drawingml/2006/main" xmlns:r="http://schemas.openxmlformats.org/officeDocument/2006/relationships" xmlns:p="http://schemas.openxmlformats.org/presentationml/2006/main">
   <p:cSld>
     <p:spTree>
@@ -8395,20 +9358,20 @@
     </p:spTree>
     <p:extLst>
       <p:ext uri="{BB962C8B-B14F-4D97-AF65-F5344CB8AC3E}">
-        <p14:creationId xmlns:p14="http://schemas.microsoft.com/office/powerpoint/2010/main" val="1732658620"/>
+        <p14:creationId xmlns:p14="http://schemas.microsoft.com/office/powerpoint/2010/main" xmlns="" val="1732658620"/>
       </p:ext>
     </p:extLst>
   </p:cSld>
   <p:clrMapOvr>
     <a:masterClrMapping/>
   </p:clrMapOvr>
-  <mc:AlternateContent xmlns:mc="http://schemas.openxmlformats.org/markup-compatibility/2006" xmlns:p14="http://schemas.microsoft.com/office/powerpoint/2010/main">
-    <mc:Choice Requires="p14">
+  <mc:AlternateContent xmlns:mc="http://schemas.openxmlformats.org/markup-compatibility/2006">
+    <mc:Choice xmlns:p14="http://schemas.microsoft.com/office/powerpoint/2010/main" xmlns="" Requires="p14">
       <p:transition spd="med" p14:dur="700">
         <p:fade/>
       </p:transition>
     </mc:Choice>
-    <mc:Fallback xmlns="">
+    <mc:Fallback>
       <p:transition spd="med">
         <p:fade/>
       </p:transition>
@@ -8597,7 +9560,7 @@
 </p:sld>
 </file>
 
-<file path=ppt/slides/slide6.xml><?xml version="1.0" encoding="utf-8"?>
+<file path=ppt/slides/slide7.xml><?xml version="1.0" encoding="utf-8"?>
 <p:sld xmlns:a="http://schemas.openxmlformats.org/drawingml/2006/main" xmlns:r="http://schemas.openxmlformats.org/officeDocument/2006/relationships" xmlns:p="http://schemas.openxmlformats.org/presentationml/2006/main">
   <p:cSld>
     <p:spTree>
@@ -8668,10 +9631,10 @@
           <p:nvPr/>
         </p:nvPicPr>
         <p:blipFill>
-          <a:blip r:embed="rId3">
+          <a:blip r:embed="rId3" cstate="print">
             <a:extLst>
               <a:ext uri="{28A0092B-C50C-407E-A947-70E740481C1C}">
-                <a14:useLocalDpi xmlns:a14="http://schemas.microsoft.com/office/drawing/2010/main" val="0"/>
+                <a14:useLocalDpi xmlns:a14="http://schemas.microsoft.com/office/drawing/2010/main" xmlns="" val="0"/>
               </a:ext>
             </a:extLst>
           </a:blip>
@@ -8726,228 +9689,20 @@
     </p:spTree>
     <p:extLst>
       <p:ext uri="{BB962C8B-B14F-4D97-AF65-F5344CB8AC3E}">
-        <p14:creationId xmlns:p14="http://schemas.microsoft.com/office/powerpoint/2010/main" val="811373894"/>
+        <p14:creationId xmlns:p14="http://schemas.microsoft.com/office/powerpoint/2010/main" xmlns="" val="811373894"/>
       </p:ext>
     </p:extLst>
   </p:cSld>
   <p:clrMapOvr>
     <a:masterClrMapping/>
   </p:clrMapOvr>
-  <mc:AlternateContent xmlns:mc="http://schemas.openxmlformats.org/markup-compatibility/2006" xmlns:p14="http://schemas.microsoft.com/office/powerpoint/2010/main">
-    <mc:Choice Requires="p14">
+  <mc:AlternateContent xmlns:mc="http://schemas.openxmlformats.org/markup-compatibility/2006">
+    <mc:Choice xmlns:p14="http://schemas.microsoft.com/office/powerpoint/2010/main" xmlns="" Requires="p14">
       <p:transition spd="med" p14:dur="700">
         <p:fade/>
       </p:transition>
     </mc:Choice>
-    <mc:Fallback xmlns="">
-      <p:transition spd="med">
-        <p:fade/>
-      </p:transition>
-    </mc:Fallback>
-  </mc:AlternateContent>
-  <p:timing>
-    <p:tnLst>
-      <p:par>
-        <p:cTn id="1" dur="indefinite" restart="never" nodeType="tmRoot"/>
-      </p:par>
-    </p:tnLst>
-  </p:timing>
-</p:sld>
-</file>
-
-<file path=ppt/slides/slide7.xml><?xml version="1.0" encoding="utf-8"?>
-<p:sld xmlns:a="http://schemas.openxmlformats.org/drawingml/2006/main" xmlns:r="http://schemas.openxmlformats.org/officeDocument/2006/relationships" xmlns:p="http://schemas.openxmlformats.org/presentationml/2006/main">
-  <p:cSld>
-    <p:spTree>
-      <p:nvGrpSpPr>
-        <p:cNvPr id="1" name=""/>
-        <p:cNvGrpSpPr/>
-        <p:nvPr/>
-      </p:nvGrpSpPr>
-      <p:grpSpPr>
-        <a:xfrm>
-          <a:off x="0" y="0"/>
-          <a:ext cx="0" cy="0"/>
-          <a:chOff x="0" y="0"/>
-          <a:chExt cx="0" cy="0"/>
-        </a:xfrm>
-      </p:grpSpPr>
-      <p:sp>
-        <p:nvSpPr>
-          <p:cNvPr id="3" name="标题 2"/>
-          <p:cNvSpPr>
-            <a:spLocks noGrp="1"/>
-          </p:cNvSpPr>
-          <p:nvPr>
-            <p:ph type="title"/>
-          </p:nvPr>
-        </p:nvSpPr>
-        <p:spPr/>
-        <p:txBody>
-          <a:bodyPr rtlCol="0">
-            <a:normAutofit/>
-          </a:bodyPr>
-          <a:lstStyle/>
-          <a:p>
-            <a:r>
-              <a:rPr lang="en-US" altLang="zh-CN" dirty="0"/>
-              <a:t>Deep Neural Networks for YouTube </a:t>
-            </a:r>
-            <a:r>
-              <a:rPr lang="en-US" altLang="zh-CN" dirty="0" smtClean="0"/>
-              <a:t>Recommendations</a:t>
-            </a:r>
-            <a:r>
-              <a:rPr lang="zh-CN" altLang="en-US" dirty="0" smtClean="0"/>
-              <a:t> </a:t>
-            </a:r>
-            <a:r>
-              <a:rPr lang="mr-IN" altLang="zh-CN" dirty="0" smtClean="0"/>
-              <a:t>–</a:t>
-            </a:r>
-            <a:r>
-              <a:rPr lang="zh-CN" altLang="en-US" dirty="0" smtClean="0"/>
-              <a:t> </a:t>
-            </a:r>
-            <a:r>
-              <a:rPr lang="en-US" altLang="zh-CN" dirty="0" smtClean="0"/>
-              <a:t>(1)</a:t>
-            </a:r>
-            <a:endParaRPr lang="x-none" dirty="0"/>
-          </a:p>
-        </p:txBody>
-      </p:sp>
-      <p:pic>
-        <p:nvPicPr>
-          <p:cNvPr id="5" name="图片 4" descr="https://pic1.zhimg.com/50/v2-533f102bd97b2b8cdf25639cfb0ab3e9_hd.jpg"/>
-          <p:cNvPicPr/>
-          <p:nvPr/>
-        </p:nvPicPr>
-        <p:blipFill>
-          <a:blip r:embed="rId3">
-            <a:extLst>
-              <a:ext uri="{28A0092B-C50C-407E-A947-70E740481C1C}">
-                <a14:useLocalDpi xmlns:a14="http://schemas.microsoft.com/office/drawing/2010/main" val="0"/>
-              </a:ext>
-            </a:extLst>
-          </a:blip>
-          <a:srcRect/>
-          <a:stretch>
-            <a:fillRect/>
-          </a:stretch>
-        </p:blipFill>
-        <p:spPr bwMode="auto">
-          <a:xfrm>
-            <a:off x="4871506" y="1734050"/>
-            <a:ext cx="6812809" cy="4339931"/>
-          </a:xfrm>
-          <a:prstGeom prst="rect">
-            <a:avLst/>
-          </a:prstGeom>
-          <a:noFill/>
-          <a:ln>
-            <a:noFill/>
-          </a:ln>
-        </p:spPr>
-      </p:pic>
-      <p:sp>
-        <p:nvSpPr>
-          <p:cNvPr id="6" name="文本框 5"/>
-          <p:cNvSpPr txBox="1"/>
-          <p:nvPr/>
-        </p:nvSpPr>
-        <p:spPr>
-          <a:xfrm>
-            <a:off x="389225" y="2368062"/>
-            <a:ext cx="4482281" cy="1512209"/>
-          </a:xfrm>
-          <a:prstGeom prst="rect">
-            <a:avLst/>
-          </a:prstGeom>
-          <a:noFill/>
-        </p:spPr>
-        <p:txBody>
-          <a:bodyPr wrap="square" rtlCol="0">
-            <a:spAutoFit/>
-          </a:bodyPr>
-          <a:lstStyle/>
-          <a:p>
-            <a:pPr marL="228600" indent="-228600">
-              <a:lnSpc>
-                <a:spcPct val="70000"/>
-              </a:lnSpc>
-              <a:spcBef>
-                <a:spcPts val="1000"/>
-              </a:spcBef>
-              <a:buFont typeface="Arial" panose="020B0604020202020204" pitchFamily="34" charset="0"/>
-              <a:buChar char="•"/>
-            </a:pPr>
-            <a:r>
-              <a:rPr lang="en-US" altLang="zh-CN" sz="3600" dirty="0" smtClean="0"/>
-              <a:t>Matching</a:t>
-            </a:r>
-            <a:r>
-              <a:rPr lang="en-US" altLang="zh-CN" sz="2000" dirty="0" smtClean="0"/>
-              <a:t>(candidate </a:t>
-            </a:r>
-            <a:r>
-              <a:rPr lang="en-US" altLang="zh-CN" sz="2000" dirty="0"/>
-              <a:t>generation</a:t>
-            </a:r>
-            <a:r>
-              <a:rPr lang="en-US" altLang="zh-CN" sz="2000" dirty="0" smtClean="0"/>
-              <a:t>)</a:t>
-            </a:r>
-          </a:p>
-          <a:p>
-            <a:pPr marL="228600" indent="-228600">
-              <a:lnSpc>
-                <a:spcPct val="70000"/>
-              </a:lnSpc>
-              <a:spcBef>
-                <a:spcPts val="1000"/>
-              </a:spcBef>
-              <a:buFont typeface="Arial" panose="020B0604020202020204" pitchFamily="34" charset="0"/>
-              <a:buChar char="•"/>
-            </a:pPr>
-            <a:endParaRPr lang="en-US" altLang="zh-CN" sz="3600" dirty="0"/>
-          </a:p>
-          <a:p>
-            <a:pPr marL="228600" indent="-228600">
-              <a:lnSpc>
-                <a:spcPct val="70000"/>
-              </a:lnSpc>
-              <a:spcBef>
-                <a:spcPts val="1000"/>
-              </a:spcBef>
-              <a:buFont typeface="Arial" panose="020B0604020202020204" pitchFamily="34" charset="0"/>
-              <a:buChar char="•"/>
-            </a:pPr>
-            <a:r>
-              <a:rPr lang="en-US" altLang="zh-CN" sz="3600" dirty="0"/>
-              <a:t>Ranking</a:t>
-            </a:r>
-            <a:endParaRPr lang="zh-CN" altLang="en-US" sz="3600" dirty="0"/>
-          </a:p>
-        </p:txBody>
-      </p:sp>
-    </p:spTree>
-    <p:extLst>
-      <p:ext uri="{BB962C8B-B14F-4D97-AF65-F5344CB8AC3E}">
-        <p14:creationId xmlns:p14="http://schemas.microsoft.com/office/powerpoint/2010/main" val="566803071"/>
-      </p:ext>
-    </p:extLst>
-  </p:cSld>
-  <p:clrMapOvr>
-    <a:masterClrMapping/>
-  </p:clrMapOvr>
-  <mc:AlternateContent xmlns:mc="http://schemas.openxmlformats.org/markup-compatibility/2006" xmlns:p14="http://schemas.microsoft.com/office/powerpoint/2010/main">
-    <mc:Choice Requires="p14">
-      <p:transition spd="med" p14:dur="700">
-        <p:fade/>
-      </p:transition>
-    </mc:Choice>
-    <mc:Fallback xmlns="">
+    <mc:Fallback>
       <p:transition spd="med">
         <p:fade/>
       </p:transition>
@@ -9019,166 +9774,23 @@
             </a:r>
             <a:r>
               <a:rPr lang="en-US" altLang="zh-CN" dirty="0" smtClean="0"/>
-              <a:t>(2)</a:t>
+              <a:t>(1)</a:t>
             </a:r>
             <a:endParaRPr lang="x-none" dirty="0"/>
-          </a:p>
-        </p:txBody>
-      </p:sp>
-      <p:sp>
-        <p:nvSpPr>
-          <p:cNvPr id="2" name="文本框 1"/>
-          <p:cNvSpPr txBox="1"/>
-          <p:nvPr/>
-        </p:nvSpPr>
-        <p:spPr>
-          <a:xfrm>
-            <a:off x="884903" y="1814052"/>
-            <a:ext cx="1359603" cy="461665"/>
-          </a:xfrm>
-          <a:prstGeom prst="rect">
-            <a:avLst/>
-          </a:prstGeom>
-          <a:noFill/>
-        </p:spPr>
-        <p:txBody>
-          <a:bodyPr wrap="none" rtlCol="0">
-            <a:spAutoFit/>
-          </a:bodyPr>
-          <a:lstStyle/>
-          <a:p>
-            <a:r>
-              <a:rPr kumimoji="1" lang="en-US" altLang="zh-CN" sz="2400" dirty="0" smtClean="0"/>
-              <a:t>Matching</a:t>
-            </a:r>
-            <a:endParaRPr kumimoji="1" lang="zh-CN" altLang="en-US" sz="2400" dirty="0"/>
-          </a:p>
-        </p:txBody>
-      </p:sp>
-      <p:sp>
-        <p:nvSpPr>
-          <p:cNvPr id="4" name="矩形 3"/>
-          <p:cNvSpPr/>
-          <p:nvPr/>
-        </p:nvSpPr>
-        <p:spPr>
-          <a:xfrm>
-            <a:off x="884903" y="2388985"/>
-            <a:ext cx="4896465" cy="3416320"/>
-          </a:xfrm>
-          <a:prstGeom prst="rect">
-            <a:avLst/>
-          </a:prstGeom>
-        </p:spPr>
-        <p:txBody>
-          <a:bodyPr wrap="square">
-            <a:spAutoFit/>
-          </a:bodyPr>
-          <a:lstStyle/>
-          <a:p>
-            <a:r>
-              <a:rPr lang="en-US" altLang="zh-CN" dirty="0"/>
-              <a:t>The problem is modeled as </a:t>
-            </a:r>
-            <a:r>
-              <a:rPr lang="en-US" altLang="zh-CN" i="1" dirty="0"/>
-              <a:t>large scale and multi classification.</a:t>
-            </a:r>
-          </a:p>
-          <a:p>
-            <a:r>
-              <a:rPr lang="en-US" altLang="zh-CN" dirty="0"/>
-              <a:t>The whole model architecture is a DNN structure that contains three hidden layers.</a:t>
-            </a:r>
-            <a:endParaRPr lang="zh-CN" altLang="en-US" dirty="0"/>
-          </a:p>
-          <a:p>
-            <a:r>
-              <a:rPr lang="en-US" altLang="zh-CN" dirty="0"/>
-              <a:t>Input </a:t>
-            </a:r>
-            <a:r>
-              <a:rPr lang="zh-CN" altLang="en-US" dirty="0"/>
-              <a:t>：</a:t>
-            </a:r>
-            <a:endParaRPr lang="en-US" altLang="zh-CN" dirty="0"/>
-          </a:p>
-          <a:p>
-            <a:pPr lvl="1"/>
-            <a:r>
-              <a:rPr lang="en-US" altLang="zh-CN" dirty="0"/>
-              <a:t>  User browsing history</a:t>
-            </a:r>
-          </a:p>
-          <a:p>
-            <a:pPr lvl="1"/>
-            <a:r>
-              <a:rPr lang="en-US" altLang="zh-CN" dirty="0"/>
-              <a:t>  Search history</a:t>
-            </a:r>
-          </a:p>
-          <a:p>
-            <a:pPr lvl="1"/>
-            <a:r>
-              <a:rPr lang="en-US" altLang="zh-CN" dirty="0"/>
-              <a:t>  Demographic information</a:t>
-            </a:r>
-          </a:p>
-          <a:p>
-            <a:pPr lvl="1"/>
-            <a:r>
-              <a:rPr lang="en-US" altLang="zh-CN" dirty="0"/>
-              <a:t>  </a:t>
-            </a:r>
-            <a:r>
-              <a:rPr lang="en-US" altLang="zh-CN" dirty="0" err="1"/>
-              <a:t>Ect</a:t>
-            </a:r>
-            <a:r>
-              <a:rPr lang="en-US" altLang="zh-CN" dirty="0"/>
-              <a:t>..</a:t>
-            </a:r>
-          </a:p>
-          <a:p>
-            <a:r>
-              <a:rPr lang="en-US" altLang="zh-CN" dirty="0"/>
-              <a:t>Output </a:t>
-            </a:r>
-            <a:r>
-              <a:rPr lang="zh-CN" altLang="en-US" dirty="0"/>
-              <a:t>：</a:t>
-            </a:r>
-            <a:endParaRPr lang="en-US" altLang="zh-CN" dirty="0"/>
-          </a:p>
-          <a:p>
-            <a:pPr lvl="1"/>
-            <a:r>
-              <a:rPr lang="en-US" altLang="zh-CN" dirty="0"/>
-              <a:t> On-line training</a:t>
-            </a:r>
-            <a:endParaRPr lang="zh-CN" altLang="en-US" dirty="0"/>
-          </a:p>
-          <a:p>
-            <a:pPr lvl="1"/>
-            <a:r>
-              <a:rPr lang="en-US" altLang="zh-CN" dirty="0"/>
-              <a:t> Off-line training</a:t>
-            </a:r>
-            <a:endParaRPr lang="zh-CN" altLang="en-US" dirty="0"/>
           </a:p>
         </p:txBody>
       </p:sp>
       <p:pic>
         <p:nvPicPr>
-          <p:cNvPr id="7" name="图片 6" descr="https://pic4.zhimg.com/50/v2-7f97ddd40285e08b64546e3a54a5d64a_hd.jpg"/>
+          <p:cNvPr id="5" name="图片 4" descr="https://pic1.zhimg.com/50/v2-533f102bd97b2b8cdf25639cfb0ab3e9_hd.jpg"/>
           <p:cNvPicPr/>
           <p:nvPr/>
         </p:nvPicPr>
         <p:blipFill>
-          <a:blip r:embed="rId3">
+          <a:blip r:embed="rId3" cstate="print">
             <a:extLst>
               <a:ext uri="{28A0092B-C50C-407E-A947-70E740481C1C}">
-                <a14:useLocalDpi xmlns:a14="http://schemas.microsoft.com/office/drawing/2010/main" val="0"/>
+                <a14:useLocalDpi xmlns:a14="http://schemas.microsoft.com/office/drawing/2010/main" xmlns="" val="0"/>
               </a:ext>
             </a:extLst>
           </a:blip>
@@ -9189,8 +9801,8 @@
         </p:blipFill>
         <p:spPr bwMode="auto">
           <a:xfrm>
-            <a:off x="5983116" y="1814052"/>
-            <a:ext cx="5913682" cy="4517627"/>
+            <a:off x="4871506" y="1734050"/>
+            <a:ext cx="6812809" cy="4339931"/>
           </a:xfrm>
           <a:prstGeom prst="rect">
             <a:avLst/>
@@ -9201,23 +9813,104 @@
           </a:ln>
         </p:spPr>
       </p:pic>
+      <p:sp>
+        <p:nvSpPr>
+          <p:cNvPr id="6" name="文本框 5"/>
+          <p:cNvSpPr txBox="1"/>
+          <p:nvPr/>
+        </p:nvSpPr>
+        <p:spPr>
+          <a:xfrm>
+            <a:off x="389225" y="2368062"/>
+            <a:ext cx="4482281" cy="1512209"/>
+          </a:xfrm>
+          <a:prstGeom prst="rect">
+            <a:avLst/>
+          </a:prstGeom>
+          <a:noFill/>
+        </p:spPr>
+        <p:txBody>
+          <a:bodyPr wrap="square" rtlCol="0">
+            <a:spAutoFit/>
+          </a:bodyPr>
+          <a:lstStyle/>
+          <a:p>
+            <a:pPr marL="228600" indent="-228600">
+              <a:lnSpc>
+                <a:spcPct val="70000"/>
+              </a:lnSpc>
+              <a:spcBef>
+                <a:spcPts val="1000"/>
+              </a:spcBef>
+              <a:buFont typeface="Arial" panose="020B0604020202020204" pitchFamily="34" charset="0"/>
+              <a:buChar char="•"/>
+            </a:pPr>
+            <a:r>
+              <a:rPr lang="en-US" altLang="zh-CN" sz="3600" dirty="0" smtClean="0"/>
+              <a:t>Matching</a:t>
+            </a:r>
+            <a:r>
+              <a:rPr lang="en-US" altLang="zh-CN" sz="2000" dirty="0" smtClean="0"/>
+              <a:t>(candidate </a:t>
+            </a:r>
+            <a:r>
+              <a:rPr lang="en-US" altLang="zh-CN" sz="2000" dirty="0"/>
+              <a:t>generation</a:t>
+            </a:r>
+            <a:r>
+              <a:rPr lang="en-US" altLang="zh-CN" sz="2000" dirty="0" smtClean="0"/>
+              <a:t>)</a:t>
+            </a:r>
+          </a:p>
+          <a:p>
+            <a:pPr marL="228600" indent="-228600">
+              <a:lnSpc>
+                <a:spcPct val="70000"/>
+              </a:lnSpc>
+              <a:spcBef>
+                <a:spcPts val="1000"/>
+              </a:spcBef>
+              <a:buFont typeface="Arial" panose="020B0604020202020204" pitchFamily="34" charset="0"/>
+              <a:buChar char="•"/>
+            </a:pPr>
+            <a:endParaRPr lang="en-US" altLang="zh-CN" sz="3600" dirty="0"/>
+          </a:p>
+          <a:p>
+            <a:pPr marL="228600" indent="-228600">
+              <a:lnSpc>
+                <a:spcPct val="70000"/>
+              </a:lnSpc>
+              <a:spcBef>
+                <a:spcPts val="1000"/>
+              </a:spcBef>
+              <a:buFont typeface="Arial" panose="020B0604020202020204" pitchFamily="34" charset="0"/>
+              <a:buChar char="•"/>
+            </a:pPr>
+            <a:r>
+              <a:rPr lang="en-US" altLang="zh-CN" sz="3600" dirty="0"/>
+              <a:t>Ranking</a:t>
+            </a:r>
+            <a:endParaRPr lang="zh-CN" altLang="en-US" sz="3600" dirty="0"/>
+          </a:p>
+        </p:txBody>
+      </p:sp>
     </p:spTree>
     <p:extLst>
       <p:ext uri="{BB962C8B-B14F-4D97-AF65-F5344CB8AC3E}">
-        <p14:creationId xmlns:p14="http://schemas.microsoft.com/office/powerpoint/2010/main" val="1067304964"/>
+        <p14:creationId xmlns:p14="http://schemas.microsoft.com/office/powerpoint/2010/main" xmlns="" val="566803071"/>
       </p:ext>
     </p:extLst>
   </p:cSld>
   <p:clrMapOvr>
     <a:masterClrMapping/>
   </p:clrMapOvr>
-  <mc:AlternateContent xmlns:mc="http://schemas.openxmlformats.org/markup-compatibility/2006" xmlns:p14="http://schemas.microsoft.com/office/powerpoint/2010/main">
-    <mc:Choice Requires="p14">
+  <mc:AlternateContent xmlns:mc="http://schemas.openxmlformats.org/markup-compatibility/2006">
+    <mc:Choice xmlns:p14="http://schemas.microsoft.com/office/powerpoint/2010/main" xmlns="" Requires="p14">
       <p:transition spd="med" p14:dur="700">
         <p:fade/>
       </p:transition>
     </mc:Choice>
-    <mc:Fallback xmlns="">
+    <mc:Fallback>
       <p:transition spd="med">
         <p:fade/>
       </p:transition>
@@ -9289,7 +9982,7 @@
             </a:r>
             <a:r>
               <a:rPr lang="en-US" altLang="zh-CN" dirty="0" smtClean="0"/>
-              <a:t>(3)</a:t>
+              <a:t>(2)</a:t>
             </a:r>
             <a:endParaRPr lang="x-none" dirty="0"/>
           </a:p>
@@ -9304,7 +9997,7 @@
         <p:spPr>
           <a:xfrm>
             <a:off x="884903" y="1814052"/>
-            <a:ext cx="1176925" cy="461665"/>
+            <a:ext cx="1359603" cy="461665"/>
           </a:xfrm>
           <a:prstGeom prst="rect">
             <a:avLst/>
@@ -9319,7 +10012,7 @@
           <a:p>
             <a:r>
               <a:rPr kumimoji="1" lang="en-US" altLang="zh-CN" sz="2400" dirty="0" smtClean="0"/>
-              <a:t>Ranking</a:t>
+              <a:t>Matching</a:t>
             </a:r>
             <a:endParaRPr kumimoji="1" lang="zh-CN" altLang="en-US" sz="2400" dirty="0"/>
           </a:p>
@@ -9333,8 +10026,8 @@
         </p:nvSpPr>
         <p:spPr>
           <a:xfrm>
-            <a:off x="884904" y="2388985"/>
-            <a:ext cx="3421626" cy="2308324"/>
+            <a:off x="884903" y="2388985"/>
+            <a:ext cx="4896465" cy="3416320"/>
           </a:xfrm>
           <a:prstGeom prst="rect">
             <a:avLst/>
@@ -9346,49 +10039,93 @@
           </a:bodyPr>
           <a:lstStyle/>
           <a:p>
-            <a:pPr marL="285750" indent="-285750">
-              <a:buFont typeface="Arial" charset="0"/>
-              <a:buChar char="•"/>
-            </a:pPr>
             <a:r>
               <a:rPr lang="en-US" altLang="zh-CN" dirty="0"/>
-              <a:t>The most important task in the Ranking phase is to accurately predict the user's preference for video.</a:t>
-            </a:r>
-          </a:p>
-          <a:p>
-            <a:pPr marL="285750" indent="-285750">
-              <a:buFont typeface="Arial" charset="0"/>
-              <a:buChar char="•"/>
-            </a:pPr>
+              <a:t>The problem is modeled as </a:t>
+            </a:r>
+            <a:r>
+              <a:rPr lang="en-US" altLang="zh-CN" i="1" dirty="0"/>
+              <a:t>large scale and multi classification.</a:t>
+            </a:r>
+          </a:p>
+          <a:p>
             <a:r>
               <a:rPr lang="en-US" altLang="zh-CN" dirty="0"/>
-              <a:t>Matching </a:t>
+              <a:t>The whole model architecture is a DNN structure that contains three hidden layers.</a:t>
+            </a:r>
+            <a:endParaRPr lang="zh-CN" altLang="en-US" dirty="0"/>
+          </a:p>
+          <a:p>
+            <a:r>
+              <a:rPr lang="en-US" altLang="zh-CN" dirty="0"/>
+              <a:t>Input </a:t>
             </a:r>
             <a:r>
               <a:rPr lang="zh-CN" altLang="en-US" dirty="0"/>
               <a:t>：</a:t>
             </a:r>
+            <a:endParaRPr lang="en-US" altLang="zh-CN" dirty="0"/>
+          </a:p>
+          <a:p>
+            <a:pPr lvl="1"/>
             <a:r>
               <a:rPr lang="en-US" altLang="zh-CN" dirty="0"/>
-              <a:t>a million level candidate video sets</a:t>
-            </a:r>
-          </a:p>
-          <a:p>
-            <a:pPr marL="285750" indent="-285750">
-              <a:buFont typeface="Arial" charset="0"/>
-              <a:buChar char="•"/>
-            </a:pPr>
+              <a:t>  User browsing history</a:t>
+            </a:r>
+          </a:p>
+          <a:p>
+            <a:pPr lvl="1"/>
             <a:r>
               <a:rPr lang="en-US" altLang="zh-CN" dirty="0"/>
-              <a:t>Ranking </a:t>
+              <a:t>  Search history</a:t>
+            </a:r>
+          </a:p>
+          <a:p>
+            <a:pPr lvl="1"/>
+            <a:r>
+              <a:rPr lang="en-US" altLang="zh-CN" dirty="0"/>
+              <a:t>  Demographic information</a:t>
+            </a:r>
+          </a:p>
+          <a:p>
+            <a:pPr lvl="1"/>
+            <a:r>
+              <a:rPr lang="en-US" altLang="zh-CN" dirty="0"/>
+              <a:t>  </a:t>
+            </a:r>
+            <a:r>
+              <a:rPr lang="en-US" altLang="zh-CN" dirty="0" err="1"/>
+              <a:t>Ect</a:t>
+            </a:r>
+            <a:r>
+              <a:rPr lang="en-US" altLang="zh-CN" dirty="0"/>
+              <a:t>..</a:t>
+            </a:r>
+          </a:p>
+          <a:p>
+            <a:r>
+              <a:rPr lang="en-US" altLang="zh-CN" dirty="0"/>
+              <a:t>Output </a:t>
             </a:r>
             <a:r>
               <a:rPr lang="zh-CN" altLang="en-US" dirty="0"/>
               <a:t>：</a:t>
             </a:r>
+            <a:endParaRPr lang="en-US" altLang="zh-CN" dirty="0"/>
+          </a:p>
+          <a:p>
+            <a:pPr lvl="1"/>
             <a:r>
               <a:rPr lang="en-US" altLang="zh-CN" dirty="0"/>
-              <a:t>only a hundred level set of commodities.</a:t>
+              <a:t> On-line training</a:t>
+            </a:r>
+            <a:endParaRPr lang="zh-CN" altLang="en-US" dirty="0"/>
+          </a:p>
+          <a:p>
+            <a:pPr lvl="1"/>
+            <a:r>
+              <a:rPr lang="en-US" altLang="zh-CN" dirty="0"/>
+              <a:t> Off-line training</a:t>
             </a:r>
             <a:endParaRPr lang="zh-CN" altLang="en-US" dirty="0"/>
           </a:p>
@@ -9396,15 +10133,15 @@
       </p:sp>
       <p:pic>
         <p:nvPicPr>
-          <p:cNvPr id="6" name="图片 5" descr="https://pic4.zhimg.com/50/v2-33f93002d2d7f42f50e617e03ef659bd_hd.jpg"/>
+          <p:cNvPr id="7" name="图片 6" descr="https://pic4.zhimg.com/50/v2-7f97ddd40285e08b64546e3a54a5d64a_hd.jpg"/>
           <p:cNvPicPr/>
           <p:nvPr/>
         </p:nvPicPr>
         <p:blipFill>
-          <a:blip r:embed="rId3">
+          <a:blip r:embed="rId3" cstate="print">
             <a:extLst>
               <a:ext uri="{28A0092B-C50C-407E-A947-70E740481C1C}">
-                <a14:useLocalDpi xmlns:a14="http://schemas.microsoft.com/office/drawing/2010/main" val="0"/>
+                <a14:useLocalDpi xmlns:a14="http://schemas.microsoft.com/office/drawing/2010/main" xmlns="" val="0"/>
               </a:ext>
             </a:extLst>
           </a:blip>
@@ -9415,8 +10152,8 @@
         </p:blipFill>
         <p:spPr bwMode="auto">
           <a:xfrm>
-            <a:off x="6386052" y="1257773"/>
-            <a:ext cx="5691554" cy="5088596"/>
+            <a:off x="5983116" y="1814052"/>
+            <a:ext cx="5913682" cy="4517627"/>
           </a:xfrm>
           <a:prstGeom prst="rect">
             <a:avLst/>
@@ -9430,20 +10167,20 @@
     </p:spTree>
     <p:extLst>
       <p:ext uri="{BB962C8B-B14F-4D97-AF65-F5344CB8AC3E}">
-        <p14:creationId xmlns:p14="http://schemas.microsoft.com/office/powerpoint/2010/main" val="723064870"/>
+        <p14:creationId xmlns:p14="http://schemas.microsoft.com/office/powerpoint/2010/main" xmlns="" val="1067304964"/>
       </p:ext>
     </p:extLst>
   </p:cSld>
   <p:clrMapOvr>
     <a:masterClrMapping/>
   </p:clrMapOvr>
-  <mc:AlternateContent xmlns:mc="http://schemas.openxmlformats.org/markup-compatibility/2006" xmlns:p14="http://schemas.microsoft.com/office/powerpoint/2010/main">
-    <mc:Choice Requires="p14">
+  <mc:AlternateContent xmlns:mc="http://schemas.openxmlformats.org/markup-compatibility/2006">
+    <mc:Choice xmlns:p14="http://schemas.microsoft.com/office/powerpoint/2010/main" xmlns="" Requires="p14">
       <p:transition spd="med" p14:dur="700">
         <p:fade/>
       </p:transition>
     </mc:Choice>
-    <mc:Fallback xmlns="">
+    <mc:Fallback>
       <p:transition spd="med">
         <p:fade/>
       </p:transition>
@@ -9714,7 +10451,7 @@
   <a:extraClrSchemeLst/>
   <a:extLst>
     <a:ext uri="{05A4C25C-085E-4340-85A3-A5531E510DB2}">
-      <thm15:themeFamily xmlns:thm15="http://schemas.microsoft.com/office/thememl/2012/main" name="Office_13246195_TF02895254" id="{EFC1B834-9C0A-4AEB-8CA6-A4EB25A64C50}" vid="{6D84CB04-6D90-439B-B177-3B71BC5E2902}"/>
+      <thm15:themeFamily xmlns:thm15="http://schemas.microsoft.com/office/thememl/2012/main" xmlns="" name="Office_13246195_TF02895254" id="{EFC1B834-9C0A-4AEB-8CA6-A4EB25A64C50}" vid="{6D84CB04-6D90-439B-B177-3B71BC5E2902}"/>
     </a:ext>
   </a:extLst>
 </a:theme>
@@ -10233,12 +10970,14 @@
 </file>
 
 <file path=customXml/item1.xml><?xml version="1.0" encoding="utf-8"?>
-<?mso-contentType ?>
-<FormTemplates xmlns="http://schemas.microsoft.com/sharepoint/v3/contenttype/forms">
-  <Display>DocumentLibraryForm</Display>
-  <Edit>DocumentLibraryForm</Edit>
-  <New>DocumentLibraryForm</New>
-</FormTemplates>
+<p:properties xmlns:p="http://schemas.microsoft.com/office/2006/metadata/properties" xmlns:xsi="http://www.w3.org/2001/XMLSchema-instance" xmlns:pc="http://schemas.microsoft.com/office/infopath/2007/PartnerControls">
+  <documentManagement>
+    <VSO_x0020_item_x0020_id xmlns="40262f94-9f35-4ac3-9a90-690165a166b7" xsi:nil="true"/>
+    <Assetid_x0020_ xmlns="40262f94-9f35-4ac3-9a90-690165a166b7" xsi:nil="true"/>
+    <Item_x0020_Details xmlns="40262f94-9f35-4ac3-9a90-690165a166b7" xsi:nil="true"/>
+    <Template_x0020_details xmlns="40262f94-9f35-4ac3-9a90-690165a166b7" xsi:nil="true"/>
+  </documentManagement>
+</p:properties>
 </file>
 
 <file path=customXml/item2.xml><?xml version="1.0" encoding="utf-8"?>
@@ -10423,20 +11162,27 @@
 </file>
 
 <file path=customXml/item3.xml><?xml version="1.0" encoding="utf-8"?>
-<p:properties xmlns:p="http://schemas.microsoft.com/office/2006/metadata/properties" xmlns:xsi="http://www.w3.org/2001/XMLSchema-instance" xmlns:pc="http://schemas.microsoft.com/office/infopath/2007/PartnerControls">
-  <documentManagement>
-    <VSO_x0020_item_x0020_id xmlns="40262f94-9f35-4ac3-9a90-690165a166b7" xsi:nil="true"/>
-    <Assetid_x0020_ xmlns="40262f94-9f35-4ac3-9a90-690165a166b7" xsi:nil="true"/>
-    <Item_x0020_Details xmlns="40262f94-9f35-4ac3-9a90-690165a166b7" xsi:nil="true"/>
-    <Template_x0020_details xmlns="40262f94-9f35-4ac3-9a90-690165a166b7" xsi:nil="true"/>
-  </documentManagement>
-</p:properties>
+<?mso-contentType ?>
+<FormTemplates xmlns="http://schemas.microsoft.com/sharepoint/v3/contenttype/forms">
+  <Display>DocumentLibraryForm</Display>
+  <Edit>DocumentLibraryForm</Edit>
+  <New>DocumentLibraryForm</New>
+</FormTemplates>
 </file>
 
 <file path=customXml/itemProps1.xml><?xml version="1.0" encoding="utf-8"?>
-<ds:datastoreItem xmlns:ds="http://schemas.openxmlformats.org/officeDocument/2006/customXml" ds:itemID="{FAC2023F-644C-4F7E-8E8C-CDBE4A63C7D1}">
+<ds:datastoreItem xmlns:ds="http://schemas.openxmlformats.org/officeDocument/2006/customXml" ds:itemID="{40B0D886-CB8D-4564-A797-C05BC7D513A8}">
   <ds:schemaRefs>
-    <ds:schemaRef ds:uri="http://schemas.microsoft.com/sharepoint/v3/contenttype/forms"/>
+    <ds:schemaRef ds:uri="http://purl.org/dc/elements/1.1/"/>
+    <ds:schemaRef ds:uri="http://schemas.microsoft.com/office/2006/metadata/properties"/>
+    <ds:schemaRef ds:uri="http://purl.org/dc/terms/"/>
+    <ds:schemaRef ds:uri="http://schemas.openxmlformats.org/package/2006/metadata/core-properties"/>
+    <ds:schemaRef ds:uri="http://schemas.microsoft.com/office/2006/documentManagement/types"/>
+    <ds:schemaRef ds:uri="http://schemas.microsoft.com/office/infopath/2007/PartnerControls"/>
+    <ds:schemaRef ds:uri="40262f94-9f35-4ac3-9a90-690165a166b7"/>
+    <ds:schemaRef ds:uri="a4f35948-e619-41b3-aa29-22878b09cfd2"/>
+    <ds:schemaRef ds:uri="http://www.w3.org/XML/1998/namespace"/>
+    <ds:schemaRef ds:uri="http://purl.org/dc/dcmitype/"/>
   </ds:schemaRefs>
 </ds:datastoreItem>
 </file>
@@ -10461,18 +11207,9 @@
 </file>
 
 <file path=customXml/itemProps3.xml><?xml version="1.0" encoding="utf-8"?>
-<ds:datastoreItem xmlns:ds="http://schemas.openxmlformats.org/officeDocument/2006/customXml" ds:itemID="{40B0D886-CB8D-4564-A797-C05BC7D513A8}">
+<ds:datastoreItem xmlns:ds="http://schemas.openxmlformats.org/officeDocument/2006/customXml" ds:itemID="{FAC2023F-644C-4F7E-8E8C-CDBE4A63C7D1}">
   <ds:schemaRefs>
-    <ds:schemaRef ds:uri="http://purl.org/dc/elements/1.1/"/>
-    <ds:schemaRef ds:uri="http://schemas.microsoft.com/office/2006/metadata/properties"/>
-    <ds:schemaRef ds:uri="http://purl.org/dc/terms/"/>
-    <ds:schemaRef ds:uri="http://schemas.openxmlformats.org/package/2006/metadata/core-properties"/>
-    <ds:schemaRef ds:uri="http://schemas.microsoft.com/office/2006/documentManagement/types"/>
-    <ds:schemaRef ds:uri="http://schemas.microsoft.com/office/infopath/2007/PartnerControls"/>
-    <ds:schemaRef ds:uri="40262f94-9f35-4ac3-9a90-690165a166b7"/>
-    <ds:schemaRef ds:uri="a4f35948-e619-41b3-aa29-22878b09cfd2"/>
-    <ds:schemaRef ds:uri="http://www.w3.org/XML/1998/namespace"/>
-    <ds:schemaRef ds:uri="http://purl.org/dc/dcmitype/"/>
+    <ds:schemaRef ds:uri="http://schemas.microsoft.com/sharepoint/v3/contenttype/forms"/>
   </ds:schemaRefs>
 </ds:datastoreItem>
 </file>